--- a/Shop.Solution/Shop.Api.pptx
+++ b/Shop.Solution/Shop.Api.pptx
@@ -6240,10 +6240,10 @@
           <a:lstStyle/>
           <a:p>
             <a:r>
-              <a:rPr lang="fr-FR"/>
-              <a:t>Vue d’ensemble</a:t>
-            </a:r>
-            <a:endParaRPr lang="fr-LU"/>
+              <a:rPr lang="fr-FR" dirty="0"/>
+              <a:t>Overview</a:t>
+            </a:r>
+            <a:endParaRPr lang="fr-LU" dirty="0"/>
           </a:p>
         </p:txBody>
       </p:sp>
@@ -11820,8 +11820,8 @@
           <a:lstStyle/>
           <a:p>
             <a:r>
-              <a:rPr lang="en-US" dirty="0"/>
-              <a:t>Vue d’ensemble</a:t>
+              <a:rPr lang="en-US"/>
+              <a:t>Overview</a:t>
             </a:r>
             <a:endParaRPr lang="en-GB" dirty="0"/>
           </a:p>

--- a/Shop.Solution/Shop.Api.pptx
+++ b/Shop.Solution/Shop.Api.pptx
@@ -5,10 +5,10 @@
     <p:sldMasterId id="2147483649" r:id="rId1"/>
   </p:sldMasterIdLst>
   <p:notesMasterIdLst>
-    <p:notesMasterId r:id="rId15"/>
+    <p:notesMasterId r:id="rId14"/>
   </p:notesMasterIdLst>
   <p:handoutMasterIdLst>
-    <p:handoutMasterId r:id="rId16"/>
+    <p:handoutMasterId r:id="rId15"/>
   </p:handoutMasterIdLst>
   <p:sldIdLst>
     <p:sldId id="257" r:id="rId2"/>
@@ -18,12 +18,11 @@
     <p:sldId id="1731" r:id="rId6"/>
     <p:sldId id="1728" r:id="rId7"/>
     <p:sldId id="1727" r:id="rId8"/>
-    <p:sldId id="1823" r:id="rId9"/>
+    <p:sldId id="1831" r:id="rId9"/>
     <p:sldId id="1821" r:id="rId10"/>
     <p:sldId id="1796" r:id="rId11"/>
     <p:sldId id="1822" r:id="rId12"/>
     <p:sldId id="1670" r:id="rId13"/>
-    <p:sldId id="1726" r:id="rId14"/>
   </p:sldIdLst>
   <p:sldSz cx="12192000" cy="6858000"/>
   <p:notesSz cx="6858000" cy="9144000"/>
@@ -123,6 +122,34 @@
     </a:lvl9pPr>
   </p:defaultTextStyle>
   <p:extLst>
+    <p:ext uri="{521415D9-36F7-43E2-AB2F-B90AF26B5E84}">
+      <p14:sectionLst xmlns:p14="http://schemas.microsoft.com/office/powerpoint/2010/main">
+        <p14:section name="Default Section" id="{00DB974F-9418-4840-A334-73768C3E9D98}">
+          <p14:sldIdLst>
+            <p14:sldId id="257"/>
+            <p14:sldId id="258"/>
+          </p14:sldIdLst>
+        </p14:section>
+        <p14:section name="Api" id="{31D01D90-E746-496B-B9D9-4E319667C73F}">
+          <p14:sldIdLst>
+            <p14:sldId id="1724"/>
+            <p14:sldId id="1725"/>
+            <p14:sldId id="1731"/>
+            <p14:sldId id="1728"/>
+            <p14:sldId id="1727"/>
+            <p14:sldId id="1831"/>
+            <p14:sldId id="1821"/>
+          </p14:sldIdLst>
+        </p14:section>
+        <p14:section name="Db" id="{1F8C7576-CBC2-4A24-B78B-68FBDB4A70C2}">
+          <p14:sldIdLst>
+            <p14:sldId id="1796"/>
+            <p14:sldId id="1822"/>
+            <p14:sldId id="1670"/>
+          </p14:sldIdLst>
+        </p14:section>
+      </p14:sectionLst>
+    </p:ext>
     <p:ext uri="{EFAFB233-063F-42B5-8137-9DF3F51BA10A}">
       <p15:sldGuideLst xmlns:p15="http://schemas.microsoft.com/office/powerpoint/2012/main"/>
     </p:ext>
@@ -148,7 +175,7 @@
       </p:ext>
     </p:extLst>
   </p:cmAuthor>
-  <p:cmAuthor id="2" name="Kévin Gellenoncourt" initials="KG" lastIdx="4" clrIdx="1">
+  <p:cmAuthor id="2" name="Kévin Gellenoncourt" initials="KG" lastIdx="7" clrIdx="1">
     <p:extLst>
       <p:ext uri="{19B8F6BF-5375-455C-9EA6-DF929625EA0E}">
         <p15:presenceInfo xmlns:p15="http://schemas.microsoft.com/office/powerpoint/2012/main" userId="7970f103604cdf82" providerId="Windows Live"/>
@@ -156,6 +183,44 @@
     </p:extLst>
   </p:cmAuthor>
 </p:cmAuthorLst>
+</file>
+
+<file path=ppt/comments/comment1.xml><?xml version="1.0" encoding="utf-8"?>
+<p:cmLst xmlns:a="http://schemas.openxmlformats.org/drawingml/2006/main" xmlns:r="http://schemas.openxmlformats.org/officeDocument/2006/relationships" xmlns:p="http://schemas.openxmlformats.org/presentationml/2006/main">
+  <p:cm authorId="2" dt="2023-08-26T16:16:19.141" idx="5">
+    <p:pos x="2272" y="1667"/>
+    <p:text>Ex. 
+- Numero de téléphone avec 12 chiffres au lieu de 10
+- User with role that is not known from system</p:text>
+    <p:extLst>
+      <p:ext uri="{C676402C-5697-4E1C-873F-D02D1690AC5C}">
+        <p15:threadingInfo xmlns:p15="http://schemas.microsoft.com/office/powerpoint/2012/main" timeZoneBias="-120"/>
+      </p:ext>
+    </p:extLst>
+  </p:cm>
+  <p:cm authorId="2" dt="2023-08-26T16:24:14.101" idx="6">
+    <p:pos x="2913" y="2619"/>
+    <p:text>400. Validation Errors
+404. Not Found Searched Entity
+500. Internal Error (Api appelé en erreur...)</p:text>
+    <p:extLst>
+      <p:ext uri="{C676402C-5697-4E1C-873F-D02D1690AC5C}">
+        <p15:threadingInfo xmlns:p15="http://schemas.microsoft.com/office/powerpoint/2012/main" timeZoneBias="-120"/>
+      </p:ext>
+    </p:extLst>
+  </p:cm>
+  <p:cm authorId="2" dt="2023-08-26T17:08:10.319" idx="7">
+    <p:pos x="4602" y="2000"/>
+    <p:text>NotFoundExc.404
+(AppliExc &amp; ValExc).400
+Else.500</p:text>
+    <p:extLst>
+      <p:ext uri="{C676402C-5697-4E1C-873F-D02D1690AC5C}">
+        <p15:threadingInfo xmlns:p15="http://schemas.microsoft.com/office/powerpoint/2012/main" timeZoneBias="-120"/>
+      </p:ext>
+    </p:extLst>
+  </p:cm>
+</p:cmLst>
 </file>
 
 <file path=ppt/handoutMasters/handoutMaster1.xml><?xml version="1.0" encoding="utf-8"?>
@@ -5405,7 +5470,7 @@
         <p:spPr>
           <a:xfrm>
             <a:off x="1188000" y="2938408"/>
-            <a:ext cx="6267878" cy="468307"/>
+            <a:ext cx="2951381" cy="468307"/>
           </a:xfrm>
           <a:prstGeom prst="roundRect">
             <a:avLst/>
@@ -5417,7 +5482,7 @@
           <a:p>
             <a:r>
               <a:rPr lang="fr-FR" sz="2400" dirty="0"/>
-              <a:t>.NetCore | Entity framework</a:t>
+              <a:t>.Net | EfCore</a:t>
             </a:r>
           </a:p>
         </p:txBody>
@@ -7958,326 +8023,6 @@
 </p:sld>
 </file>
 
-<file path=ppt/slides/slide13.xml><?xml version="1.0" encoding="utf-8"?>
-<p:sld xmlns:a="http://schemas.openxmlformats.org/drawingml/2006/main" xmlns:r="http://schemas.openxmlformats.org/officeDocument/2006/relationships" xmlns:p="http://schemas.openxmlformats.org/presentationml/2006/main">
-  <p:cSld>
-    <p:spTree>
-      <p:nvGrpSpPr>
-        <p:cNvPr id="1" name=""/>
-        <p:cNvGrpSpPr/>
-        <p:nvPr/>
-      </p:nvGrpSpPr>
-      <p:grpSpPr>
-        <a:xfrm>
-          <a:off x="0" y="0"/>
-          <a:ext cx="0" cy="0"/>
-          <a:chOff x="0" y="0"/>
-          <a:chExt cx="0" cy="0"/>
-        </a:xfrm>
-      </p:grpSpPr>
-      <p:sp>
-        <p:nvSpPr>
-          <p:cNvPr id="3" name="Espace réservé du numéro de diapositive 2">
-            <a:extLst>
-              <a:ext uri="{FF2B5EF4-FFF2-40B4-BE49-F238E27FC236}">
-                <a16:creationId xmlns:a16="http://schemas.microsoft.com/office/drawing/2014/main" id="{99A8DA8C-4C78-4209-9581-6BD6E1D4E668}"/>
-              </a:ext>
-            </a:extLst>
-          </p:cNvPr>
-          <p:cNvSpPr>
-            <a:spLocks noGrp="1"/>
-          </p:cNvSpPr>
-          <p:nvPr>
-            <p:ph type="sldNum" sz="quarter" idx="10"/>
-          </p:nvPr>
-        </p:nvSpPr>
-        <p:spPr/>
-        <p:txBody>
-          <a:bodyPr/>
-          <a:lstStyle/>
-          <a:p>
-            <a:fld id="{E14D0CC5-784E-4B7E-B9F4-EE71C08DA69C}" type="slidenum">
-              <a:rPr lang="fr-FR" smtClean="0"/>
-              <a:pPr/>
-              <a:t>13</a:t>
-            </a:fld>
-            <a:endParaRPr lang="fr-FR" dirty="0"/>
-          </a:p>
-        </p:txBody>
-      </p:sp>
-      <p:sp>
-        <p:nvSpPr>
-          <p:cNvPr id="4" name="Espace réservé du pied de page 3">
-            <a:extLst>
-              <a:ext uri="{FF2B5EF4-FFF2-40B4-BE49-F238E27FC236}">
-                <a16:creationId xmlns:a16="http://schemas.microsoft.com/office/drawing/2014/main" id="{1F468009-87DD-4659-8F96-738F6A7ED5DF}"/>
-              </a:ext>
-            </a:extLst>
-          </p:cNvPr>
-          <p:cNvSpPr>
-            <a:spLocks noGrp="1"/>
-          </p:cNvSpPr>
-          <p:nvPr>
-            <p:ph type="ftr" sz="quarter" idx="11"/>
-          </p:nvPr>
-        </p:nvSpPr>
-        <p:spPr/>
-        <p:txBody>
-          <a:bodyPr/>
-          <a:lstStyle/>
-          <a:p>
-            <a:r>
-              <a:rPr lang="fr-FR" dirty="0"/>
-              <a:t>Unlocked By | K </a:t>
-            </a:r>
-          </a:p>
-        </p:txBody>
-      </p:sp>
-      <p:sp>
-        <p:nvSpPr>
-          <p:cNvPr id="9" name="Espace réservé du texte 8">
-            <a:extLst>
-              <a:ext uri="{FF2B5EF4-FFF2-40B4-BE49-F238E27FC236}">
-                <a16:creationId xmlns:a16="http://schemas.microsoft.com/office/drawing/2014/main" id="{C58172FE-3CF4-46DE-B216-AA1B0C11748D}"/>
-              </a:ext>
-            </a:extLst>
-          </p:cNvPr>
-          <p:cNvSpPr>
-            <a:spLocks noGrp="1"/>
-          </p:cNvSpPr>
-          <p:nvPr>
-            <p:ph type="body" sz="quarter" idx="19"/>
-          </p:nvPr>
-        </p:nvSpPr>
-        <p:spPr>
-          <a:xfrm>
-            <a:off x="838200" y="1089499"/>
-            <a:ext cx="5144311" cy="1876726"/>
-          </a:xfrm>
-          <a:prstGeom prst="roundRect">
-            <a:avLst>
-              <a:gd name="adj" fmla="val 12233"/>
-            </a:avLst>
-          </a:prstGeom>
-        </p:spPr>
-        <p:txBody>
-          <a:bodyPr/>
-          <a:lstStyle/>
-          <a:p>
-            <a:pPr marL="0" indent="0" algn="ctr">
-              <a:buNone/>
-            </a:pPr>
-            <a:r>
-              <a:rPr lang="fr-FR" dirty="0"/>
-              <a:t>Sql | Linq</a:t>
-            </a:r>
-          </a:p>
-          <a:p>
-            <a:pPr marL="274320" lvl="1" indent="-182880"/>
-            <a:r>
-              <a:rPr lang="fr-FR" b="0" dirty="0"/>
-              <a:t>Database, table, requête, donnée, index</a:t>
-            </a:r>
-          </a:p>
-          <a:p>
-            <a:pPr marL="274320" lvl="1" indent="-182880"/>
-            <a:r>
-              <a:rPr lang="fr-FR" b="0" dirty="0"/>
-              <a:t>Select, </a:t>
-            </a:r>
-            <a:r>
-              <a:rPr lang="fr-FR" b="0" dirty="0" err="1"/>
-              <a:t>From</a:t>
-            </a:r>
-            <a:r>
-              <a:rPr lang="fr-FR" b="0" dirty="0"/>
-              <a:t> </a:t>
-            </a:r>
-            <a:r>
-              <a:rPr lang="fr-FR" b="0" dirty="0" err="1"/>
-              <a:t>Where</a:t>
-            </a:r>
-            <a:r>
-              <a:rPr lang="fr-FR" b="0" dirty="0"/>
-              <a:t>, </a:t>
-            </a:r>
-            <a:r>
-              <a:rPr lang="fr-FR" b="0" dirty="0" err="1"/>
-              <a:t>Join</a:t>
-            </a:r>
-            <a:r>
-              <a:rPr lang="fr-FR" b="0" dirty="0"/>
-              <a:t> </a:t>
-            </a:r>
-            <a:r>
-              <a:rPr lang="fr-FR" b="0" dirty="0" err="1"/>
-              <a:t>OrderBy</a:t>
-            </a:r>
-            <a:endParaRPr lang="fr-FR" b="0" dirty="0"/>
-          </a:p>
-          <a:p>
-            <a:pPr marL="274320" lvl="1" indent="-182880"/>
-            <a:endParaRPr lang="fr-FR" dirty="0"/>
-          </a:p>
-          <a:p>
-            <a:pPr lvl="1"/>
-            <a:endParaRPr lang="fr-FR" dirty="0"/>
-          </a:p>
-          <a:p>
-            <a:endParaRPr lang="fr-FR" dirty="0"/>
-          </a:p>
-        </p:txBody>
-      </p:sp>
-      <p:sp>
-        <p:nvSpPr>
-          <p:cNvPr id="8" name="Espace réservé du texte 7">
-            <a:extLst>
-              <a:ext uri="{FF2B5EF4-FFF2-40B4-BE49-F238E27FC236}">
-                <a16:creationId xmlns:a16="http://schemas.microsoft.com/office/drawing/2014/main" id="{1E045576-77C6-4C48-9341-689475EFE6AD}"/>
-              </a:ext>
-            </a:extLst>
-          </p:cNvPr>
-          <p:cNvSpPr>
-            <a:spLocks noGrp="1"/>
-          </p:cNvSpPr>
-          <p:nvPr>
-            <p:ph type="body" sz="quarter" idx="16"/>
-          </p:nvPr>
-        </p:nvSpPr>
-        <p:spPr/>
-        <p:txBody>
-          <a:bodyPr/>
-          <a:lstStyle/>
-          <a:p>
-            <a:pPr marL="0" indent="0" algn="ctr">
-              <a:buNone/>
-            </a:pPr>
-            <a:r>
-              <a:rPr lang="fr-FR" dirty="0"/>
-              <a:t>Annexe</a:t>
-            </a:r>
-            <a:endParaRPr lang="en-US" dirty="0">
-              <a:cs typeface="Arial" panose="020B0604020202020204"/>
-            </a:endParaRPr>
-          </a:p>
-        </p:txBody>
-      </p:sp>
-      <p:sp>
-        <p:nvSpPr>
-          <p:cNvPr id="7" name="Titre 6">
-            <a:extLst>
-              <a:ext uri="{FF2B5EF4-FFF2-40B4-BE49-F238E27FC236}">
-                <a16:creationId xmlns:a16="http://schemas.microsoft.com/office/drawing/2014/main" id="{090CE60D-FDAD-4142-BB12-6C1C78827B40}"/>
-              </a:ext>
-            </a:extLst>
-          </p:cNvPr>
-          <p:cNvSpPr>
-            <a:spLocks noGrp="1"/>
-          </p:cNvSpPr>
-          <p:nvPr>
-            <p:ph type="title"/>
-          </p:nvPr>
-        </p:nvSpPr>
-        <p:spPr/>
-        <p:txBody>
-          <a:bodyPr/>
-          <a:lstStyle/>
-          <a:p>
-            <a:r>
-              <a:rPr lang="fr-FR" dirty="0"/>
-              <a:t>C# | Sql</a:t>
-            </a:r>
-          </a:p>
-        </p:txBody>
-      </p:sp>
-      <p:sp>
-        <p:nvSpPr>
-          <p:cNvPr id="5" name="Espace réservé du texte 4">
-            <a:extLst>
-              <a:ext uri="{FF2B5EF4-FFF2-40B4-BE49-F238E27FC236}">
-                <a16:creationId xmlns:a16="http://schemas.microsoft.com/office/drawing/2014/main" id="{2444D54E-B56D-4726-AAE4-64AA3E2C1B2A}"/>
-              </a:ext>
-            </a:extLst>
-          </p:cNvPr>
-          <p:cNvSpPr>
-            <a:spLocks noGrp="1"/>
-          </p:cNvSpPr>
-          <p:nvPr>
-            <p:ph type="body" sz="quarter" idx="20"/>
-          </p:nvPr>
-        </p:nvSpPr>
-        <p:spPr/>
-        <p:txBody>
-          <a:bodyPr/>
-          <a:lstStyle/>
-          <a:p>
-            <a:pPr marL="0" indent="0" algn="ctr">
-              <a:buNone/>
-            </a:pPr>
-            <a:r>
-              <a:rPr lang="fr-FR" dirty="0"/>
-              <a:t>C#</a:t>
-            </a:r>
-          </a:p>
-          <a:p>
-            <a:pPr marL="274320" lvl="1" indent="-182880"/>
-            <a:r>
-              <a:rPr lang="fr-FR" dirty="0"/>
-              <a:t>Variable, type, </a:t>
-            </a:r>
-            <a:r>
-              <a:rPr lang="fr-FR" dirty="0" err="1"/>
-              <a:t>enum</a:t>
-            </a:r>
-            <a:endParaRPr lang="fr-FR" dirty="0"/>
-          </a:p>
-          <a:p>
-            <a:pPr marL="274320" lvl="1" indent="-182880"/>
-            <a:r>
-              <a:rPr lang="fr-FR" dirty="0"/>
-              <a:t>Decorator (~Annotation de classe)</a:t>
-            </a:r>
-          </a:p>
-          <a:p>
-            <a:pPr marL="274320" lvl="1" indent="-182880"/>
-            <a:r>
-              <a:rPr lang="fr-FR" dirty="0" err="1"/>
-              <a:t>Refléxion</a:t>
-            </a:r>
-            <a:r>
-              <a:rPr lang="fr-FR" dirty="0"/>
-              <a:t> / Introspection</a:t>
-            </a:r>
-          </a:p>
-          <a:p>
-            <a:pPr marL="274320" lvl="1" indent="-182880"/>
-            <a:r>
-              <a:rPr lang="fr-FR" dirty="0" err="1"/>
-              <a:t>Multi-threading</a:t>
-            </a:r>
-            <a:endParaRPr lang="fr-FR" dirty="0"/>
-          </a:p>
-          <a:p>
-            <a:pPr marL="0" indent="0" algn="ctr">
-              <a:buNone/>
-            </a:pPr>
-            <a:endParaRPr lang="fr-FR" dirty="0"/>
-          </a:p>
-        </p:txBody>
-      </p:sp>
-    </p:spTree>
-    <p:extLst>
-      <p:ext uri="{BB962C8B-B14F-4D97-AF65-F5344CB8AC3E}">
-        <p14:creationId xmlns:p14="http://schemas.microsoft.com/office/powerpoint/2010/main" val="547073753"/>
-      </p:ext>
-    </p:extLst>
-  </p:cSld>
-  <p:clrMapOvr>
-    <a:masterClrMapping/>
-  </p:clrMapOvr>
-</p:sld>
-</file>
-
 <file path=ppt/slides/slide2.xml><?xml version="1.0" encoding="utf-8"?>
 <p:sld xmlns:a="http://schemas.openxmlformats.org/drawingml/2006/main" xmlns:r="http://schemas.openxmlformats.org/officeDocument/2006/relationships" xmlns:p="http://schemas.openxmlformats.org/presentationml/2006/main">
   <p:cSld>
@@ -8370,22 +8115,6 @@
             <a:endParaRPr lang="fr-FR" dirty="0">
               <a:cs typeface="Arial"/>
             </a:endParaRPr>
-          </a:p>
-          <a:p>
-            <a:pPr marL="514350" indent="-514350">
-              <a:buAutoNum type="arabicPeriod"/>
-            </a:pPr>
-            <a:endParaRPr lang="fr-FR" dirty="0">
-              <a:cs typeface="Arial"/>
-            </a:endParaRPr>
-          </a:p>
-          <a:p>
-            <a:r>
-              <a:rPr lang="fr-FR" dirty="0">
-                <a:cs typeface="Arial"/>
-              </a:rPr>
-              <a:t>Annexe</a:t>
-            </a:r>
           </a:p>
         </p:txBody>
       </p:sp>
@@ -11252,72 +10981,6 @@
       </p:sp>
       <p:sp>
         <p:nvSpPr>
-          <p:cNvPr id="25" name="Espace réservé du texte 24">
-            <a:extLst>
-              <a:ext uri="{FF2B5EF4-FFF2-40B4-BE49-F238E27FC236}">
-                <a16:creationId xmlns:a16="http://schemas.microsoft.com/office/drawing/2014/main" id="{DB0D1DD0-9D3E-4556-A39B-E54D41263E22}"/>
-              </a:ext>
-            </a:extLst>
-          </p:cNvPr>
-          <p:cNvSpPr>
-            <a:spLocks noGrp="1"/>
-          </p:cNvSpPr>
-          <p:nvPr>
-            <p:ph type="body" sz="quarter" idx="24"/>
-          </p:nvPr>
-        </p:nvSpPr>
-        <p:spPr>
-          <a:xfrm>
-            <a:off x="6136462" y="4336026"/>
-            <a:ext cx="5144311" cy="1645548"/>
-          </a:xfrm>
-        </p:spPr>
-        <p:txBody>
-          <a:bodyPr/>
-          <a:lstStyle/>
-          <a:p>
-            <a:pPr marL="0" indent="0" algn="ctr">
-              <a:buNone/>
-            </a:pPr>
-            <a:r>
-              <a:rPr lang="fr-FR" dirty="0"/>
-              <a:t>Alias</a:t>
-            </a:r>
-          </a:p>
-          <a:p>
-            <a:r>
-              <a:rPr lang="fr-FR" sz="1600" b="0" dirty="0">
-                <a:solidFill>
-                  <a:schemeClr val="tx2"/>
-                </a:solidFill>
-              </a:rPr>
-              <a:t>@env, @enum, @material, @timer, @token</a:t>
-            </a:r>
-          </a:p>
-          <a:p>
-            <a:r>
-              <a:rPr lang="fr-FR" sz="1600" b="0" dirty="0">
-                <a:solidFill>
-                  <a:schemeClr val="tx2"/>
-                </a:solidFill>
-              </a:rPr>
-              <a:t>@core, @account, @shoppingList, @product</a:t>
-            </a:r>
-          </a:p>
-          <a:p>
-            <a:r>
-              <a:rPr lang="fr-FR" sz="1600" b="0" dirty="0">
-                <a:solidFill>
-                  <a:schemeClr val="tx2"/>
-                </a:solidFill>
-              </a:rPr>
-              <a:t>@package, @log, @deploy, @style, @conf</a:t>
-            </a:r>
-          </a:p>
-        </p:txBody>
-      </p:sp>
-      <p:sp>
-        <p:nvSpPr>
           <p:cNvPr id="6" name="Text Placeholder 7">
             <a:extLst>
               <a:ext uri="{FF2B5EF4-FFF2-40B4-BE49-F238E27FC236}">
@@ -11583,6 +11246,31 @@
               </a:rPr>
               <a:t>Pdf Gen. (CrystalReport / Power Pdf)</a:t>
             </a:r>
+          </a:p>
+        </p:txBody>
+      </p:sp>
+      <p:sp>
+        <p:nvSpPr>
+          <p:cNvPr id="5" name="Text Placeholder 4">
+            <a:extLst>
+              <a:ext uri="{FF2B5EF4-FFF2-40B4-BE49-F238E27FC236}">
+                <a16:creationId xmlns:a16="http://schemas.microsoft.com/office/drawing/2014/main" id="{4984CFA3-23A0-04AF-984E-A978DCD59CA6}"/>
+              </a:ext>
+            </a:extLst>
+          </p:cNvPr>
+          <p:cNvSpPr>
+            <a:spLocks noGrp="1"/>
+          </p:cNvSpPr>
+          <p:nvPr>
+            <p:ph type="body" sz="quarter" idx="24"/>
+          </p:nvPr>
+        </p:nvSpPr>
+        <p:spPr/>
+        <p:txBody>
+          <a:bodyPr/>
+          <a:lstStyle/>
+          <a:p>
+            <a:endParaRPr lang="en-US"/>
           </a:p>
         </p:txBody>
       </p:sp>
@@ -12623,8 +12311,8 @@
         </p:nvSpPr>
         <p:spPr>
           <a:xfrm>
-            <a:off x="838199" y="1050361"/>
-            <a:ext cx="4168435" cy="4917217"/>
+            <a:off x="5181461" y="1050361"/>
+            <a:ext cx="6099313" cy="4917217"/>
           </a:xfrm>
           <a:prstGeom prst="roundRect">
             <a:avLst>
@@ -12815,12 +12503,16 @@
               <a:buNone/>
             </a:pPr>
             <a:r>
-              <a:rPr lang="fr-FR" sz="1600" dirty="0">
+              <a:rPr lang="fr-FR" sz="1800" dirty="0">
                 <a:ea typeface="+mn-lt"/>
                 <a:cs typeface="+mn-lt"/>
               </a:rPr>
               <a:t>Pipeline</a:t>
             </a:r>
+            <a:endParaRPr lang="fr-FR" sz="1600" dirty="0">
+              <a:ea typeface="+mn-lt"/>
+              <a:cs typeface="+mn-lt"/>
+            </a:endParaRPr>
           </a:p>
         </p:txBody>
       </p:sp>
@@ -12846,10 +12538,34 @@
           <a:lstStyle/>
           <a:p>
             <a:r>
-              <a:rPr lang="fr-FR"/>
-              <a:t>Error Handling</a:t>
-            </a:r>
-            <a:endParaRPr lang="fr-LU"/>
+              <a:rPr lang="fr-FR" dirty="0">
+                <a:highlight>
+                  <a:srgbClr val="FFFF00"/>
+                </a:highlight>
+              </a:rPr>
+              <a:t>Error Handling (</a:t>
+            </a:r>
+            <a:r>
+              <a:rPr lang="fr-FR" dirty="0" err="1">
+                <a:highlight>
+                  <a:srgbClr val="FFFF00"/>
+                </a:highlight>
+              </a:rPr>
+              <a:t>Adapt</a:t>
+            </a:r>
+            <a:r>
+              <a:rPr lang="fr-FR" dirty="0">
+                <a:highlight>
+                  <a:srgbClr val="FFFF00"/>
+                </a:highlight>
+              </a:rPr>
+              <a:t> To Shop.Api)</a:t>
+            </a:r>
+            <a:endParaRPr lang="fr-LU" dirty="0">
+              <a:highlight>
+                <a:srgbClr val="FFFF00"/>
+              </a:highlight>
+            </a:endParaRPr>
           </a:p>
         </p:txBody>
       </p:sp>
@@ -12875,9 +12591,13 @@
           <a:lstStyle/>
           <a:p>
             <a:r>
-              <a:rPr lang="fr-FR" dirty="0"/>
-              <a:t>Api</a:t>
-            </a:r>
+              <a:rPr lang="fr-FR" dirty="0">
+                <a:latin typeface="Arial"/>
+                <a:cs typeface="Arial"/>
+              </a:rPr>
+              <a:t>Api.Net</a:t>
+            </a:r>
+            <a:endParaRPr lang="fr-FR" dirty="0"/>
           </a:p>
         </p:txBody>
       </p:sp>
@@ -13069,12 +12789,12 @@
         </p:nvSpPr>
         <p:spPr>
           <a:xfrm>
-            <a:off x="5343309" y="3254185"/>
-            <a:ext cx="1908174" cy="939130"/>
+            <a:off x="838199" y="4097548"/>
+            <a:ext cx="2103636" cy="1870030"/>
           </a:xfrm>
           <a:prstGeom prst="roundRect">
             <a:avLst>
-              <a:gd name="adj" fmla="val 15883"/>
+              <a:gd name="adj" fmla="val 9048"/>
             </a:avLst>
           </a:prstGeom>
           <a:ln w="15875">
@@ -13261,83 +12981,58 @@
               <a:buNone/>
             </a:pPr>
             <a:r>
-              <a:rPr lang="fr-FR" sz="1400" dirty="0">
+              <a:rPr lang="fr-FR" sz="1600" dirty="0">
                 <a:ea typeface="+mn-lt"/>
                 <a:cs typeface="+mn-lt"/>
               </a:rPr>
               <a:t>Exception</a:t>
             </a:r>
-            <a:endParaRPr lang="fr-FR" sz="1600" dirty="0">
-              <a:ea typeface="+mn-lt"/>
-              <a:cs typeface="+mn-lt"/>
-            </a:endParaRPr>
-          </a:p>
-          <a:p>
-            <a:pPr marL="288000" indent="-216000">
+          </a:p>
+          <a:p>
+            <a:pPr marL="216000" indent="-216000">
               <a:spcBef>
                 <a:spcPts val="300"/>
               </a:spcBef>
             </a:pPr>
             <a:r>
+              <a:rPr lang="fr-FR" sz="1200" b="0" dirty="0">
+                <a:solidFill>
+                  <a:schemeClr val="tx2"/>
+                </a:solidFill>
+              </a:rPr>
+              <a:t>ApplicationExc° | .Net</a:t>
+            </a:r>
+          </a:p>
+          <a:p>
+            <a:pPr marL="216000" indent="-216000">
+              <a:spcBef>
+                <a:spcPts val="300"/>
+              </a:spcBef>
+            </a:pPr>
+            <a:r>
+              <a:rPr lang="fr-FR" sz="1200" b="0" dirty="0">
+                <a:solidFill>
+                  <a:schemeClr val="tx2"/>
+                </a:solidFill>
+              </a:rPr>
+              <a:t>ValidationExc° | </a:t>
+            </a:r>
+            <a:r>
               <a:rPr lang="fr-FR" sz="1200" b="0" dirty="0" err="1">
                 <a:solidFill>
                   <a:schemeClr val="tx2"/>
                 </a:solidFill>
-                <a:ea typeface="+mn-lt"/>
-                <a:cs typeface="+mn-lt"/>
-              </a:rPr>
-              <a:t>ValidationExc</a:t>
-            </a:r>
-            <a:r>
-              <a:rPr lang="fr-FR" sz="1200" b="0" dirty="0">
-                <a:solidFill>
-                  <a:schemeClr val="tx2"/>
-                </a:solidFill>
-                <a:ea typeface="+mn-lt"/>
-                <a:cs typeface="+mn-lt"/>
-              </a:rPr>
-              <a:t>°</a:t>
-            </a:r>
-          </a:p>
-          <a:p>
-            <a:pPr marL="288000" indent="-216000">
-              <a:spcBef>
-                <a:spcPts val="300"/>
-              </a:spcBef>
-            </a:pPr>
-            <a:r>
-              <a:rPr lang="fr-FR" sz="1200" b="0" dirty="0" err="1">
-                <a:solidFill>
-                  <a:schemeClr val="tx2"/>
-                </a:solidFill>
-                <a:ea typeface="+mn-lt"/>
-                <a:cs typeface="+mn-lt"/>
-              </a:rPr>
-              <a:t>EntityNotFoundExc</a:t>
-            </a:r>
-            <a:r>
-              <a:rPr lang="fr-FR" sz="1200" b="0" dirty="0">
-                <a:solidFill>
-                  <a:schemeClr val="tx2"/>
-                </a:solidFill>
-                <a:ea typeface="+mn-lt"/>
-                <a:cs typeface="+mn-lt"/>
-              </a:rPr>
-              <a:t>°</a:t>
+              </a:rPr>
+              <a:t>FluentVal</a:t>
             </a:r>
             <a:endParaRPr lang="fr-FR" sz="1200" b="0" dirty="0">
               <a:solidFill>
                 <a:schemeClr val="tx2"/>
               </a:solidFill>
-              <a:highlight>
-                <a:srgbClr val="FFFF00"/>
-              </a:highlight>
-              <a:ea typeface="+mn-lt"/>
-              <a:cs typeface="+mn-lt"/>
             </a:endParaRPr>
           </a:p>
           <a:p>
-            <a:pPr marL="288000" indent="-216000">
+            <a:pPr marL="216000" indent="-216000">
               <a:spcBef>
                 <a:spcPts val="300"/>
               </a:spcBef>
@@ -13347,27 +13042,33 @@
                 <a:solidFill>
                   <a:schemeClr val="tx2"/>
                 </a:solidFill>
-                <a:ea typeface="+mn-lt"/>
-                <a:cs typeface="+mn-lt"/>
-              </a:rPr>
-              <a:t>Other</a:t>
-            </a:r>
-            <a:endParaRPr lang="fr-FR" sz="1400" b="0" dirty="0">
-              <a:solidFill>
-                <a:schemeClr val="tx2"/>
-              </a:solidFill>
-              <a:ea typeface="+mn-lt"/>
-              <a:cs typeface="+mn-lt"/>
-            </a:endParaRPr>
+              </a:rPr>
+              <a:t>NotFoundExc° | K</a:t>
+            </a:r>
+          </a:p>
+          <a:p>
+            <a:pPr marL="216000" indent="-216000">
+              <a:spcBef>
+                <a:spcPts val="300"/>
+              </a:spcBef>
+            </a:pPr>
+            <a:r>
+              <a:rPr lang="fr-FR" sz="1200" b="0" dirty="0">
+                <a:solidFill>
+                  <a:schemeClr val="tx2"/>
+                </a:solidFill>
+              </a:rPr>
+              <a:t>Other ?</a:t>
+            </a:r>
           </a:p>
         </p:txBody>
       </p:sp>
       <p:sp>
         <p:nvSpPr>
-          <p:cNvPr id="21" name="Espace réservé du texte 7">
+          <p:cNvPr id="24" name="Espace réservé du texte 7">
             <a:extLst>
               <a:ext uri="{FF2B5EF4-FFF2-40B4-BE49-F238E27FC236}">
-                <a16:creationId xmlns:a16="http://schemas.microsoft.com/office/drawing/2014/main" id="{7B90F373-D3ED-4A5A-81DD-11B4B5E645DB}"/>
+                <a16:creationId xmlns:a16="http://schemas.microsoft.com/office/drawing/2014/main" id="{0E7D1CEB-8D48-4C01-93BC-6E4B15951217}"/>
               </a:ext>
             </a:extLst>
           </p:cNvPr>
@@ -13378,8 +13079,2121 @@
         </p:nvSpPr>
         <p:spPr>
           <a:xfrm>
-            <a:off x="5357487" y="4302642"/>
-            <a:ext cx="1908174" cy="1561839"/>
+            <a:off x="838199" y="1814919"/>
+            <a:ext cx="4168435" cy="2168689"/>
+          </a:xfrm>
+          <a:prstGeom prst="roundRect">
+            <a:avLst>
+              <a:gd name="adj" fmla="val 5706"/>
+            </a:avLst>
+          </a:prstGeom>
+          <a:ln w="15875">
+            <a:solidFill>
+              <a:schemeClr val="accent1"/>
+            </a:solidFill>
+          </a:ln>
+        </p:spPr>
+        <p:txBody>
+          <a:bodyPr vert="horz" lIns="0" tIns="0" rIns="0" bIns="0" rtlCol="0">
+            <a:noAutofit/>
+          </a:bodyPr>
+          <a:lstStyle>
+            <a:lvl1pPr marL="360000" indent="-360000" algn="l" defTabSz="914400" rtl="0" eaLnBrk="1" latinLnBrk="0" hangingPunct="1">
+              <a:lnSpc>
+                <a:spcPct val="90000"/>
+              </a:lnSpc>
+              <a:spcBef>
+                <a:spcPts val="1000"/>
+              </a:spcBef>
+              <a:buFont typeface="Arial" panose="020B0604020202020204" pitchFamily="34" charset="0"/>
+              <a:buChar char="•"/>
+              <a:defRPr sz="2000" b="1" kern="1200">
+                <a:solidFill>
+                  <a:schemeClr val="tx1"/>
+                </a:solidFill>
+                <a:latin typeface="+mn-lt"/>
+                <a:ea typeface="+mn-ea"/>
+                <a:cs typeface="+mn-cs"/>
+              </a:defRPr>
+            </a:lvl1pPr>
+            <a:lvl2pPr marL="648000" indent="-360000" algn="l" defTabSz="914400" rtl="0" eaLnBrk="1" latinLnBrk="0" hangingPunct="1">
+              <a:lnSpc>
+                <a:spcPct val="90000"/>
+              </a:lnSpc>
+              <a:spcBef>
+                <a:spcPts val="1200"/>
+              </a:spcBef>
+              <a:buFont typeface="Arial" panose="020B0604020202020204" pitchFamily="34" charset="0"/>
+              <a:buChar char="•"/>
+              <a:defRPr sz="1800" b="1" kern="1200">
+                <a:solidFill>
+                  <a:schemeClr val="tx2"/>
+                </a:solidFill>
+                <a:latin typeface="+mn-lt"/>
+                <a:ea typeface="+mn-ea"/>
+                <a:cs typeface="+mn-cs"/>
+              </a:defRPr>
+            </a:lvl2pPr>
+            <a:lvl3pPr marL="648000" indent="-360000" algn="l" defTabSz="914400" rtl="0" eaLnBrk="1" latinLnBrk="0" hangingPunct="1">
+              <a:lnSpc>
+                <a:spcPct val="90000"/>
+              </a:lnSpc>
+              <a:spcBef>
+                <a:spcPts val="1200"/>
+              </a:spcBef>
+              <a:buFont typeface="Arial" panose="020B0604020202020204" pitchFamily="34" charset="0"/>
+              <a:buChar char="•"/>
+              <a:defRPr sz="1800" b="1" kern="1200">
+                <a:solidFill>
+                  <a:schemeClr val="bg1">
+                    <a:lumMod val="65000"/>
+                  </a:schemeClr>
+                </a:solidFill>
+                <a:latin typeface="+mn-lt"/>
+                <a:ea typeface="+mn-ea"/>
+                <a:cs typeface="+mn-cs"/>
+              </a:defRPr>
+            </a:lvl3pPr>
+            <a:lvl4pPr marL="720000" indent="-270000" algn="l" defTabSz="914400" rtl="0" eaLnBrk="1" latinLnBrk="0" hangingPunct="1">
+              <a:lnSpc>
+                <a:spcPct val="90000"/>
+              </a:lnSpc>
+              <a:spcBef>
+                <a:spcPts val="1000"/>
+              </a:spcBef>
+              <a:buFont typeface="Arial" panose="020B0604020202020204" pitchFamily="34" charset="0"/>
+              <a:buChar char="•"/>
+              <a:defRPr sz="1600" kern="1200">
+                <a:solidFill>
+                  <a:schemeClr val="tx2"/>
+                </a:solidFill>
+                <a:latin typeface="+mn-lt"/>
+                <a:ea typeface="+mn-ea"/>
+                <a:cs typeface="+mn-cs"/>
+              </a:defRPr>
+            </a:lvl4pPr>
+            <a:lvl5pPr marL="630000" indent="-270000" algn="l" defTabSz="914400" rtl="0" eaLnBrk="1" latinLnBrk="0" hangingPunct="1">
+              <a:lnSpc>
+                <a:spcPct val="90000"/>
+              </a:lnSpc>
+              <a:spcBef>
+                <a:spcPts val="1000"/>
+              </a:spcBef>
+              <a:buFont typeface="Arial" panose="020B0604020202020204" pitchFamily="34" charset="0"/>
+              <a:buChar char="•"/>
+              <a:defRPr sz="1600" kern="1200">
+                <a:solidFill>
+                  <a:schemeClr val="tx2"/>
+                </a:solidFill>
+                <a:latin typeface="+mn-lt"/>
+                <a:ea typeface="+mn-ea"/>
+                <a:cs typeface="+mn-cs"/>
+              </a:defRPr>
+            </a:lvl5pPr>
+            <a:lvl6pPr marL="2514600" indent="-228600" algn="l" defTabSz="914400" rtl="0" eaLnBrk="1" latinLnBrk="0" hangingPunct="1">
+              <a:lnSpc>
+                <a:spcPct val="90000"/>
+              </a:lnSpc>
+              <a:spcBef>
+                <a:spcPts val="500"/>
+              </a:spcBef>
+              <a:buFont typeface="Arial" panose="020B0604020202020204" pitchFamily="34" charset="0"/>
+              <a:buChar char="•"/>
+              <a:defRPr sz="1800" kern="1200">
+                <a:solidFill>
+                  <a:schemeClr val="tx1"/>
+                </a:solidFill>
+                <a:latin typeface="+mn-lt"/>
+                <a:ea typeface="+mn-ea"/>
+                <a:cs typeface="+mn-cs"/>
+              </a:defRPr>
+            </a:lvl6pPr>
+            <a:lvl7pPr marL="2971800" indent="-228600" algn="l" defTabSz="914400" rtl="0" eaLnBrk="1" latinLnBrk="0" hangingPunct="1">
+              <a:lnSpc>
+                <a:spcPct val="90000"/>
+              </a:lnSpc>
+              <a:spcBef>
+                <a:spcPts val="500"/>
+              </a:spcBef>
+              <a:buFont typeface="Arial" panose="020B0604020202020204" pitchFamily="34" charset="0"/>
+              <a:buChar char="•"/>
+              <a:defRPr sz="1800" kern="1200">
+                <a:solidFill>
+                  <a:schemeClr val="tx1"/>
+                </a:solidFill>
+                <a:latin typeface="+mn-lt"/>
+                <a:ea typeface="+mn-ea"/>
+                <a:cs typeface="+mn-cs"/>
+              </a:defRPr>
+            </a:lvl7pPr>
+            <a:lvl8pPr marL="3429000" indent="-228600" algn="l" defTabSz="914400" rtl="0" eaLnBrk="1" latinLnBrk="0" hangingPunct="1">
+              <a:lnSpc>
+                <a:spcPct val="90000"/>
+              </a:lnSpc>
+              <a:spcBef>
+                <a:spcPts val="500"/>
+              </a:spcBef>
+              <a:buFont typeface="Arial" panose="020B0604020202020204" pitchFamily="34" charset="0"/>
+              <a:buChar char="•"/>
+              <a:defRPr sz="1800" kern="1200">
+                <a:solidFill>
+                  <a:schemeClr val="tx1"/>
+                </a:solidFill>
+                <a:latin typeface="+mn-lt"/>
+                <a:ea typeface="+mn-ea"/>
+                <a:cs typeface="+mn-cs"/>
+              </a:defRPr>
+            </a:lvl8pPr>
+            <a:lvl9pPr marL="3886200" indent="-228600" algn="l" defTabSz="914400" rtl="0" eaLnBrk="1" latinLnBrk="0" hangingPunct="1">
+              <a:lnSpc>
+                <a:spcPct val="90000"/>
+              </a:lnSpc>
+              <a:spcBef>
+                <a:spcPts val="500"/>
+              </a:spcBef>
+              <a:buFont typeface="Arial" panose="020B0604020202020204" pitchFamily="34" charset="0"/>
+              <a:buChar char="•"/>
+              <a:defRPr sz="1800" kern="1200">
+                <a:solidFill>
+                  <a:schemeClr val="tx1"/>
+                </a:solidFill>
+                <a:latin typeface="+mn-lt"/>
+                <a:ea typeface="+mn-ea"/>
+                <a:cs typeface="+mn-cs"/>
+              </a:defRPr>
+            </a:lvl9pPr>
+          </a:lstStyle>
+          <a:p>
+            <a:pPr marL="0" indent="0" algn="ctr">
+              <a:spcBef>
+                <a:spcPts val="300"/>
+              </a:spcBef>
+              <a:buNone/>
+            </a:pPr>
+            <a:r>
+              <a:rPr lang="fr-FR" sz="1800" dirty="0">
+                <a:ea typeface="+mn-lt"/>
+                <a:cs typeface="+mn-lt"/>
+              </a:rPr>
+              <a:t>Error Type</a:t>
+            </a:r>
+            <a:endParaRPr lang="fr-LU" sz="1400" b="0" dirty="0">
+              <a:solidFill>
+                <a:schemeClr val="tx2"/>
+              </a:solidFill>
+              <a:ea typeface="+mn-lt"/>
+              <a:cs typeface="+mn-lt"/>
+            </a:endParaRPr>
+          </a:p>
+          <a:p>
+            <a:pPr marL="288000" indent="-216000">
+              <a:spcBef>
+                <a:spcPts val="600"/>
+              </a:spcBef>
+            </a:pPr>
+            <a:r>
+              <a:rPr lang="en-US" sz="1400" dirty="0">
+                <a:solidFill>
+                  <a:schemeClr val="tx2"/>
+                </a:solidFill>
+                <a:ea typeface="+mn-lt"/>
+                <a:cs typeface="+mn-lt"/>
+              </a:rPr>
+              <a:t>Business.</a:t>
+            </a:r>
+            <a:r>
+              <a:rPr lang="en-US" sz="1400" b="0" dirty="0">
+                <a:solidFill>
+                  <a:schemeClr val="tx2"/>
+                </a:solidFill>
+                <a:ea typeface="+mn-lt"/>
+                <a:cs typeface="+mn-lt"/>
+              </a:rPr>
+              <a:t> </a:t>
+            </a:r>
+          </a:p>
+          <a:p>
+            <a:pPr marL="576000" lvl="1" indent="-216000">
+              <a:spcBef>
+                <a:spcPts val="600"/>
+              </a:spcBef>
+            </a:pPr>
+            <a:r>
+              <a:rPr lang="en-US" sz="1200" dirty="0">
+                <a:solidFill>
+                  <a:schemeClr val="tx2"/>
+                </a:solidFill>
+                <a:ea typeface="+mn-lt"/>
+                <a:cs typeface="+mn-lt"/>
+              </a:rPr>
+              <a:t>Invalid Input.</a:t>
+            </a:r>
+            <a:r>
+              <a:rPr lang="en-US" sz="1200" b="0" dirty="0">
+                <a:solidFill>
+                  <a:schemeClr val="tx2"/>
+                </a:solidFill>
+                <a:ea typeface="+mn-lt"/>
+                <a:cs typeface="+mn-lt"/>
+              </a:rPr>
+              <a:t> Wrong format, required input absent</a:t>
+            </a:r>
+          </a:p>
+          <a:p>
+            <a:pPr marL="576000" lvl="1" indent="-216000">
+              <a:spcBef>
+                <a:spcPts val="600"/>
+              </a:spcBef>
+            </a:pPr>
+            <a:r>
+              <a:rPr lang="en-US" sz="1200" dirty="0">
+                <a:solidFill>
+                  <a:schemeClr val="tx2"/>
+                </a:solidFill>
+                <a:ea typeface="+mn-lt"/>
+                <a:cs typeface="+mn-lt"/>
+              </a:rPr>
+              <a:t>Inconsistent entity creation.</a:t>
+            </a:r>
+            <a:r>
+              <a:rPr lang="en-US" sz="1200" b="0" dirty="0">
+                <a:solidFill>
+                  <a:schemeClr val="tx2"/>
+                </a:solidFill>
+                <a:ea typeface="+mn-lt"/>
+                <a:cs typeface="+mn-lt"/>
+              </a:rPr>
+              <a:t> </a:t>
+            </a:r>
+          </a:p>
+          <a:p>
+            <a:pPr marL="288000" indent="-216000">
+              <a:spcBef>
+                <a:spcPts val="600"/>
+              </a:spcBef>
+            </a:pPr>
+            <a:r>
+              <a:rPr lang="en-US" sz="1400" dirty="0">
+                <a:solidFill>
+                  <a:schemeClr val="tx2"/>
+                </a:solidFill>
+                <a:ea typeface="+mn-lt"/>
+                <a:cs typeface="+mn-lt"/>
+              </a:rPr>
+              <a:t>Infrastructure.</a:t>
+            </a:r>
+            <a:r>
+              <a:rPr lang="en-US" sz="1400" b="0" dirty="0">
+                <a:solidFill>
+                  <a:schemeClr val="tx2"/>
+                </a:solidFill>
+                <a:ea typeface="+mn-lt"/>
+                <a:cs typeface="+mn-lt"/>
+              </a:rPr>
+              <a:t> </a:t>
+            </a:r>
+          </a:p>
+          <a:p>
+            <a:pPr marL="576000" lvl="1" indent="-216000">
+              <a:spcBef>
+                <a:spcPts val="600"/>
+              </a:spcBef>
+            </a:pPr>
+            <a:r>
+              <a:rPr lang="en-US" sz="1200" b="0" dirty="0">
+                <a:solidFill>
+                  <a:schemeClr val="tx2"/>
+                </a:solidFill>
+                <a:ea typeface="+mn-lt"/>
+                <a:cs typeface="+mn-lt"/>
+              </a:rPr>
+              <a:t>Authentication | Authorization | ?</a:t>
+            </a:r>
+          </a:p>
+          <a:p>
+            <a:pPr marL="576000" lvl="1" indent="-216000">
+              <a:spcBef>
+                <a:spcPts val="600"/>
+              </a:spcBef>
+            </a:pPr>
+            <a:r>
+              <a:rPr lang="en-US" sz="1200" b="0" dirty="0">
+                <a:solidFill>
+                  <a:schemeClr val="tx2"/>
+                </a:solidFill>
+                <a:ea typeface="+mn-lt"/>
+                <a:cs typeface="+mn-lt"/>
+              </a:rPr>
+              <a:t>External resource unavailable (Db | Api...)</a:t>
+            </a:r>
+          </a:p>
+          <a:p>
+            <a:pPr marL="288000" indent="-216000">
+              <a:spcBef>
+                <a:spcPts val="600"/>
+              </a:spcBef>
+            </a:pPr>
+            <a:r>
+              <a:rPr lang="en-US" sz="1400" dirty="0">
+                <a:solidFill>
+                  <a:schemeClr val="tx2"/>
+                </a:solidFill>
+                <a:ea typeface="+mn-lt"/>
+                <a:cs typeface="+mn-lt"/>
+              </a:rPr>
+              <a:t>Coding. </a:t>
+            </a:r>
+            <a:r>
+              <a:rPr lang="en-US" sz="1400" b="0" dirty="0">
+                <a:solidFill>
+                  <a:schemeClr val="tx2"/>
+                </a:solidFill>
+                <a:ea typeface="+mn-lt"/>
+                <a:cs typeface="+mn-lt"/>
+              </a:rPr>
+              <a:t>undeclared injected services</a:t>
+            </a:r>
+          </a:p>
+        </p:txBody>
+      </p:sp>
+      <p:sp>
+        <p:nvSpPr>
+          <p:cNvPr id="27" name="Espace réservé du texte 7">
+            <a:extLst>
+              <a:ext uri="{FF2B5EF4-FFF2-40B4-BE49-F238E27FC236}">
+                <a16:creationId xmlns:a16="http://schemas.microsoft.com/office/drawing/2014/main" id="{416BE16B-1E8C-48FA-B7AE-7624496931AD}"/>
+              </a:ext>
+            </a:extLst>
+          </p:cNvPr>
+          <p:cNvSpPr txBox="1">
+            <a:spLocks/>
+          </p:cNvSpPr>
+          <p:nvPr/>
+        </p:nvSpPr>
+        <p:spPr>
+          <a:xfrm>
+            <a:off x="5338086" y="4408044"/>
+            <a:ext cx="5811923" cy="1424172"/>
+          </a:xfrm>
+          <a:prstGeom prst="roundRect">
+            <a:avLst>
+              <a:gd name="adj" fmla="val 10495"/>
+            </a:avLst>
+          </a:prstGeom>
+          <a:ln w="15875">
+            <a:solidFill>
+              <a:schemeClr val="accent1"/>
+            </a:solidFill>
+          </a:ln>
+        </p:spPr>
+        <p:txBody>
+          <a:bodyPr vert="horz" lIns="0" tIns="0" rIns="0" bIns="0" rtlCol="0">
+            <a:noAutofit/>
+          </a:bodyPr>
+          <a:lstStyle>
+            <a:lvl1pPr marL="360000" indent="-360000" algn="l" defTabSz="914400" rtl="0" eaLnBrk="1" latinLnBrk="0" hangingPunct="1">
+              <a:lnSpc>
+                <a:spcPct val="90000"/>
+              </a:lnSpc>
+              <a:spcBef>
+                <a:spcPts val="1000"/>
+              </a:spcBef>
+              <a:buFont typeface="Arial" panose="020B0604020202020204" pitchFamily="34" charset="0"/>
+              <a:buChar char="•"/>
+              <a:defRPr sz="2000" b="1" kern="1200">
+                <a:solidFill>
+                  <a:schemeClr val="tx1"/>
+                </a:solidFill>
+                <a:latin typeface="+mn-lt"/>
+                <a:ea typeface="+mn-ea"/>
+                <a:cs typeface="+mn-cs"/>
+              </a:defRPr>
+            </a:lvl1pPr>
+            <a:lvl2pPr marL="648000" indent="-360000" algn="l" defTabSz="914400" rtl="0" eaLnBrk="1" latinLnBrk="0" hangingPunct="1">
+              <a:lnSpc>
+                <a:spcPct val="90000"/>
+              </a:lnSpc>
+              <a:spcBef>
+                <a:spcPts val="1200"/>
+              </a:spcBef>
+              <a:buFont typeface="Arial" panose="020B0604020202020204" pitchFamily="34" charset="0"/>
+              <a:buChar char="•"/>
+              <a:defRPr sz="1800" b="1" kern="1200">
+                <a:solidFill>
+                  <a:schemeClr val="tx2"/>
+                </a:solidFill>
+                <a:latin typeface="+mn-lt"/>
+                <a:ea typeface="+mn-ea"/>
+                <a:cs typeface="+mn-cs"/>
+              </a:defRPr>
+            </a:lvl2pPr>
+            <a:lvl3pPr marL="648000" indent="-360000" algn="l" defTabSz="914400" rtl="0" eaLnBrk="1" latinLnBrk="0" hangingPunct="1">
+              <a:lnSpc>
+                <a:spcPct val="90000"/>
+              </a:lnSpc>
+              <a:spcBef>
+                <a:spcPts val="1200"/>
+              </a:spcBef>
+              <a:buFont typeface="Arial" panose="020B0604020202020204" pitchFamily="34" charset="0"/>
+              <a:buChar char="•"/>
+              <a:defRPr sz="1800" b="1" kern="1200">
+                <a:solidFill>
+                  <a:schemeClr val="bg1">
+                    <a:lumMod val="65000"/>
+                  </a:schemeClr>
+                </a:solidFill>
+                <a:latin typeface="+mn-lt"/>
+                <a:ea typeface="+mn-ea"/>
+                <a:cs typeface="+mn-cs"/>
+              </a:defRPr>
+            </a:lvl3pPr>
+            <a:lvl4pPr marL="720000" indent="-270000" algn="l" defTabSz="914400" rtl="0" eaLnBrk="1" latinLnBrk="0" hangingPunct="1">
+              <a:lnSpc>
+                <a:spcPct val="90000"/>
+              </a:lnSpc>
+              <a:spcBef>
+                <a:spcPts val="1000"/>
+              </a:spcBef>
+              <a:buFont typeface="Arial" panose="020B0604020202020204" pitchFamily="34" charset="0"/>
+              <a:buChar char="•"/>
+              <a:defRPr sz="1600" kern="1200">
+                <a:solidFill>
+                  <a:schemeClr val="tx2"/>
+                </a:solidFill>
+                <a:latin typeface="+mn-lt"/>
+                <a:ea typeface="+mn-ea"/>
+                <a:cs typeface="+mn-cs"/>
+              </a:defRPr>
+            </a:lvl4pPr>
+            <a:lvl5pPr marL="630000" indent="-270000" algn="l" defTabSz="914400" rtl="0" eaLnBrk="1" latinLnBrk="0" hangingPunct="1">
+              <a:lnSpc>
+                <a:spcPct val="90000"/>
+              </a:lnSpc>
+              <a:spcBef>
+                <a:spcPts val="1000"/>
+              </a:spcBef>
+              <a:buFont typeface="Arial" panose="020B0604020202020204" pitchFamily="34" charset="0"/>
+              <a:buChar char="•"/>
+              <a:defRPr sz="1600" kern="1200">
+                <a:solidFill>
+                  <a:schemeClr val="tx2"/>
+                </a:solidFill>
+                <a:latin typeface="+mn-lt"/>
+                <a:ea typeface="+mn-ea"/>
+                <a:cs typeface="+mn-cs"/>
+              </a:defRPr>
+            </a:lvl5pPr>
+            <a:lvl6pPr marL="2514600" indent="-228600" algn="l" defTabSz="914400" rtl="0" eaLnBrk="1" latinLnBrk="0" hangingPunct="1">
+              <a:lnSpc>
+                <a:spcPct val="90000"/>
+              </a:lnSpc>
+              <a:spcBef>
+                <a:spcPts val="500"/>
+              </a:spcBef>
+              <a:buFont typeface="Arial" panose="020B0604020202020204" pitchFamily="34" charset="0"/>
+              <a:buChar char="•"/>
+              <a:defRPr sz="1800" kern="1200">
+                <a:solidFill>
+                  <a:schemeClr val="tx1"/>
+                </a:solidFill>
+                <a:latin typeface="+mn-lt"/>
+                <a:ea typeface="+mn-ea"/>
+                <a:cs typeface="+mn-cs"/>
+              </a:defRPr>
+            </a:lvl6pPr>
+            <a:lvl7pPr marL="2971800" indent="-228600" algn="l" defTabSz="914400" rtl="0" eaLnBrk="1" latinLnBrk="0" hangingPunct="1">
+              <a:lnSpc>
+                <a:spcPct val="90000"/>
+              </a:lnSpc>
+              <a:spcBef>
+                <a:spcPts val="500"/>
+              </a:spcBef>
+              <a:buFont typeface="Arial" panose="020B0604020202020204" pitchFamily="34" charset="0"/>
+              <a:buChar char="•"/>
+              <a:defRPr sz="1800" kern="1200">
+                <a:solidFill>
+                  <a:schemeClr val="tx1"/>
+                </a:solidFill>
+                <a:latin typeface="+mn-lt"/>
+                <a:ea typeface="+mn-ea"/>
+                <a:cs typeface="+mn-cs"/>
+              </a:defRPr>
+            </a:lvl7pPr>
+            <a:lvl8pPr marL="3429000" indent="-228600" algn="l" defTabSz="914400" rtl="0" eaLnBrk="1" latinLnBrk="0" hangingPunct="1">
+              <a:lnSpc>
+                <a:spcPct val="90000"/>
+              </a:lnSpc>
+              <a:spcBef>
+                <a:spcPts val="500"/>
+              </a:spcBef>
+              <a:buFont typeface="Arial" panose="020B0604020202020204" pitchFamily="34" charset="0"/>
+              <a:buChar char="•"/>
+              <a:defRPr sz="1800" kern="1200">
+                <a:solidFill>
+                  <a:schemeClr val="tx1"/>
+                </a:solidFill>
+                <a:latin typeface="+mn-lt"/>
+                <a:ea typeface="+mn-ea"/>
+                <a:cs typeface="+mn-cs"/>
+              </a:defRPr>
+            </a:lvl8pPr>
+            <a:lvl9pPr marL="3886200" indent="-228600" algn="l" defTabSz="914400" rtl="0" eaLnBrk="1" latinLnBrk="0" hangingPunct="1">
+              <a:lnSpc>
+                <a:spcPct val="90000"/>
+              </a:lnSpc>
+              <a:spcBef>
+                <a:spcPts val="500"/>
+              </a:spcBef>
+              <a:buFont typeface="Arial" panose="020B0604020202020204" pitchFamily="34" charset="0"/>
+              <a:buChar char="•"/>
+              <a:defRPr sz="1800" kern="1200">
+                <a:solidFill>
+                  <a:schemeClr val="tx1"/>
+                </a:solidFill>
+                <a:latin typeface="+mn-lt"/>
+                <a:ea typeface="+mn-ea"/>
+                <a:cs typeface="+mn-cs"/>
+              </a:defRPr>
+            </a:lvl9pPr>
+          </a:lstStyle>
+          <a:p>
+            <a:pPr marL="0" indent="0" algn="ctr">
+              <a:spcBef>
+                <a:spcPts val="300"/>
+              </a:spcBef>
+              <a:buNone/>
+            </a:pPr>
+            <a:r>
+              <a:rPr lang="fr-FR" sz="1600" dirty="0">
+                <a:ea typeface="+mn-lt"/>
+                <a:cs typeface="+mn-lt"/>
+              </a:rPr>
+              <a:t>Présentation</a:t>
+            </a:r>
+            <a:endParaRPr lang="fr-FR" sz="1400" dirty="0">
+              <a:ea typeface="+mn-lt"/>
+              <a:cs typeface="+mn-lt"/>
+            </a:endParaRPr>
+          </a:p>
+        </p:txBody>
+      </p:sp>
+      <p:sp>
+        <p:nvSpPr>
+          <p:cNvPr id="11" name="Espace réservé du texte 7">
+            <a:extLst>
+              <a:ext uri="{FF2B5EF4-FFF2-40B4-BE49-F238E27FC236}">
+                <a16:creationId xmlns:a16="http://schemas.microsoft.com/office/drawing/2014/main" id="{842C7B8B-D546-5F52-8614-36B5D5B7072A}"/>
+              </a:ext>
+            </a:extLst>
+          </p:cNvPr>
+          <p:cNvSpPr txBox="1">
+            <a:spLocks/>
+          </p:cNvSpPr>
+          <p:nvPr/>
+        </p:nvSpPr>
+        <p:spPr>
+          <a:xfrm>
+            <a:off x="5315578" y="2801427"/>
+            <a:ext cx="5834432" cy="1541635"/>
+          </a:xfrm>
+          <a:prstGeom prst="roundRect">
+            <a:avLst>
+              <a:gd name="adj" fmla="val 6619"/>
+            </a:avLst>
+          </a:prstGeom>
+          <a:ln w="15875">
+            <a:solidFill>
+              <a:schemeClr val="accent1"/>
+            </a:solidFill>
+          </a:ln>
+        </p:spPr>
+        <p:txBody>
+          <a:bodyPr vert="horz" lIns="0" tIns="0" rIns="0" bIns="0" rtlCol="0">
+            <a:noAutofit/>
+          </a:bodyPr>
+          <a:lstStyle>
+            <a:lvl1pPr marL="360000" indent="-360000" algn="l" defTabSz="914400" rtl="0" eaLnBrk="1" latinLnBrk="0" hangingPunct="1">
+              <a:lnSpc>
+                <a:spcPct val="90000"/>
+              </a:lnSpc>
+              <a:spcBef>
+                <a:spcPts val="1000"/>
+              </a:spcBef>
+              <a:buFont typeface="Arial" panose="020B0604020202020204" pitchFamily="34" charset="0"/>
+              <a:buChar char="•"/>
+              <a:defRPr sz="2000" b="1" kern="1200">
+                <a:solidFill>
+                  <a:schemeClr val="tx1"/>
+                </a:solidFill>
+                <a:latin typeface="+mn-lt"/>
+                <a:ea typeface="+mn-ea"/>
+                <a:cs typeface="+mn-cs"/>
+              </a:defRPr>
+            </a:lvl1pPr>
+            <a:lvl2pPr marL="648000" indent="-360000" algn="l" defTabSz="914400" rtl="0" eaLnBrk="1" latinLnBrk="0" hangingPunct="1">
+              <a:lnSpc>
+                <a:spcPct val="90000"/>
+              </a:lnSpc>
+              <a:spcBef>
+                <a:spcPts val="1200"/>
+              </a:spcBef>
+              <a:buFont typeface="Arial" panose="020B0604020202020204" pitchFamily="34" charset="0"/>
+              <a:buChar char="•"/>
+              <a:defRPr sz="1800" b="1" kern="1200">
+                <a:solidFill>
+                  <a:schemeClr val="tx2"/>
+                </a:solidFill>
+                <a:latin typeface="+mn-lt"/>
+                <a:ea typeface="+mn-ea"/>
+                <a:cs typeface="+mn-cs"/>
+              </a:defRPr>
+            </a:lvl2pPr>
+            <a:lvl3pPr marL="648000" indent="-360000" algn="l" defTabSz="914400" rtl="0" eaLnBrk="1" latinLnBrk="0" hangingPunct="1">
+              <a:lnSpc>
+                <a:spcPct val="90000"/>
+              </a:lnSpc>
+              <a:spcBef>
+                <a:spcPts val="1200"/>
+              </a:spcBef>
+              <a:buFont typeface="Arial" panose="020B0604020202020204" pitchFamily="34" charset="0"/>
+              <a:buChar char="•"/>
+              <a:defRPr sz="1800" b="1" kern="1200">
+                <a:solidFill>
+                  <a:schemeClr val="bg1">
+                    <a:lumMod val="65000"/>
+                  </a:schemeClr>
+                </a:solidFill>
+                <a:latin typeface="+mn-lt"/>
+                <a:ea typeface="+mn-ea"/>
+                <a:cs typeface="+mn-cs"/>
+              </a:defRPr>
+            </a:lvl3pPr>
+            <a:lvl4pPr marL="720000" indent="-270000" algn="l" defTabSz="914400" rtl="0" eaLnBrk="1" latinLnBrk="0" hangingPunct="1">
+              <a:lnSpc>
+                <a:spcPct val="90000"/>
+              </a:lnSpc>
+              <a:spcBef>
+                <a:spcPts val="1000"/>
+              </a:spcBef>
+              <a:buFont typeface="Arial" panose="020B0604020202020204" pitchFamily="34" charset="0"/>
+              <a:buChar char="•"/>
+              <a:defRPr sz="1600" kern="1200">
+                <a:solidFill>
+                  <a:schemeClr val="tx2"/>
+                </a:solidFill>
+                <a:latin typeface="+mn-lt"/>
+                <a:ea typeface="+mn-ea"/>
+                <a:cs typeface="+mn-cs"/>
+              </a:defRPr>
+            </a:lvl4pPr>
+            <a:lvl5pPr marL="630000" indent="-270000" algn="l" defTabSz="914400" rtl="0" eaLnBrk="1" latinLnBrk="0" hangingPunct="1">
+              <a:lnSpc>
+                <a:spcPct val="90000"/>
+              </a:lnSpc>
+              <a:spcBef>
+                <a:spcPts val="1000"/>
+              </a:spcBef>
+              <a:buFont typeface="Arial" panose="020B0604020202020204" pitchFamily="34" charset="0"/>
+              <a:buChar char="•"/>
+              <a:defRPr sz="1600" kern="1200">
+                <a:solidFill>
+                  <a:schemeClr val="tx2"/>
+                </a:solidFill>
+                <a:latin typeface="+mn-lt"/>
+                <a:ea typeface="+mn-ea"/>
+                <a:cs typeface="+mn-cs"/>
+              </a:defRPr>
+            </a:lvl5pPr>
+            <a:lvl6pPr marL="2514600" indent="-228600" algn="l" defTabSz="914400" rtl="0" eaLnBrk="1" latinLnBrk="0" hangingPunct="1">
+              <a:lnSpc>
+                <a:spcPct val="90000"/>
+              </a:lnSpc>
+              <a:spcBef>
+                <a:spcPts val="500"/>
+              </a:spcBef>
+              <a:buFont typeface="Arial" panose="020B0604020202020204" pitchFamily="34" charset="0"/>
+              <a:buChar char="•"/>
+              <a:defRPr sz="1800" kern="1200">
+                <a:solidFill>
+                  <a:schemeClr val="tx1"/>
+                </a:solidFill>
+                <a:latin typeface="+mn-lt"/>
+                <a:ea typeface="+mn-ea"/>
+                <a:cs typeface="+mn-cs"/>
+              </a:defRPr>
+            </a:lvl6pPr>
+            <a:lvl7pPr marL="2971800" indent="-228600" algn="l" defTabSz="914400" rtl="0" eaLnBrk="1" latinLnBrk="0" hangingPunct="1">
+              <a:lnSpc>
+                <a:spcPct val="90000"/>
+              </a:lnSpc>
+              <a:spcBef>
+                <a:spcPts val="500"/>
+              </a:spcBef>
+              <a:buFont typeface="Arial" panose="020B0604020202020204" pitchFamily="34" charset="0"/>
+              <a:buChar char="•"/>
+              <a:defRPr sz="1800" kern="1200">
+                <a:solidFill>
+                  <a:schemeClr val="tx1"/>
+                </a:solidFill>
+                <a:latin typeface="+mn-lt"/>
+                <a:ea typeface="+mn-ea"/>
+                <a:cs typeface="+mn-cs"/>
+              </a:defRPr>
+            </a:lvl7pPr>
+            <a:lvl8pPr marL="3429000" indent="-228600" algn="l" defTabSz="914400" rtl="0" eaLnBrk="1" latinLnBrk="0" hangingPunct="1">
+              <a:lnSpc>
+                <a:spcPct val="90000"/>
+              </a:lnSpc>
+              <a:spcBef>
+                <a:spcPts val="500"/>
+              </a:spcBef>
+              <a:buFont typeface="Arial" panose="020B0604020202020204" pitchFamily="34" charset="0"/>
+              <a:buChar char="•"/>
+              <a:defRPr sz="1800" kern="1200">
+                <a:solidFill>
+                  <a:schemeClr val="tx1"/>
+                </a:solidFill>
+                <a:latin typeface="+mn-lt"/>
+                <a:ea typeface="+mn-ea"/>
+                <a:cs typeface="+mn-cs"/>
+              </a:defRPr>
+            </a:lvl8pPr>
+            <a:lvl9pPr marL="3886200" indent="-228600" algn="l" defTabSz="914400" rtl="0" eaLnBrk="1" latinLnBrk="0" hangingPunct="1">
+              <a:lnSpc>
+                <a:spcPct val="90000"/>
+              </a:lnSpc>
+              <a:spcBef>
+                <a:spcPts val="500"/>
+              </a:spcBef>
+              <a:buFont typeface="Arial" panose="020B0604020202020204" pitchFamily="34" charset="0"/>
+              <a:buChar char="•"/>
+              <a:defRPr sz="1800" kern="1200">
+                <a:solidFill>
+                  <a:schemeClr val="tx1"/>
+                </a:solidFill>
+                <a:latin typeface="+mn-lt"/>
+                <a:ea typeface="+mn-ea"/>
+                <a:cs typeface="+mn-cs"/>
+              </a:defRPr>
+            </a:lvl9pPr>
+          </a:lstStyle>
+          <a:p>
+            <a:pPr marL="0" indent="0" algn="ctr">
+              <a:spcBef>
+                <a:spcPts val="600"/>
+              </a:spcBef>
+              <a:buNone/>
+            </a:pPr>
+            <a:r>
+              <a:rPr lang="fr-FR" sz="1600" dirty="0">
+                <a:ea typeface="+mn-lt"/>
+                <a:cs typeface="+mn-lt"/>
+              </a:rPr>
+              <a:t>Transformation</a:t>
+            </a:r>
+            <a:endParaRPr lang="fr-FR" sz="1400" dirty="0">
+              <a:ea typeface="+mn-lt"/>
+              <a:cs typeface="+mn-lt"/>
+            </a:endParaRPr>
+          </a:p>
+          <a:p>
+            <a:pPr marL="288000" indent="-216000">
+              <a:spcBef>
+                <a:spcPts val="300"/>
+              </a:spcBef>
+            </a:pPr>
+            <a:endParaRPr lang="fr-FR" sz="1200" b="0" dirty="0">
+              <a:ea typeface="+mn-lt"/>
+              <a:cs typeface="+mn-lt"/>
+            </a:endParaRPr>
+          </a:p>
+        </p:txBody>
+      </p:sp>
+      <p:sp>
+        <p:nvSpPr>
+          <p:cNvPr id="14" name="Espace réservé du texte 7">
+            <a:extLst>
+              <a:ext uri="{FF2B5EF4-FFF2-40B4-BE49-F238E27FC236}">
+                <a16:creationId xmlns:a16="http://schemas.microsoft.com/office/drawing/2014/main" id="{417EBD97-910E-B0D6-C155-F9B9D1A40E38}"/>
+              </a:ext>
+            </a:extLst>
+          </p:cNvPr>
+          <p:cNvSpPr txBox="1">
+            <a:spLocks/>
+          </p:cNvSpPr>
+          <p:nvPr/>
+        </p:nvSpPr>
+        <p:spPr>
+          <a:xfrm>
+            <a:off x="5338086" y="1421298"/>
+            <a:ext cx="5811923" cy="1252140"/>
+          </a:xfrm>
+          <a:prstGeom prst="roundRect">
+            <a:avLst>
+              <a:gd name="adj" fmla="val 6296"/>
+            </a:avLst>
+          </a:prstGeom>
+          <a:ln w="15875">
+            <a:solidFill>
+              <a:schemeClr val="accent1"/>
+            </a:solidFill>
+          </a:ln>
+        </p:spPr>
+        <p:txBody>
+          <a:bodyPr vert="horz" lIns="0" tIns="0" rIns="0" bIns="0" rtlCol="0">
+            <a:noAutofit/>
+          </a:bodyPr>
+          <a:lstStyle>
+            <a:lvl1pPr marL="360000" indent="-360000" algn="l" defTabSz="914400" rtl="0" eaLnBrk="1" latinLnBrk="0" hangingPunct="1">
+              <a:lnSpc>
+                <a:spcPct val="90000"/>
+              </a:lnSpc>
+              <a:spcBef>
+                <a:spcPts val="1000"/>
+              </a:spcBef>
+              <a:buFont typeface="Arial" panose="020B0604020202020204" pitchFamily="34" charset="0"/>
+              <a:buChar char="•"/>
+              <a:defRPr sz="2000" b="1" kern="1200">
+                <a:solidFill>
+                  <a:schemeClr val="tx1"/>
+                </a:solidFill>
+                <a:latin typeface="+mn-lt"/>
+                <a:ea typeface="+mn-ea"/>
+                <a:cs typeface="+mn-cs"/>
+              </a:defRPr>
+            </a:lvl1pPr>
+            <a:lvl2pPr marL="648000" indent="-360000" algn="l" defTabSz="914400" rtl="0" eaLnBrk="1" latinLnBrk="0" hangingPunct="1">
+              <a:lnSpc>
+                <a:spcPct val="90000"/>
+              </a:lnSpc>
+              <a:spcBef>
+                <a:spcPts val="1200"/>
+              </a:spcBef>
+              <a:buFont typeface="Arial" panose="020B0604020202020204" pitchFamily="34" charset="0"/>
+              <a:buChar char="•"/>
+              <a:defRPr sz="1800" b="1" kern="1200">
+                <a:solidFill>
+                  <a:schemeClr val="tx2"/>
+                </a:solidFill>
+                <a:latin typeface="+mn-lt"/>
+                <a:ea typeface="+mn-ea"/>
+                <a:cs typeface="+mn-cs"/>
+              </a:defRPr>
+            </a:lvl2pPr>
+            <a:lvl3pPr marL="648000" indent="-360000" algn="l" defTabSz="914400" rtl="0" eaLnBrk="1" latinLnBrk="0" hangingPunct="1">
+              <a:lnSpc>
+                <a:spcPct val="90000"/>
+              </a:lnSpc>
+              <a:spcBef>
+                <a:spcPts val="1200"/>
+              </a:spcBef>
+              <a:buFont typeface="Arial" panose="020B0604020202020204" pitchFamily="34" charset="0"/>
+              <a:buChar char="•"/>
+              <a:defRPr sz="1800" b="1" kern="1200">
+                <a:solidFill>
+                  <a:schemeClr val="bg1">
+                    <a:lumMod val="65000"/>
+                  </a:schemeClr>
+                </a:solidFill>
+                <a:latin typeface="+mn-lt"/>
+                <a:ea typeface="+mn-ea"/>
+                <a:cs typeface="+mn-cs"/>
+              </a:defRPr>
+            </a:lvl3pPr>
+            <a:lvl4pPr marL="720000" indent="-270000" algn="l" defTabSz="914400" rtl="0" eaLnBrk="1" latinLnBrk="0" hangingPunct="1">
+              <a:lnSpc>
+                <a:spcPct val="90000"/>
+              </a:lnSpc>
+              <a:spcBef>
+                <a:spcPts val="1000"/>
+              </a:spcBef>
+              <a:buFont typeface="Arial" panose="020B0604020202020204" pitchFamily="34" charset="0"/>
+              <a:buChar char="•"/>
+              <a:defRPr sz="1600" kern="1200">
+                <a:solidFill>
+                  <a:schemeClr val="tx2"/>
+                </a:solidFill>
+                <a:latin typeface="+mn-lt"/>
+                <a:ea typeface="+mn-ea"/>
+                <a:cs typeface="+mn-cs"/>
+              </a:defRPr>
+            </a:lvl4pPr>
+            <a:lvl5pPr marL="630000" indent="-270000" algn="l" defTabSz="914400" rtl="0" eaLnBrk="1" latinLnBrk="0" hangingPunct="1">
+              <a:lnSpc>
+                <a:spcPct val="90000"/>
+              </a:lnSpc>
+              <a:spcBef>
+                <a:spcPts val="1000"/>
+              </a:spcBef>
+              <a:buFont typeface="Arial" panose="020B0604020202020204" pitchFamily="34" charset="0"/>
+              <a:buChar char="•"/>
+              <a:defRPr sz="1600" kern="1200">
+                <a:solidFill>
+                  <a:schemeClr val="tx2"/>
+                </a:solidFill>
+                <a:latin typeface="+mn-lt"/>
+                <a:ea typeface="+mn-ea"/>
+                <a:cs typeface="+mn-cs"/>
+              </a:defRPr>
+            </a:lvl5pPr>
+            <a:lvl6pPr marL="2514600" indent="-228600" algn="l" defTabSz="914400" rtl="0" eaLnBrk="1" latinLnBrk="0" hangingPunct="1">
+              <a:lnSpc>
+                <a:spcPct val="90000"/>
+              </a:lnSpc>
+              <a:spcBef>
+                <a:spcPts val="500"/>
+              </a:spcBef>
+              <a:buFont typeface="Arial" panose="020B0604020202020204" pitchFamily="34" charset="0"/>
+              <a:buChar char="•"/>
+              <a:defRPr sz="1800" kern="1200">
+                <a:solidFill>
+                  <a:schemeClr val="tx1"/>
+                </a:solidFill>
+                <a:latin typeface="+mn-lt"/>
+                <a:ea typeface="+mn-ea"/>
+                <a:cs typeface="+mn-cs"/>
+              </a:defRPr>
+            </a:lvl6pPr>
+            <a:lvl7pPr marL="2971800" indent="-228600" algn="l" defTabSz="914400" rtl="0" eaLnBrk="1" latinLnBrk="0" hangingPunct="1">
+              <a:lnSpc>
+                <a:spcPct val="90000"/>
+              </a:lnSpc>
+              <a:spcBef>
+                <a:spcPts val="500"/>
+              </a:spcBef>
+              <a:buFont typeface="Arial" panose="020B0604020202020204" pitchFamily="34" charset="0"/>
+              <a:buChar char="•"/>
+              <a:defRPr sz="1800" kern="1200">
+                <a:solidFill>
+                  <a:schemeClr val="tx1"/>
+                </a:solidFill>
+                <a:latin typeface="+mn-lt"/>
+                <a:ea typeface="+mn-ea"/>
+                <a:cs typeface="+mn-cs"/>
+              </a:defRPr>
+            </a:lvl7pPr>
+            <a:lvl8pPr marL="3429000" indent="-228600" algn="l" defTabSz="914400" rtl="0" eaLnBrk="1" latinLnBrk="0" hangingPunct="1">
+              <a:lnSpc>
+                <a:spcPct val="90000"/>
+              </a:lnSpc>
+              <a:spcBef>
+                <a:spcPts val="500"/>
+              </a:spcBef>
+              <a:buFont typeface="Arial" panose="020B0604020202020204" pitchFamily="34" charset="0"/>
+              <a:buChar char="•"/>
+              <a:defRPr sz="1800" kern="1200">
+                <a:solidFill>
+                  <a:schemeClr val="tx1"/>
+                </a:solidFill>
+                <a:latin typeface="+mn-lt"/>
+                <a:ea typeface="+mn-ea"/>
+                <a:cs typeface="+mn-cs"/>
+              </a:defRPr>
+            </a:lvl8pPr>
+            <a:lvl9pPr marL="3886200" indent="-228600" algn="l" defTabSz="914400" rtl="0" eaLnBrk="1" latinLnBrk="0" hangingPunct="1">
+              <a:lnSpc>
+                <a:spcPct val="90000"/>
+              </a:lnSpc>
+              <a:spcBef>
+                <a:spcPts val="500"/>
+              </a:spcBef>
+              <a:buFont typeface="Arial" panose="020B0604020202020204" pitchFamily="34" charset="0"/>
+              <a:buChar char="•"/>
+              <a:defRPr sz="1800" kern="1200">
+                <a:solidFill>
+                  <a:schemeClr val="tx1"/>
+                </a:solidFill>
+                <a:latin typeface="+mn-lt"/>
+                <a:ea typeface="+mn-ea"/>
+                <a:cs typeface="+mn-cs"/>
+              </a:defRPr>
+            </a:lvl9pPr>
+          </a:lstStyle>
+          <a:p>
+            <a:pPr marL="0" indent="0" algn="ctr">
+              <a:spcBef>
+                <a:spcPts val="600"/>
+              </a:spcBef>
+              <a:buNone/>
+            </a:pPr>
+            <a:r>
+              <a:rPr lang="fr-FR" sz="1600" dirty="0">
+                <a:ea typeface="+mn-lt"/>
+                <a:cs typeface="+mn-lt"/>
+              </a:rPr>
+              <a:t>Emission</a:t>
+            </a:r>
+          </a:p>
+        </p:txBody>
+      </p:sp>
+      <p:sp>
+        <p:nvSpPr>
+          <p:cNvPr id="15" name="Espace réservé du texte 7">
+            <a:extLst>
+              <a:ext uri="{FF2B5EF4-FFF2-40B4-BE49-F238E27FC236}">
+                <a16:creationId xmlns:a16="http://schemas.microsoft.com/office/drawing/2014/main" id="{C7C48C59-B55F-8595-05E0-5A4B5D311AD4}"/>
+              </a:ext>
+            </a:extLst>
+          </p:cNvPr>
+          <p:cNvSpPr txBox="1">
+            <a:spLocks/>
+          </p:cNvSpPr>
+          <p:nvPr/>
+        </p:nvSpPr>
+        <p:spPr>
+          <a:xfrm>
+            <a:off x="838199" y="1050361"/>
+            <a:ext cx="4168435" cy="650619"/>
+          </a:xfrm>
+          <a:prstGeom prst="roundRect">
+            <a:avLst>
+              <a:gd name="adj" fmla="val 24328"/>
+            </a:avLst>
+          </a:prstGeom>
+          <a:ln w="15875">
+            <a:solidFill>
+              <a:schemeClr val="accent1"/>
+            </a:solidFill>
+          </a:ln>
+        </p:spPr>
+        <p:txBody>
+          <a:bodyPr vert="horz" lIns="0" tIns="0" rIns="0" bIns="0" rtlCol="0">
+            <a:noAutofit/>
+          </a:bodyPr>
+          <a:lstStyle>
+            <a:lvl1pPr marL="360000" indent="-360000" algn="l" defTabSz="914400" rtl="0" eaLnBrk="1" latinLnBrk="0" hangingPunct="1">
+              <a:lnSpc>
+                <a:spcPct val="90000"/>
+              </a:lnSpc>
+              <a:spcBef>
+                <a:spcPts val="1000"/>
+              </a:spcBef>
+              <a:buFont typeface="Arial" panose="020B0604020202020204" pitchFamily="34" charset="0"/>
+              <a:buChar char="•"/>
+              <a:defRPr sz="2000" b="1" kern="1200">
+                <a:solidFill>
+                  <a:schemeClr val="tx1"/>
+                </a:solidFill>
+                <a:latin typeface="+mn-lt"/>
+                <a:ea typeface="+mn-ea"/>
+                <a:cs typeface="+mn-cs"/>
+              </a:defRPr>
+            </a:lvl1pPr>
+            <a:lvl2pPr marL="648000" indent="-360000" algn="l" defTabSz="914400" rtl="0" eaLnBrk="1" latinLnBrk="0" hangingPunct="1">
+              <a:lnSpc>
+                <a:spcPct val="90000"/>
+              </a:lnSpc>
+              <a:spcBef>
+                <a:spcPts val="1200"/>
+              </a:spcBef>
+              <a:buFont typeface="Arial" panose="020B0604020202020204" pitchFamily="34" charset="0"/>
+              <a:buChar char="•"/>
+              <a:defRPr sz="1800" b="1" kern="1200">
+                <a:solidFill>
+                  <a:schemeClr val="tx2"/>
+                </a:solidFill>
+                <a:latin typeface="+mn-lt"/>
+                <a:ea typeface="+mn-ea"/>
+                <a:cs typeface="+mn-cs"/>
+              </a:defRPr>
+            </a:lvl2pPr>
+            <a:lvl3pPr marL="648000" indent="-360000" algn="l" defTabSz="914400" rtl="0" eaLnBrk="1" latinLnBrk="0" hangingPunct="1">
+              <a:lnSpc>
+                <a:spcPct val="90000"/>
+              </a:lnSpc>
+              <a:spcBef>
+                <a:spcPts val="1200"/>
+              </a:spcBef>
+              <a:buFont typeface="Arial" panose="020B0604020202020204" pitchFamily="34" charset="0"/>
+              <a:buChar char="•"/>
+              <a:defRPr sz="1800" b="1" kern="1200">
+                <a:solidFill>
+                  <a:schemeClr val="bg1">
+                    <a:lumMod val="65000"/>
+                  </a:schemeClr>
+                </a:solidFill>
+                <a:latin typeface="+mn-lt"/>
+                <a:ea typeface="+mn-ea"/>
+                <a:cs typeface="+mn-cs"/>
+              </a:defRPr>
+            </a:lvl3pPr>
+            <a:lvl4pPr marL="720000" indent="-270000" algn="l" defTabSz="914400" rtl="0" eaLnBrk="1" latinLnBrk="0" hangingPunct="1">
+              <a:lnSpc>
+                <a:spcPct val="90000"/>
+              </a:lnSpc>
+              <a:spcBef>
+                <a:spcPts val="1000"/>
+              </a:spcBef>
+              <a:buFont typeface="Arial" panose="020B0604020202020204" pitchFamily="34" charset="0"/>
+              <a:buChar char="•"/>
+              <a:defRPr sz="1600" kern="1200">
+                <a:solidFill>
+                  <a:schemeClr val="tx2"/>
+                </a:solidFill>
+                <a:latin typeface="+mn-lt"/>
+                <a:ea typeface="+mn-ea"/>
+                <a:cs typeface="+mn-cs"/>
+              </a:defRPr>
+            </a:lvl4pPr>
+            <a:lvl5pPr marL="630000" indent="-270000" algn="l" defTabSz="914400" rtl="0" eaLnBrk="1" latinLnBrk="0" hangingPunct="1">
+              <a:lnSpc>
+                <a:spcPct val="90000"/>
+              </a:lnSpc>
+              <a:spcBef>
+                <a:spcPts val="1000"/>
+              </a:spcBef>
+              <a:buFont typeface="Arial" panose="020B0604020202020204" pitchFamily="34" charset="0"/>
+              <a:buChar char="•"/>
+              <a:defRPr sz="1600" kern="1200">
+                <a:solidFill>
+                  <a:schemeClr val="tx2"/>
+                </a:solidFill>
+                <a:latin typeface="+mn-lt"/>
+                <a:ea typeface="+mn-ea"/>
+                <a:cs typeface="+mn-cs"/>
+              </a:defRPr>
+            </a:lvl5pPr>
+            <a:lvl6pPr marL="2514600" indent="-228600" algn="l" defTabSz="914400" rtl="0" eaLnBrk="1" latinLnBrk="0" hangingPunct="1">
+              <a:lnSpc>
+                <a:spcPct val="90000"/>
+              </a:lnSpc>
+              <a:spcBef>
+                <a:spcPts val="500"/>
+              </a:spcBef>
+              <a:buFont typeface="Arial" panose="020B0604020202020204" pitchFamily="34" charset="0"/>
+              <a:buChar char="•"/>
+              <a:defRPr sz="1800" kern="1200">
+                <a:solidFill>
+                  <a:schemeClr val="tx1"/>
+                </a:solidFill>
+                <a:latin typeface="+mn-lt"/>
+                <a:ea typeface="+mn-ea"/>
+                <a:cs typeface="+mn-cs"/>
+              </a:defRPr>
+            </a:lvl6pPr>
+            <a:lvl7pPr marL="2971800" indent="-228600" algn="l" defTabSz="914400" rtl="0" eaLnBrk="1" latinLnBrk="0" hangingPunct="1">
+              <a:lnSpc>
+                <a:spcPct val="90000"/>
+              </a:lnSpc>
+              <a:spcBef>
+                <a:spcPts val="500"/>
+              </a:spcBef>
+              <a:buFont typeface="Arial" panose="020B0604020202020204" pitchFamily="34" charset="0"/>
+              <a:buChar char="•"/>
+              <a:defRPr sz="1800" kern="1200">
+                <a:solidFill>
+                  <a:schemeClr val="tx1"/>
+                </a:solidFill>
+                <a:latin typeface="+mn-lt"/>
+                <a:ea typeface="+mn-ea"/>
+                <a:cs typeface="+mn-cs"/>
+              </a:defRPr>
+            </a:lvl7pPr>
+            <a:lvl8pPr marL="3429000" indent="-228600" algn="l" defTabSz="914400" rtl="0" eaLnBrk="1" latinLnBrk="0" hangingPunct="1">
+              <a:lnSpc>
+                <a:spcPct val="90000"/>
+              </a:lnSpc>
+              <a:spcBef>
+                <a:spcPts val="500"/>
+              </a:spcBef>
+              <a:buFont typeface="Arial" panose="020B0604020202020204" pitchFamily="34" charset="0"/>
+              <a:buChar char="•"/>
+              <a:defRPr sz="1800" kern="1200">
+                <a:solidFill>
+                  <a:schemeClr val="tx1"/>
+                </a:solidFill>
+                <a:latin typeface="+mn-lt"/>
+                <a:ea typeface="+mn-ea"/>
+                <a:cs typeface="+mn-cs"/>
+              </a:defRPr>
+            </a:lvl8pPr>
+            <a:lvl9pPr marL="3886200" indent="-228600" algn="l" defTabSz="914400" rtl="0" eaLnBrk="1" latinLnBrk="0" hangingPunct="1">
+              <a:lnSpc>
+                <a:spcPct val="90000"/>
+              </a:lnSpc>
+              <a:spcBef>
+                <a:spcPts val="500"/>
+              </a:spcBef>
+              <a:buFont typeface="Arial" panose="020B0604020202020204" pitchFamily="34" charset="0"/>
+              <a:buChar char="•"/>
+              <a:defRPr sz="1800" kern="1200">
+                <a:solidFill>
+                  <a:schemeClr val="tx1"/>
+                </a:solidFill>
+                <a:latin typeface="+mn-lt"/>
+                <a:ea typeface="+mn-ea"/>
+                <a:cs typeface="+mn-cs"/>
+              </a:defRPr>
+            </a:lvl9pPr>
+          </a:lstStyle>
+          <a:p>
+            <a:pPr marL="0" indent="0" algn="ctr">
+              <a:spcBef>
+                <a:spcPts val="600"/>
+              </a:spcBef>
+              <a:buNone/>
+            </a:pPr>
+            <a:r>
+              <a:rPr lang="fr-FR" sz="1800" dirty="0">
+                <a:ea typeface="+mn-lt"/>
+                <a:cs typeface="+mn-lt"/>
+              </a:rPr>
+              <a:t>Reference</a:t>
+            </a:r>
+            <a:endParaRPr lang="fr-FR" sz="1600" dirty="0">
+              <a:ea typeface="+mn-lt"/>
+              <a:cs typeface="+mn-lt"/>
+            </a:endParaRPr>
+          </a:p>
+          <a:p>
+            <a:pPr marL="72000" indent="0" algn="ctr">
+              <a:spcBef>
+                <a:spcPts val="300"/>
+              </a:spcBef>
+              <a:buNone/>
+            </a:pPr>
+            <a:r>
+              <a:rPr lang="fr-FR" sz="1400" b="0" dirty="0">
+                <a:solidFill>
+                  <a:schemeClr val="tx2"/>
+                </a:solidFill>
+                <a:ea typeface="+mn-lt"/>
+                <a:cs typeface="+mn-lt"/>
+              </a:rPr>
+              <a:t>.Net6. </a:t>
+            </a:r>
+            <a:r>
+              <a:rPr lang="fr-FR" sz="1400" dirty="0">
+                <a:solidFill>
+                  <a:schemeClr val="tx2"/>
+                </a:solidFill>
+                <a:ea typeface="+mn-lt"/>
+                <a:cs typeface="+mn-lt"/>
+                <a:hlinkClick r:id="rId2"/>
+              </a:rPr>
+              <a:t>General</a:t>
+            </a:r>
+            <a:r>
+              <a:rPr lang="fr-FR" sz="1400" dirty="0">
+                <a:solidFill>
+                  <a:schemeClr val="tx2"/>
+                </a:solidFill>
+                <a:ea typeface="+mn-lt"/>
+                <a:cs typeface="+mn-lt"/>
+              </a:rPr>
+              <a:t> | </a:t>
+            </a:r>
+            <a:r>
+              <a:rPr lang="fr-FR" sz="1400" dirty="0">
+                <a:solidFill>
+                  <a:schemeClr val="tx2"/>
+                </a:solidFill>
+                <a:ea typeface="+mn-lt"/>
+                <a:cs typeface="+mn-lt"/>
+                <a:hlinkClick r:id="rId3"/>
+              </a:rPr>
+              <a:t>For Api</a:t>
+            </a:r>
+            <a:endParaRPr lang="fr-FR" sz="1400" dirty="0">
+              <a:solidFill>
+                <a:schemeClr val="tx2"/>
+              </a:solidFill>
+              <a:ea typeface="+mn-lt"/>
+              <a:cs typeface="+mn-lt"/>
+            </a:endParaRPr>
+          </a:p>
+        </p:txBody>
+      </p:sp>
+      <p:sp>
+        <p:nvSpPr>
+          <p:cNvPr id="13" name="Espace réservé du texte 7">
+            <a:extLst>
+              <a:ext uri="{FF2B5EF4-FFF2-40B4-BE49-F238E27FC236}">
+                <a16:creationId xmlns:a16="http://schemas.microsoft.com/office/drawing/2014/main" id="{7BDA3FE1-028D-4F92-3CCF-B587021596BC}"/>
+              </a:ext>
+            </a:extLst>
+          </p:cNvPr>
+          <p:cNvSpPr txBox="1">
+            <a:spLocks/>
+          </p:cNvSpPr>
+          <p:nvPr/>
+        </p:nvSpPr>
+        <p:spPr>
+          <a:xfrm>
+            <a:off x="8231750" y="4672484"/>
+            <a:ext cx="2826976" cy="1052456"/>
+          </a:xfrm>
+          <a:prstGeom prst="roundRect">
+            <a:avLst>
+              <a:gd name="adj" fmla="val 7882"/>
+            </a:avLst>
+          </a:prstGeom>
+          <a:ln w="15875">
+            <a:solidFill>
+              <a:schemeClr val="accent1"/>
+            </a:solidFill>
+          </a:ln>
+        </p:spPr>
+        <p:txBody>
+          <a:bodyPr vert="horz" lIns="0" tIns="0" rIns="0" bIns="0" rtlCol="0" anchor="t">
+            <a:noAutofit/>
+          </a:bodyPr>
+          <a:lstStyle>
+            <a:lvl1pPr marL="360000" indent="-360000" algn="l" defTabSz="914400" rtl="0" eaLnBrk="1" latinLnBrk="0" hangingPunct="1">
+              <a:lnSpc>
+                <a:spcPct val="90000"/>
+              </a:lnSpc>
+              <a:spcBef>
+                <a:spcPts val="1000"/>
+              </a:spcBef>
+              <a:buFont typeface="Arial" panose="020B0604020202020204" pitchFamily="34" charset="0"/>
+              <a:buChar char="•"/>
+              <a:defRPr sz="2000" b="1" kern="1200">
+                <a:solidFill>
+                  <a:schemeClr val="tx1"/>
+                </a:solidFill>
+                <a:latin typeface="+mn-lt"/>
+                <a:ea typeface="+mn-ea"/>
+                <a:cs typeface="+mn-cs"/>
+              </a:defRPr>
+            </a:lvl1pPr>
+            <a:lvl2pPr marL="648000" indent="-360000" algn="l" defTabSz="914400" rtl="0" eaLnBrk="1" latinLnBrk="0" hangingPunct="1">
+              <a:lnSpc>
+                <a:spcPct val="90000"/>
+              </a:lnSpc>
+              <a:spcBef>
+                <a:spcPts val="1200"/>
+              </a:spcBef>
+              <a:buFont typeface="Arial" panose="020B0604020202020204" pitchFamily="34" charset="0"/>
+              <a:buChar char="•"/>
+              <a:defRPr sz="1800" b="1" kern="1200">
+                <a:solidFill>
+                  <a:schemeClr val="tx2"/>
+                </a:solidFill>
+                <a:latin typeface="+mn-lt"/>
+                <a:ea typeface="+mn-ea"/>
+                <a:cs typeface="+mn-cs"/>
+              </a:defRPr>
+            </a:lvl2pPr>
+            <a:lvl3pPr marL="648000" indent="-360000" algn="l" defTabSz="914400" rtl="0" eaLnBrk="1" latinLnBrk="0" hangingPunct="1">
+              <a:lnSpc>
+                <a:spcPct val="90000"/>
+              </a:lnSpc>
+              <a:spcBef>
+                <a:spcPts val="1200"/>
+              </a:spcBef>
+              <a:buFont typeface="Arial" panose="020B0604020202020204" pitchFamily="34" charset="0"/>
+              <a:buChar char="•"/>
+              <a:defRPr sz="1800" b="1" kern="1200">
+                <a:solidFill>
+                  <a:schemeClr val="bg1">
+                    <a:lumMod val="65000"/>
+                  </a:schemeClr>
+                </a:solidFill>
+                <a:latin typeface="+mn-lt"/>
+                <a:ea typeface="+mn-ea"/>
+                <a:cs typeface="+mn-cs"/>
+              </a:defRPr>
+            </a:lvl3pPr>
+            <a:lvl4pPr marL="720000" indent="-270000" algn="l" defTabSz="914400" rtl="0" eaLnBrk="1" latinLnBrk="0" hangingPunct="1">
+              <a:lnSpc>
+                <a:spcPct val="90000"/>
+              </a:lnSpc>
+              <a:spcBef>
+                <a:spcPts val="1000"/>
+              </a:spcBef>
+              <a:buFont typeface="Arial" panose="020B0604020202020204" pitchFamily="34" charset="0"/>
+              <a:buChar char="•"/>
+              <a:defRPr sz="1600" kern="1200">
+                <a:solidFill>
+                  <a:schemeClr val="tx2"/>
+                </a:solidFill>
+                <a:latin typeface="+mn-lt"/>
+                <a:ea typeface="+mn-ea"/>
+                <a:cs typeface="+mn-cs"/>
+              </a:defRPr>
+            </a:lvl4pPr>
+            <a:lvl5pPr marL="630000" indent="-270000" algn="l" defTabSz="914400" rtl="0" eaLnBrk="1" latinLnBrk="0" hangingPunct="1">
+              <a:lnSpc>
+                <a:spcPct val="90000"/>
+              </a:lnSpc>
+              <a:spcBef>
+                <a:spcPts val="1000"/>
+              </a:spcBef>
+              <a:buFont typeface="Arial" panose="020B0604020202020204" pitchFamily="34" charset="0"/>
+              <a:buChar char="•"/>
+              <a:defRPr sz="1600" kern="1200">
+                <a:solidFill>
+                  <a:schemeClr val="tx2"/>
+                </a:solidFill>
+                <a:latin typeface="+mn-lt"/>
+                <a:ea typeface="+mn-ea"/>
+                <a:cs typeface="+mn-cs"/>
+              </a:defRPr>
+            </a:lvl5pPr>
+            <a:lvl6pPr marL="2514600" indent="-228600" algn="l" defTabSz="914400" rtl="0" eaLnBrk="1" latinLnBrk="0" hangingPunct="1">
+              <a:lnSpc>
+                <a:spcPct val="90000"/>
+              </a:lnSpc>
+              <a:spcBef>
+                <a:spcPts val="500"/>
+              </a:spcBef>
+              <a:buFont typeface="Arial" panose="020B0604020202020204" pitchFamily="34" charset="0"/>
+              <a:buChar char="•"/>
+              <a:defRPr sz="1800" kern="1200">
+                <a:solidFill>
+                  <a:schemeClr val="tx1"/>
+                </a:solidFill>
+                <a:latin typeface="+mn-lt"/>
+                <a:ea typeface="+mn-ea"/>
+                <a:cs typeface="+mn-cs"/>
+              </a:defRPr>
+            </a:lvl6pPr>
+            <a:lvl7pPr marL="2971800" indent="-228600" algn="l" defTabSz="914400" rtl="0" eaLnBrk="1" latinLnBrk="0" hangingPunct="1">
+              <a:lnSpc>
+                <a:spcPct val="90000"/>
+              </a:lnSpc>
+              <a:spcBef>
+                <a:spcPts val="500"/>
+              </a:spcBef>
+              <a:buFont typeface="Arial" panose="020B0604020202020204" pitchFamily="34" charset="0"/>
+              <a:buChar char="•"/>
+              <a:defRPr sz="1800" kern="1200">
+                <a:solidFill>
+                  <a:schemeClr val="tx1"/>
+                </a:solidFill>
+                <a:latin typeface="+mn-lt"/>
+                <a:ea typeface="+mn-ea"/>
+                <a:cs typeface="+mn-cs"/>
+              </a:defRPr>
+            </a:lvl7pPr>
+            <a:lvl8pPr marL="3429000" indent="-228600" algn="l" defTabSz="914400" rtl="0" eaLnBrk="1" latinLnBrk="0" hangingPunct="1">
+              <a:lnSpc>
+                <a:spcPct val="90000"/>
+              </a:lnSpc>
+              <a:spcBef>
+                <a:spcPts val="500"/>
+              </a:spcBef>
+              <a:buFont typeface="Arial" panose="020B0604020202020204" pitchFamily="34" charset="0"/>
+              <a:buChar char="•"/>
+              <a:defRPr sz="1800" kern="1200">
+                <a:solidFill>
+                  <a:schemeClr val="tx1"/>
+                </a:solidFill>
+                <a:latin typeface="+mn-lt"/>
+                <a:ea typeface="+mn-ea"/>
+                <a:cs typeface="+mn-cs"/>
+              </a:defRPr>
+            </a:lvl8pPr>
+            <a:lvl9pPr marL="3886200" indent="-228600" algn="l" defTabSz="914400" rtl="0" eaLnBrk="1" latinLnBrk="0" hangingPunct="1">
+              <a:lnSpc>
+                <a:spcPct val="90000"/>
+              </a:lnSpc>
+              <a:spcBef>
+                <a:spcPts val="500"/>
+              </a:spcBef>
+              <a:buFont typeface="Arial" panose="020B0604020202020204" pitchFamily="34" charset="0"/>
+              <a:buChar char="•"/>
+              <a:defRPr sz="1800" kern="1200">
+                <a:solidFill>
+                  <a:schemeClr val="tx1"/>
+                </a:solidFill>
+                <a:latin typeface="+mn-lt"/>
+                <a:ea typeface="+mn-ea"/>
+                <a:cs typeface="+mn-cs"/>
+              </a:defRPr>
+            </a:lvl9pPr>
+          </a:lstStyle>
+          <a:p>
+            <a:pPr marL="0" indent="0" algn="ctr">
+              <a:spcBef>
+                <a:spcPts val="300"/>
+              </a:spcBef>
+              <a:buNone/>
+            </a:pPr>
+            <a:r>
+              <a:rPr lang="fr-FR" sz="1600" dirty="0">
+                <a:highlight>
+                  <a:srgbClr val="FFFF00"/>
+                </a:highlight>
+                <a:ea typeface="+mn-lt"/>
+                <a:cs typeface="+mn-lt"/>
+              </a:rPr>
+              <a:t>Log (</a:t>
+            </a:r>
+            <a:r>
+              <a:rPr lang="en-US" sz="1600" dirty="0">
+                <a:highlight>
+                  <a:srgbClr val="FFFF00"/>
+                </a:highlight>
+                <a:ea typeface="+mn-lt"/>
+                <a:cs typeface="+mn-lt"/>
+              </a:rPr>
+              <a:t>For Dev)</a:t>
+            </a:r>
+          </a:p>
+          <a:p>
+            <a:pPr marL="288000" indent="-216000">
+              <a:spcBef>
+                <a:spcPts val="300"/>
+              </a:spcBef>
+            </a:pPr>
+            <a:r>
+              <a:rPr lang="fr-FR" sz="1050" b="0" dirty="0">
+                <a:solidFill>
+                  <a:schemeClr val="tx2"/>
+                </a:solidFill>
+                <a:ea typeface="+mn-lt"/>
+                <a:cs typeface="+mn-lt"/>
+              </a:rPr>
+              <a:t>Que logger ? </a:t>
+            </a:r>
+            <a:r>
+              <a:rPr lang="fr-FR" sz="1050" b="0" dirty="0" err="1">
+                <a:solidFill>
+                  <a:schemeClr val="tx2"/>
+                </a:solidFill>
+                <a:ea typeface="+mn-lt"/>
+                <a:cs typeface="+mn-lt"/>
+              </a:rPr>
+              <a:t>HttpCode</a:t>
+            </a:r>
+            <a:r>
+              <a:rPr lang="fr-FR" sz="1050" b="0" dirty="0">
+                <a:solidFill>
+                  <a:schemeClr val="tx2"/>
+                </a:solidFill>
+                <a:ea typeface="+mn-lt"/>
+                <a:cs typeface="+mn-lt"/>
+              </a:rPr>
+              <a:t>.(400 | 500)</a:t>
+            </a:r>
+          </a:p>
+          <a:p>
+            <a:pPr marL="288000" indent="-216000">
+              <a:spcBef>
+                <a:spcPts val="600"/>
+              </a:spcBef>
+            </a:pPr>
+            <a:r>
+              <a:rPr lang="fr-FR" sz="1050" b="0" dirty="0">
+                <a:solidFill>
+                  <a:schemeClr val="tx2"/>
+                </a:solidFill>
+                <a:ea typeface="+mn-lt"/>
+                <a:cs typeface="+mn-lt"/>
+              </a:rPr>
+              <a:t>Quoi logger ? Req </a:t>
+            </a:r>
+            <a:r>
+              <a:rPr lang="fr-FR" sz="1050" b="0" dirty="0" err="1">
+                <a:solidFill>
+                  <a:schemeClr val="tx2"/>
+                </a:solidFill>
+                <a:ea typeface="+mn-lt"/>
+                <a:cs typeface="+mn-lt"/>
+              </a:rPr>
+              <a:t>Ctx</a:t>
+            </a:r>
+            <a:r>
+              <a:rPr lang="fr-FR" sz="1050" b="0" dirty="0">
+                <a:solidFill>
+                  <a:schemeClr val="tx2"/>
+                </a:solidFill>
+                <a:ea typeface="+mn-lt"/>
+                <a:cs typeface="+mn-lt"/>
+              </a:rPr>
+              <a:t> &amp; </a:t>
+            </a:r>
+            <a:r>
+              <a:rPr lang="fr-FR" sz="1050" b="0" dirty="0" err="1">
+                <a:solidFill>
+                  <a:schemeClr val="tx2"/>
+                </a:solidFill>
+                <a:ea typeface="+mn-lt"/>
+                <a:cs typeface="+mn-lt"/>
+              </a:rPr>
+              <a:t>Resp</a:t>
+            </a:r>
+            <a:r>
+              <a:rPr lang="fr-FR" sz="1050" b="0" dirty="0">
+                <a:solidFill>
+                  <a:schemeClr val="tx2"/>
+                </a:solidFill>
+                <a:ea typeface="+mn-lt"/>
+                <a:cs typeface="+mn-lt"/>
+              </a:rPr>
+              <a:t> Body</a:t>
+            </a:r>
+            <a:endParaRPr lang="fr-FR" sz="1050" dirty="0">
+              <a:solidFill>
+                <a:schemeClr val="tx2"/>
+              </a:solidFill>
+              <a:ea typeface="+mn-lt"/>
+              <a:cs typeface="+mn-lt"/>
+            </a:endParaRPr>
+          </a:p>
+          <a:p>
+            <a:pPr marL="288000" indent="-216000">
+              <a:spcBef>
+                <a:spcPts val="600"/>
+              </a:spcBef>
+            </a:pPr>
+            <a:r>
+              <a:rPr lang="fr-FR" sz="1400" dirty="0" err="1">
+                <a:solidFill>
+                  <a:schemeClr val="tx2"/>
+                </a:solidFill>
+                <a:ea typeface="+mn-lt"/>
+                <a:cs typeface="+mn-lt"/>
+              </a:rPr>
+              <a:t>LoggerMw</a:t>
+            </a:r>
+            <a:r>
+              <a:rPr lang="fr-FR" sz="1400" dirty="0">
+                <a:solidFill>
+                  <a:schemeClr val="tx2"/>
+                </a:solidFill>
+                <a:ea typeface="+mn-lt"/>
+                <a:cs typeface="+mn-lt"/>
+              </a:rPr>
+              <a:t>. </a:t>
+            </a:r>
+            <a:r>
+              <a:rPr lang="fr-FR" sz="1400" b="0" dirty="0" err="1">
+                <a:solidFill>
+                  <a:schemeClr val="tx2"/>
+                </a:solidFill>
+                <a:ea typeface="+mn-lt"/>
+                <a:cs typeface="+mn-lt"/>
+              </a:rPr>
+              <a:t>Error</a:t>
+            </a:r>
+            <a:r>
+              <a:rPr lang="fr-FR" sz="1400" b="0" dirty="0">
+                <a:solidFill>
+                  <a:schemeClr val="tx2"/>
+                </a:solidFill>
+                <a:ea typeface="+mn-lt"/>
+                <a:cs typeface="+mn-lt"/>
+              </a:rPr>
+              <a:t> Logging</a:t>
+            </a:r>
+            <a:endParaRPr lang="fr-FR" sz="1400" dirty="0">
+              <a:ea typeface="+mn-lt"/>
+              <a:cs typeface="+mn-lt"/>
+            </a:endParaRPr>
+          </a:p>
+        </p:txBody>
+      </p:sp>
+      <p:sp>
+        <p:nvSpPr>
+          <p:cNvPr id="20" name="Espace réservé du texte 7">
+            <a:extLst>
+              <a:ext uri="{FF2B5EF4-FFF2-40B4-BE49-F238E27FC236}">
+                <a16:creationId xmlns:a16="http://schemas.microsoft.com/office/drawing/2014/main" id="{7C6E56DC-6F99-84DB-C324-201224A98547}"/>
+              </a:ext>
+            </a:extLst>
+          </p:cNvPr>
+          <p:cNvSpPr txBox="1">
+            <a:spLocks/>
+          </p:cNvSpPr>
+          <p:nvPr/>
+        </p:nvSpPr>
+        <p:spPr>
+          <a:xfrm>
+            <a:off x="5447070" y="4672482"/>
+            <a:ext cx="2675695" cy="1052457"/>
+          </a:xfrm>
+          <a:prstGeom prst="roundRect">
+            <a:avLst>
+              <a:gd name="adj" fmla="val 8337"/>
+            </a:avLst>
+          </a:prstGeom>
+          <a:ln w="15875">
+            <a:solidFill>
+              <a:schemeClr val="accent1"/>
+            </a:solidFill>
+          </a:ln>
+        </p:spPr>
+        <p:txBody>
+          <a:bodyPr vert="horz" lIns="0" tIns="0" rIns="0" bIns="0" rtlCol="0" anchor="t">
+            <a:noAutofit/>
+          </a:bodyPr>
+          <a:lstStyle>
+            <a:lvl1pPr marL="360000" indent="-360000" algn="l" defTabSz="914400" rtl="0" eaLnBrk="1" latinLnBrk="0" hangingPunct="1">
+              <a:lnSpc>
+                <a:spcPct val="90000"/>
+              </a:lnSpc>
+              <a:spcBef>
+                <a:spcPts val="1000"/>
+              </a:spcBef>
+              <a:buFont typeface="Arial" panose="020B0604020202020204" pitchFamily="34" charset="0"/>
+              <a:buChar char="•"/>
+              <a:defRPr sz="2000" b="1" kern="1200">
+                <a:solidFill>
+                  <a:schemeClr val="tx1"/>
+                </a:solidFill>
+                <a:latin typeface="+mn-lt"/>
+                <a:ea typeface="+mn-ea"/>
+                <a:cs typeface="+mn-cs"/>
+              </a:defRPr>
+            </a:lvl1pPr>
+            <a:lvl2pPr marL="648000" indent="-360000" algn="l" defTabSz="914400" rtl="0" eaLnBrk="1" latinLnBrk="0" hangingPunct="1">
+              <a:lnSpc>
+                <a:spcPct val="90000"/>
+              </a:lnSpc>
+              <a:spcBef>
+                <a:spcPts val="1200"/>
+              </a:spcBef>
+              <a:buFont typeface="Arial" panose="020B0604020202020204" pitchFamily="34" charset="0"/>
+              <a:buChar char="•"/>
+              <a:defRPr sz="1800" b="1" kern="1200">
+                <a:solidFill>
+                  <a:schemeClr val="tx2"/>
+                </a:solidFill>
+                <a:latin typeface="+mn-lt"/>
+                <a:ea typeface="+mn-ea"/>
+                <a:cs typeface="+mn-cs"/>
+              </a:defRPr>
+            </a:lvl2pPr>
+            <a:lvl3pPr marL="648000" indent="-360000" algn="l" defTabSz="914400" rtl="0" eaLnBrk="1" latinLnBrk="0" hangingPunct="1">
+              <a:lnSpc>
+                <a:spcPct val="90000"/>
+              </a:lnSpc>
+              <a:spcBef>
+                <a:spcPts val="1200"/>
+              </a:spcBef>
+              <a:buFont typeface="Arial" panose="020B0604020202020204" pitchFamily="34" charset="0"/>
+              <a:buChar char="•"/>
+              <a:defRPr sz="1800" b="1" kern="1200">
+                <a:solidFill>
+                  <a:schemeClr val="bg1">
+                    <a:lumMod val="65000"/>
+                  </a:schemeClr>
+                </a:solidFill>
+                <a:latin typeface="+mn-lt"/>
+                <a:ea typeface="+mn-ea"/>
+                <a:cs typeface="+mn-cs"/>
+              </a:defRPr>
+            </a:lvl3pPr>
+            <a:lvl4pPr marL="720000" indent="-270000" algn="l" defTabSz="914400" rtl="0" eaLnBrk="1" latinLnBrk="0" hangingPunct="1">
+              <a:lnSpc>
+                <a:spcPct val="90000"/>
+              </a:lnSpc>
+              <a:spcBef>
+                <a:spcPts val="1000"/>
+              </a:spcBef>
+              <a:buFont typeface="Arial" panose="020B0604020202020204" pitchFamily="34" charset="0"/>
+              <a:buChar char="•"/>
+              <a:defRPr sz="1600" kern="1200">
+                <a:solidFill>
+                  <a:schemeClr val="tx2"/>
+                </a:solidFill>
+                <a:latin typeface="+mn-lt"/>
+                <a:ea typeface="+mn-ea"/>
+                <a:cs typeface="+mn-cs"/>
+              </a:defRPr>
+            </a:lvl4pPr>
+            <a:lvl5pPr marL="630000" indent="-270000" algn="l" defTabSz="914400" rtl="0" eaLnBrk="1" latinLnBrk="0" hangingPunct="1">
+              <a:lnSpc>
+                <a:spcPct val="90000"/>
+              </a:lnSpc>
+              <a:spcBef>
+                <a:spcPts val="1000"/>
+              </a:spcBef>
+              <a:buFont typeface="Arial" panose="020B0604020202020204" pitchFamily="34" charset="0"/>
+              <a:buChar char="•"/>
+              <a:defRPr sz="1600" kern="1200">
+                <a:solidFill>
+                  <a:schemeClr val="tx2"/>
+                </a:solidFill>
+                <a:latin typeface="+mn-lt"/>
+                <a:ea typeface="+mn-ea"/>
+                <a:cs typeface="+mn-cs"/>
+              </a:defRPr>
+            </a:lvl5pPr>
+            <a:lvl6pPr marL="2514600" indent="-228600" algn="l" defTabSz="914400" rtl="0" eaLnBrk="1" latinLnBrk="0" hangingPunct="1">
+              <a:lnSpc>
+                <a:spcPct val="90000"/>
+              </a:lnSpc>
+              <a:spcBef>
+                <a:spcPts val="500"/>
+              </a:spcBef>
+              <a:buFont typeface="Arial" panose="020B0604020202020204" pitchFamily="34" charset="0"/>
+              <a:buChar char="•"/>
+              <a:defRPr sz="1800" kern="1200">
+                <a:solidFill>
+                  <a:schemeClr val="tx1"/>
+                </a:solidFill>
+                <a:latin typeface="+mn-lt"/>
+                <a:ea typeface="+mn-ea"/>
+                <a:cs typeface="+mn-cs"/>
+              </a:defRPr>
+            </a:lvl6pPr>
+            <a:lvl7pPr marL="2971800" indent="-228600" algn="l" defTabSz="914400" rtl="0" eaLnBrk="1" latinLnBrk="0" hangingPunct="1">
+              <a:lnSpc>
+                <a:spcPct val="90000"/>
+              </a:lnSpc>
+              <a:spcBef>
+                <a:spcPts val="500"/>
+              </a:spcBef>
+              <a:buFont typeface="Arial" panose="020B0604020202020204" pitchFamily="34" charset="0"/>
+              <a:buChar char="•"/>
+              <a:defRPr sz="1800" kern="1200">
+                <a:solidFill>
+                  <a:schemeClr val="tx1"/>
+                </a:solidFill>
+                <a:latin typeface="+mn-lt"/>
+                <a:ea typeface="+mn-ea"/>
+                <a:cs typeface="+mn-cs"/>
+              </a:defRPr>
+            </a:lvl7pPr>
+            <a:lvl8pPr marL="3429000" indent="-228600" algn="l" defTabSz="914400" rtl="0" eaLnBrk="1" latinLnBrk="0" hangingPunct="1">
+              <a:lnSpc>
+                <a:spcPct val="90000"/>
+              </a:lnSpc>
+              <a:spcBef>
+                <a:spcPts val="500"/>
+              </a:spcBef>
+              <a:buFont typeface="Arial" panose="020B0604020202020204" pitchFamily="34" charset="0"/>
+              <a:buChar char="•"/>
+              <a:defRPr sz="1800" kern="1200">
+                <a:solidFill>
+                  <a:schemeClr val="tx1"/>
+                </a:solidFill>
+                <a:latin typeface="+mn-lt"/>
+                <a:ea typeface="+mn-ea"/>
+                <a:cs typeface="+mn-cs"/>
+              </a:defRPr>
+            </a:lvl8pPr>
+            <a:lvl9pPr marL="3886200" indent="-228600" algn="l" defTabSz="914400" rtl="0" eaLnBrk="1" latinLnBrk="0" hangingPunct="1">
+              <a:lnSpc>
+                <a:spcPct val="90000"/>
+              </a:lnSpc>
+              <a:spcBef>
+                <a:spcPts val="500"/>
+              </a:spcBef>
+              <a:buFont typeface="Arial" panose="020B0604020202020204" pitchFamily="34" charset="0"/>
+              <a:buChar char="•"/>
+              <a:defRPr sz="1800" kern="1200">
+                <a:solidFill>
+                  <a:schemeClr val="tx1"/>
+                </a:solidFill>
+                <a:latin typeface="+mn-lt"/>
+                <a:ea typeface="+mn-ea"/>
+                <a:cs typeface="+mn-cs"/>
+              </a:defRPr>
+            </a:lvl9pPr>
+          </a:lstStyle>
+          <a:p>
+            <a:pPr marL="0" indent="0" algn="ctr">
+              <a:spcBef>
+                <a:spcPts val="300"/>
+              </a:spcBef>
+              <a:buNone/>
+            </a:pPr>
+            <a:r>
+              <a:rPr lang="fr-FR" sz="1600" dirty="0" err="1">
+                <a:highlight>
+                  <a:srgbClr val="FFFF00"/>
+                </a:highlight>
+                <a:ea typeface="+mn-lt"/>
+                <a:cs typeface="+mn-lt"/>
+              </a:rPr>
+              <a:t>Api.Response</a:t>
+            </a:r>
+            <a:endParaRPr lang="fr-FR" sz="1600" dirty="0">
+              <a:highlight>
+                <a:srgbClr val="FFFF00"/>
+              </a:highlight>
+              <a:ea typeface="+mn-lt"/>
+              <a:cs typeface="+mn-lt"/>
+            </a:endParaRPr>
+          </a:p>
+          <a:p>
+            <a:pPr marL="274320" indent="-182880">
+              <a:spcBef>
+                <a:spcPts val="300"/>
+              </a:spcBef>
+            </a:pPr>
+            <a:endParaRPr lang="fr-FR" sz="1400" b="0" dirty="0">
+              <a:solidFill>
+                <a:schemeClr val="tx2"/>
+              </a:solidFill>
+              <a:ea typeface="+mn-lt"/>
+              <a:cs typeface="+mn-lt"/>
+            </a:endParaRPr>
+          </a:p>
+          <a:p>
+            <a:pPr marL="274320" indent="-182880">
+              <a:spcBef>
+                <a:spcPts val="300"/>
+              </a:spcBef>
+            </a:pPr>
+            <a:r>
+              <a:rPr lang="fr-FR" sz="1400" b="0" dirty="0">
+                <a:ea typeface="+mn-lt"/>
+                <a:cs typeface="+mn-lt"/>
+              </a:rPr>
+              <a:t>Format. </a:t>
+            </a:r>
+            <a:r>
+              <a:rPr lang="fr-FR" sz="1400" b="0" dirty="0" err="1">
+                <a:ea typeface="+mn-lt"/>
+                <a:cs typeface="+mn-lt"/>
+              </a:rPr>
+              <a:t>ProblemDetails</a:t>
+            </a:r>
+            <a:r>
+              <a:rPr lang="fr-FR" sz="1400" b="0" dirty="0">
+                <a:solidFill>
+                  <a:schemeClr val="tx2"/>
+                </a:solidFill>
+                <a:ea typeface="+mn-lt"/>
+                <a:cs typeface="+mn-lt"/>
+              </a:rPr>
+              <a:t>.</a:t>
+            </a:r>
+          </a:p>
+          <a:p>
+            <a:pPr marL="274320" indent="-182880">
+              <a:spcBef>
+                <a:spcPts val="300"/>
+              </a:spcBef>
+            </a:pPr>
+            <a:r>
+              <a:rPr lang="fr-FR" sz="1400" b="0" dirty="0">
+                <a:ea typeface="+mn-lt"/>
+                <a:cs typeface="+mn-lt"/>
+              </a:rPr>
+              <a:t>Show Exception (Selon Env)</a:t>
+            </a:r>
+          </a:p>
+          <a:p>
+            <a:pPr marL="274320" indent="-182880">
+              <a:spcBef>
+                <a:spcPts val="300"/>
+              </a:spcBef>
+            </a:pPr>
+            <a:endParaRPr lang="fr-FR" sz="1400" b="0" dirty="0">
+              <a:solidFill>
+                <a:schemeClr val="tx2"/>
+              </a:solidFill>
+              <a:ea typeface="+mn-lt"/>
+              <a:cs typeface="+mn-lt"/>
+            </a:endParaRPr>
+          </a:p>
+          <a:p>
+            <a:pPr marL="274320" indent="-182880">
+              <a:spcBef>
+                <a:spcPts val="300"/>
+              </a:spcBef>
+            </a:pPr>
+            <a:endParaRPr lang="fr-FR" sz="1400" b="0" dirty="0">
+              <a:solidFill>
+                <a:schemeClr val="tx2"/>
+              </a:solidFill>
+              <a:ea typeface="+mn-lt"/>
+              <a:cs typeface="+mn-lt"/>
+            </a:endParaRPr>
+          </a:p>
+          <a:p>
+            <a:pPr marL="0" indent="0" algn="ctr">
+              <a:spcBef>
+                <a:spcPts val="300"/>
+              </a:spcBef>
+              <a:buNone/>
+            </a:pPr>
+            <a:endParaRPr lang="fr-FR" sz="1600" dirty="0">
+              <a:highlight>
+                <a:srgbClr val="FFFF00"/>
+              </a:highlight>
+              <a:ea typeface="+mn-lt"/>
+              <a:cs typeface="+mn-lt"/>
+            </a:endParaRPr>
+          </a:p>
+          <a:p>
+            <a:pPr marL="72000" indent="0" algn="ctr">
+              <a:spcBef>
+                <a:spcPts val="300"/>
+              </a:spcBef>
+              <a:buNone/>
+            </a:pPr>
+            <a:endParaRPr lang="fr-FR" sz="1400" dirty="0">
+              <a:solidFill>
+                <a:schemeClr val="tx2"/>
+              </a:solidFill>
+              <a:ea typeface="+mn-lt"/>
+              <a:cs typeface="+mn-lt"/>
+            </a:endParaRPr>
+          </a:p>
+        </p:txBody>
+      </p:sp>
+      <p:sp>
+        <p:nvSpPr>
+          <p:cNvPr id="7" name="Arrow: Right 6">
+            <a:extLst>
+              <a:ext uri="{FF2B5EF4-FFF2-40B4-BE49-F238E27FC236}">
+                <a16:creationId xmlns:a16="http://schemas.microsoft.com/office/drawing/2014/main" id="{14D9F6C1-1FC1-9280-0120-7F8C937E5DBF}"/>
+              </a:ext>
+            </a:extLst>
+          </p:cNvPr>
+          <p:cNvSpPr/>
+          <p:nvPr/>
+        </p:nvSpPr>
+        <p:spPr>
+          <a:xfrm rot="5400000" flipV="1">
+            <a:off x="7614812" y="2604802"/>
+            <a:ext cx="282704" cy="185680"/>
+          </a:xfrm>
+          <a:prstGeom prst="rightArrow">
+            <a:avLst/>
+          </a:prstGeom>
+        </p:spPr>
+        <p:style>
+          <a:lnRef idx="2">
+            <a:schemeClr val="accent1">
+              <a:shade val="15000"/>
+            </a:schemeClr>
+          </a:lnRef>
+          <a:fillRef idx="1">
+            <a:schemeClr val="accent1"/>
+          </a:fillRef>
+          <a:effectRef idx="0">
+            <a:schemeClr val="accent1"/>
+          </a:effectRef>
+          <a:fontRef idx="minor">
+            <a:schemeClr val="lt1"/>
+          </a:fontRef>
+        </p:style>
+        <p:txBody>
+          <a:bodyPr rtlCol="0" anchor="ctr"/>
+          <a:lstStyle/>
+          <a:p>
+            <a:pPr algn="ctr"/>
+            <a:endParaRPr lang="en-US"/>
+          </a:p>
+        </p:txBody>
+      </p:sp>
+      <p:sp>
+        <p:nvSpPr>
+          <p:cNvPr id="8" name="Espace réservé du texte 7">
+            <a:extLst>
+              <a:ext uri="{FF2B5EF4-FFF2-40B4-BE49-F238E27FC236}">
+                <a16:creationId xmlns:a16="http://schemas.microsoft.com/office/drawing/2014/main" id="{DF13D9BA-5BC9-F6EE-EDF9-876132E8210B}"/>
+              </a:ext>
+            </a:extLst>
+          </p:cNvPr>
+          <p:cNvSpPr txBox="1">
+            <a:spLocks/>
+          </p:cNvSpPr>
+          <p:nvPr/>
+        </p:nvSpPr>
+        <p:spPr>
+          <a:xfrm>
+            <a:off x="3098460" y="4097548"/>
+            <a:ext cx="1908174" cy="1870030"/>
           </a:xfrm>
           <a:prstGeom prst="roundRect">
             <a:avLst>
@@ -13659,10 +15473,10 @@
       </p:sp>
       <p:sp>
         <p:nvSpPr>
-          <p:cNvPr id="24" name="Espace réservé du texte 7">
+          <p:cNvPr id="17" name="Espace réservé du texte 7">
             <a:extLst>
               <a:ext uri="{FF2B5EF4-FFF2-40B4-BE49-F238E27FC236}">
-                <a16:creationId xmlns:a16="http://schemas.microsoft.com/office/drawing/2014/main" id="{0E7D1CEB-8D48-4C01-93BC-6E4B15951217}"/>
+                <a16:creationId xmlns:a16="http://schemas.microsoft.com/office/drawing/2014/main" id="{8E52E4A6-37D2-AD44-16AE-53EA467E451B}"/>
               </a:ext>
             </a:extLst>
           </p:cNvPr>
@@ -13673,12 +15487,12 @@
         </p:nvSpPr>
         <p:spPr>
           <a:xfrm>
-            <a:off x="5181461" y="1050361"/>
-            <a:ext cx="6099313" cy="1486993"/>
+            <a:off x="5447071" y="1497205"/>
+            <a:ext cx="2267548" cy="1073684"/>
           </a:xfrm>
           <a:prstGeom prst="roundRect">
             <a:avLst>
-              <a:gd name="adj" fmla="val 12740"/>
+              <a:gd name="adj" fmla="val 9048"/>
             </a:avLst>
           </a:prstGeom>
           <a:ln w="15875">
@@ -13688,7 +15502,7 @@
           </a:ln>
         </p:spPr>
         <p:txBody>
-          <a:bodyPr vert="horz" lIns="0" tIns="0" rIns="0" bIns="0" rtlCol="0">
+          <a:bodyPr vert="horz" lIns="0" tIns="0" rIns="0" bIns="0" rtlCol="0" anchor="ctr">
             <a:noAutofit/>
           </a:bodyPr>
           <a:lstStyle>
@@ -13860,134 +15674,141 @@
           <a:p>
             <a:pPr marL="0" indent="0" algn="ctr">
               <a:spcBef>
-                <a:spcPts val="300"/>
+                <a:spcPts val="600"/>
               </a:spcBef>
               <a:buNone/>
             </a:pPr>
             <a:r>
-              <a:rPr lang="fr-FR" sz="1600" dirty="0">
+              <a:rPr lang="fr-FR" sz="1400" dirty="0">
                 <a:ea typeface="+mn-lt"/>
                 <a:cs typeface="+mn-lt"/>
               </a:rPr>
-              <a:t>Type</a:t>
-            </a:r>
+              <a:t>Exception</a:t>
+            </a:r>
+            <a:endParaRPr lang="fr-FR" sz="1600" dirty="0">
+              <a:ea typeface="+mn-lt"/>
+              <a:cs typeface="+mn-lt"/>
+            </a:endParaRPr>
           </a:p>
           <a:p>
             <a:pPr marL="288000" indent="-216000">
               <a:spcBef>
-                <a:spcPts val="600"/>
+                <a:spcPts val="0"/>
               </a:spcBef>
             </a:pPr>
             <a:r>
-              <a:rPr lang="fr-LU" sz="1400" dirty="0">
+              <a:rPr lang="fr-FR" sz="1200" dirty="0" err="1">
                 <a:solidFill>
                   <a:schemeClr val="tx2"/>
                 </a:solidFill>
                 <a:ea typeface="+mn-lt"/>
                 <a:cs typeface="+mn-lt"/>
               </a:rPr>
-              <a:t>Validation.</a:t>
-            </a:r>
-            <a:r>
-              <a:rPr lang="fr-LU" sz="1400" b="0" dirty="0">
+              <a:t>Thrown</a:t>
+            </a:r>
+            <a:r>
+              <a:rPr lang="fr-FR" sz="1200" dirty="0">
                 <a:solidFill>
                   <a:schemeClr val="tx2"/>
                 </a:solidFill>
                 <a:ea typeface="+mn-lt"/>
                 <a:cs typeface="+mn-lt"/>
               </a:rPr>
-              <a:t> Invalid input format (Ex. Mail/Tel…), input requis absent</a:t>
-            </a:r>
-          </a:p>
-          <a:p>
-            <a:pPr marL="288000" indent="-216000">
-              <a:spcBef>
-                <a:spcPts val="600"/>
+              <a:t> C# Exception.</a:t>
+            </a:r>
+          </a:p>
+          <a:p>
+            <a:pPr marL="365760" lvl="1" indent="-216000">
+              <a:spcBef>
+                <a:spcPts val="0"/>
               </a:spcBef>
             </a:pPr>
             <a:r>
-              <a:rPr lang="fr-LU" sz="1400" dirty="0">
-                <a:solidFill>
-                  <a:schemeClr val="tx2"/>
-                </a:solidFill>
+              <a:rPr lang="fr-FR" sz="1200" b="0" dirty="0">
                 <a:ea typeface="+mn-lt"/>
                 <a:cs typeface="+mn-lt"/>
               </a:rPr>
-              <a:t>Business.</a:t>
-            </a:r>
-            <a:r>
-              <a:rPr lang="fr-LU" sz="1400" b="0" dirty="0">
+              <a:t>Homemade | Tier Lib</a:t>
+            </a:r>
+          </a:p>
+          <a:p>
+            <a:pPr marL="365760" lvl="1" indent="-216000">
+              <a:spcBef>
+                <a:spcPts val="0"/>
+              </a:spcBef>
+            </a:pPr>
+            <a:r>
+              <a:rPr lang="fr-FR" sz="1200" dirty="0">
                 <a:solidFill>
                   <a:schemeClr val="tx2"/>
                 </a:solidFill>
                 <a:ea typeface="+mn-lt"/>
                 <a:cs typeface="+mn-lt"/>
               </a:rPr>
-              <a:t> Création d’une identité avec des infos incohérente…</a:t>
-            </a:r>
-          </a:p>
-          <a:p>
-            <a:pPr marL="288000" indent="-216000">
-              <a:spcBef>
-                <a:spcPts val="600"/>
-              </a:spcBef>
-            </a:pPr>
-            <a:r>
-              <a:rPr lang="fr-LU" sz="1400" dirty="0">
+              <a:t>Fluent Val. </a:t>
+            </a:r>
+            <a:r>
+              <a:rPr lang="fr-FR" sz="1200" dirty="0" err="1">
                 <a:solidFill>
                   <a:schemeClr val="tx2"/>
                 </a:solidFill>
                 <a:ea typeface="+mn-lt"/>
                 <a:cs typeface="+mn-lt"/>
-              </a:rPr>
-              <a:t>Technique.</a:t>
-            </a:r>
-            <a:r>
-              <a:rPr lang="fr-LU" sz="1400" b="0" dirty="0">
+                <a:hlinkClick r:id="rId4"/>
+              </a:rPr>
+              <a:t>Learn</a:t>
+            </a:r>
+            <a:r>
+              <a:rPr lang="fr-FR" sz="1200" dirty="0">
                 <a:solidFill>
                   <a:schemeClr val="tx2"/>
                 </a:solidFill>
                 <a:ea typeface="+mn-lt"/>
                 <a:cs typeface="+mn-lt"/>
               </a:rPr>
-              <a:t> Ressource externe indisponible (Db | Api...)</a:t>
-            </a:r>
-          </a:p>
-          <a:p>
-            <a:pPr marL="288000" indent="-216000">
-              <a:spcBef>
-                <a:spcPts val="600"/>
-              </a:spcBef>
-            </a:pPr>
-            <a:r>
-              <a:rPr lang="fr-LU" sz="1400" dirty="0">
-                <a:solidFill>
-                  <a:schemeClr val="tx2"/>
-                </a:solidFill>
+              <a:t> </a:t>
+            </a:r>
+            <a:r>
+              <a:rPr lang="fr-FR" sz="1200" dirty="0">
                 <a:ea typeface="+mn-lt"/>
                 <a:cs typeface="+mn-lt"/>
               </a:rPr>
-              <a:t>Other.</a:t>
-            </a:r>
-            <a:r>
-              <a:rPr lang="fr-LU" sz="1400" b="0" dirty="0">
-                <a:solidFill>
-                  <a:schemeClr val="tx2"/>
-                </a:solidFill>
+              <a:t>| </a:t>
+            </a:r>
+            <a:r>
+              <a:rPr lang="fr-FR" sz="1200" dirty="0" err="1">
                 <a:ea typeface="+mn-lt"/>
                 <a:cs typeface="+mn-lt"/>
-              </a:rPr>
-              <a:t> Authentication | Autorisation | ?</a:t>
+                <a:hlinkClick r:id="rId5"/>
+              </a:rPr>
+              <a:t>Impl</a:t>
+            </a:r>
+            <a:r>
+              <a:rPr lang="fr-FR" sz="1200" dirty="0">
+                <a:ea typeface="+mn-lt"/>
+                <a:cs typeface="+mn-lt"/>
+              </a:rPr>
+              <a:t> </a:t>
+            </a:r>
+            <a:r>
+              <a:rPr lang="fr-FR" sz="1200" b="0" dirty="0">
+                <a:solidFill>
+                  <a:schemeClr val="tx2"/>
+                </a:solidFill>
+                <a:ea typeface="+mn-lt"/>
+                <a:cs typeface="+mn-lt"/>
+              </a:rPr>
+              <a:t>(ValidationExc)</a:t>
             </a:r>
           </a:p>
         </p:txBody>
       </p:sp>
       <p:sp>
         <p:nvSpPr>
-          <p:cNvPr id="27" name="Espace réservé du texte 7">
+          <p:cNvPr id="18" name="Espace réservé du texte 7">
             <a:extLst>
               <a:ext uri="{FF2B5EF4-FFF2-40B4-BE49-F238E27FC236}">
-                <a16:creationId xmlns:a16="http://schemas.microsoft.com/office/drawing/2014/main" id="{416BE16B-1E8C-48FA-B7AE-7624496931AD}"/>
+                <a16:creationId xmlns:a16="http://schemas.microsoft.com/office/drawing/2014/main" id="{DB939858-6F09-65CC-3A93-6803E792BCD2}"/>
               </a:ext>
             </a:extLst>
           </p:cNvPr>
@@ -13998,12 +15819,12 @@
         </p:nvSpPr>
         <p:spPr>
           <a:xfrm>
-            <a:off x="977344" y="5023960"/>
-            <a:ext cx="3872665" cy="840521"/>
+            <a:off x="7822491" y="1700981"/>
+            <a:ext cx="3236235" cy="869908"/>
           </a:xfrm>
           <a:prstGeom prst="roundRect">
             <a:avLst>
-              <a:gd name="adj" fmla="val 22593"/>
+              <a:gd name="adj" fmla="val 9048"/>
             </a:avLst>
           </a:prstGeom>
           <a:ln w="15875">
@@ -14013,7 +15834,7 @@
           </a:ln>
         </p:spPr>
         <p:txBody>
-          <a:bodyPr vert="horz" lIns="0" tIns="0" rIns="0" bIns="0" rtlCol="0">
+          <a:bodyPr vert="horz" lIns="0" tIns="0" rIns="0" bIns="0" rtlCol="0" anchor="ctr">
             <a:noAutofit/>
           </a:bodyPr>
           <a:lstStyle>
@@ -14185,16 +16006,16 @@
           <a:p>
             <a:pPr marL="0" indent="0" algn="ctr">
               <a:spcBef>
-                <a:spcPts val="300"/>
+                <a:spcPts val="600"/>
               </a:spcBef>
               <a:buNone/>
             </a:pPr>
             <a:r>
-              <a:rPr lang="fr-FR" sz="1400" dirty="0">
+              <a:rPr lang="fr-FR" sz="1600" dirty="0">
                 <a:ea typeface="+mn-lt"/>
                 <a:cs typeface="+mn-lt"/>
               </a:rPr>
-              <a:t>Logging</a:t>
+              <a:t>HttpError</a:t>
             </a:r>
           </a:p>
           <a:p>
@@ -14204,61 +16025,100 @@
               </a:spcBef>
             </a:pPr>
             <a:r>
-              <a:rPr lang="fr-FR" sz="1400" b="0" dirty="0">
+              <a:rPr lang="fr-FR" sz="1200" b="0" dirty="0">
                 <a:solidFill>
                   <a:schemeClr val="tx2"/>
                 </a:solidFill>
                 <a:ea typeface="+mn-lt"/>
                 <a:cs typeface="+mn-lt"/>
               </a:rPr>
-              <a:t>Que logger ? </a:t>
-            </a:r>
-            <a:r>
-              <a:rPr lang="fr-FR" sz="1400" b="0" dirty="0" err="1">
+              <a:t>HttpError(</a:t>
+            </a:r>
+            <a:r>
+              <a:rPr lang="fr-FR" sz="1200" dirty="0" err="1">
                 <a:solidFill>
                   <a:schemeClr val="tx2"/>
                 </a:solidFill>
                 <a:ea typeface="+mn-lt"/>
                 <a:cs typeface="+mn-lt"/>
-              </a:rPr>
-              <a:t>HttpCode</a:t>
-            </a:r>
-            <a:r>
-              <a:rPr lang="fr-FR" sz="1400" b="0" dirty="0">
+                <a:hlinkClick r:id="rId6"/>
+              </a:rPr>
+              <a:t>HttpStatusCode</a:t>
+            </a:r>
+            <a:r>
+              <a:rPr lang="fr-FR" sz="1200" dirty="0">
                 <a:solidFill>
                   <a:schemeClr val="tx2"/>
                 </a:solidFill>
                 <a:ea typeface="+mn-lt"/>
                 <a:cs typeface="+mn-lt"/>
-              </a:rPr>
-              <a:t>.(400 | 500)</a:t>
-            </a:r>
-          </a:p>
-          <a:p>
-            <a:pPr marL="288000" indent="-216000">
-              <a:spcBef>
-                <a:spcPts val="600"/>
-              </a:spcBef>
-            </a:pPr>
-            <a:r>
-              <a:rPr lang="fr-FR" sz="1400" b="0" dirty="0">
+                <a:hlinkClick r:id="rId6"/>
+              </a:rPr>
+              <a:t>&gt;400</a:t>
+            </a:r>
+            <a:r>
+              <a:rPr lang="fr-FR" sz="1200" b="0" dirty="0">
                 <a:solidFill>
                   <a:schemeClr val="tx2"/>
                 </a:solidFill>
                 <a:ea typeface="+mn-lt"/>
                 <a:cs typeface="+mn-lt"/>
               </a:rPr>
-              <a:t>Quoi logger ? Req Ctx &amp; Resp Body</a:t>
-            </a:r>
+              <a:t>)</a:t>
+            </a:r>
+          </a:p>
+          <a:p>
+            <a:pPr marL="288000" indent="-216000">
+              <a:spcBef>
+                <a:spcPts val="300"/>
+              </a:spcBef>
+            </a:pPr>
+            <a:r>
+              <a:rPr lang="fr-FR" sz="1200" b="0" dirty="0" err="1">
+                <a:solidFill>
+                  <a:schemeClr val="tx2"/>
+                </a:solidFill>
+                <a:ea typeface="+mn-lt"/>
+                <a:cs typeface="+mn-lt"/>
+              </a:rPr>
+              <a:t>AuthentMw</a:t>
+            </a:r>
+            <a:r>
+              <a:rPr lang="fr-FR" sz="1200" b="0" dirty="0">
+                <a:solidFill>
+                  <a:schemeClr val="tx2"/>
+                </a:solidFill>
+                <a:ea typeface="+mn-lt"/>
+                <a:cs typeface="+mn-lt"/>
+              </a:rPr>
+              <a:t> | </a:t>
+            </a:r>
+            <a:r>
+              <a:rPr lang="fr-FR" sz="1200" b="0" dirty="0" err="1">
+                <a:solidFill>
+                  <a:schemeClr val="tx2"/>
+                </a:solidFill>
+                <a:ea typeface="+mn-lt"/>
+                <a:cs typeface="+mn-lt"/>
+              </a:rPr>
+              <a:t>AutorisationMw</a:t>
+            </a:r>
+            <a:endParaRPr lang="fr-FR" sz="1200" b="0" dirty="0">
+              <a:solidFill>
+                <a:schemeClr val="tx2"/>
+              </a:solidFill>
+              <a:ea typeface="+mn-lt"/>
+              <a:cs typeface="+mn-lt"/>
+            </a:endParaRPr>
           </a:p>
         </p:txBody>
       </p:sp>
       <p:sp>
         <p:nvSpPr>
-          <p:cNvPr id="11" name="Espace réservé du texte 7">
+          <p:cNvPr id="19" name="Espace réservé du texte 7">
             <a:extLst>
               <a:ext uri="{FF2B5EF4-FFF2-40B4-BE49-F238E27FC236}">
-                <a16:creationId xmlns:a16="http://schemas.microsoft.com/office/drawing/2014/main" id="{842C7B8B-D546-5F52-8614-36B5D5B7072A}"/>
+                <a16:creationId xmlns:a16="http://schemas.microsoft.com/office/drawing/2014/main" id="{1CEBC3FC-35E5-A4D5-32FB-CC10C3263E90}"/>
               </a:ext>
             </a:extLst>
           </p:cNvPr>
@@ -14269,12 +16129,12 @@
         </p:nvSpPr>
         <p:spPr>
           <a:xfrm>
-            <a:off x="977346" y="2577306"/>
-            <a:ext cx="3872663" cy="2286483"/>
+            <a:off x="5447069" y="3103432"/>
+            <a:ext cx="2538891" cy="1074073"/>
           </a:xfrm>
           <a:prstGeom prst="roundRect">
             <a:avLst>
-              <a:gd name="adj" fmla="val 8405"/>
+              <a:gd name="adj" fmla="val 9048"/>
             </a:avLst>
           </a:prstGeom>
           <a:ln w="15875">
@@ -14284,7 +16144,7 @@
           </a:ln>
         </p:spPr>
         <p:txBody>
-          <a:bodyPr vert="horz" lIns="0" tIns="0" rIns="0" bIns="0" rtlCol="0">
+          <a:bodyPr vert="horz" lIns="0" tIns="0" rIns="0" bIns="0" rtlCol="0" anchor="t">
             <a:noAutofit/>
           </a:bodyPr>
           <a:lstStyle>
@@ -14465,24 +16325,28 @@
                 <a:ea typeface="+mn-lt"/>
                 <a:cs typeface="+mn-lt"/>
               </a:rPr>
-              <a:t>Transformation</a:t>
-            </a:r>
+              <a:t>Rules</a:t>
+            </a:r>
+            <a:endParaRPr lang="fr-FR" sz="1600" dirty="0">
+              <a:ea typeface="+mn-lt"/>
+              <a:cs typeface="+mn-lt"/>
+            </a:endParaRPr>
           </a:p>
           <a:p>
             <a:pPr marL="288000" indent="-216000">
               <a:spcBef>
-                <a:spcPts val="600"/>
+                <a:spcPts val="0"/>
               </a:spcBef>
             </a:pPr>
             <a:r>
-              <a:rPr lang="fr-FR" sz="1400" b="0" dirty="0">
+              <a:rPr lang="fr-FR" sz="1200" b="0" dirty="0">
                 <a:solidFill>
                   <a:schemeClr val="tx2"/>
                 </a:solidFill>
                 <a:ea typeface="+mn-lt"/>
                 <a:cs typeface="+mn-lt"/>
               </a:rPr>
-              <a:t>Si Exception, Déduction </a:t>
+              <a:t>Exception To </a:t>
             </a:r>
             <a:r>
               <a:rPr lang="fr-FR" sz="1200" b="0" dirty="0" err="1">
@@ -14503,95 +16367,52 @@
             </a:endParaRPr>
           </a:p>
           <a:p>
-            <a:pPr marL="576000" lvl="1" indent="-216000">
+            <a:pPr marL="288000" indent="-216000">
               <a:spcBef>
                 <a:spcPts val="600"/>
               </a:spcBef>
             </a:pPr>
             <a:r>
-              <a:rPr lang="fr-FR" sz="1200" b="0" dirty="0">
+              <a:rPr lang="fr-FR" sz="1200" b="0" dirty="0" err="1">
                 <a:solidFill>
                   <a:schemeClr val="tx2"/>
                 </a:solidFill>
                 <a:ea typeface="+mn-lt"/>
                 <a:cs typeface="+mn-lt"/>
               </a:rPr>
-              <a:t>NotFoundExc.404</a:t>
-            </a:r>
-          </a:p>
-          <a:p>
-            <a:pPr marL="576000" lvl="1" indent="-216000">
-              <a:spcBef>
-                <a:spcPts val="600"/>
-              </a:spcBef>
-            </a:pPr>
+              <a:t>HttpCodes</a:t>
+            </a:r>
             <a:r>
               <a:rPr lang="fr-FR" sz="1200" b="0" dirty="0">
+                <a:solidFill>
+                  <a:schemeClr val="tx2"/>
+                </a:solidFill>
                 <a:ea typeface="+mn-lt"/>
                 <a:cs typeface="+mn-lt"/>
               </a:rPr>
-              <a:t>(</a:t>
+              <a:t> To </a:t>
             </a:r>
             <a:r>
               <a:rPr lang="fr-FR" sz="1200" b="0" dirty="0" err="1">
+                <a:solidFill>
+                  <a:schemeClr val="tx2"/>
+                </a:solidFill>
                 <a:ea typeface="+mn-lt"/>
                 <a:cs typeface="+mn-lt"/>
               </a:rPr>
-              <a:t>ApplicationExc</a:t>
-            </a:r>
-            <a:r>
-              <a:rPr lang="fr-FR" sz="1200" b="0" dirty="0">
-                <a:ea typeface="+mn-lt"/>
-                <a:cs typeface="+mn-lt"/>
-              </a:rPr>
-              <a:t> &amp; </a:t>
-            </a:r>
-            <a:r>
-              <a:rPr lang="fr-FR" sz="1200" b="0" dirty="0" err="1">
-                <a:solidFill>
-                  <a:schemeClr val="tx2"/>
-                </a:solidFill>
-                <a:ea typeface="+mn-lt"/>
-                <a:cs typeface="+mn-lt"/>
-              </a:rPr>
-              <a:t>ValidationExc</a:t>
-            </a:r>
-            <a:r>
-              <a:rPr lang="fr-FR" sz="1200" b="0" dirty="0">
-                <a:solidFill>
-                  <a:schemeClr val="tx2"/>
-                </a:solidFill>
-                <a:ea typeface="+mn-lt"/>
-                <a:cs typeface="+mn-lt"/>
-              </a:rPr>
-              <a:t>).400</a:t>
-            </a:r>
-          </a:p>
-          <a:p>
-            <a:pPr marL="576000" lvl="1" indent="-216000">
-              <a:spcBef>
-                <a:spcPts val="600"/>
+              <a:t>ProblemDetails</a:t>
+            </a:r>
+            <a:endParaRPr lang="fr-FR" sz="1200" b="0" dirty="0">
+              <a:ea typeface="+mn-lt"/>
+              <a:cs typeface="+mn-lt"/>
+            </a:endParaRPr>
+          </a:p>
+          <a:p>
+            <a:pPr marL="288000" indent="-216000">
+              <a:spcBef>
+                <a:spcPts val="0"/>
               </a:spcBef>
             </a:pPr>
-            <a:r>
-              <a:rPr lang="fr-FR" sz="1200" b="0" dirty="0">
-                <a:solidFill>
-                  <a:schemeClr val="tx2"/>
-                </a:solidFill>
-                <a:ea typeface="+mn-lt"/>
-                <a:cs typeface="+mn-lt"/>
-              </a:rPr>
-              <a:t>Else.500</a:t>
-            </a:r>
-            <a:br>
-              <a:rPr lang="fr-FR" sz="1200" b="0" dirty="0">
-                <a:solidFill>
-                  <a:schemeClr val="tx2"/>
-                </a:solidFill>
-                <a:ea typeface="+mn-lt"/>
-                <a:cs typeface="+mn-lt"/>
-              </a:rPr>
-            </a:br>
             <a:endParaRPr lang="fr-FR" sz="1200" b="0" dirty="0">
               <a:solidFill>
                 <a:schemeClr val="tx2"/>
@@ -14600,96 +16421,14 @@
               <a:cs typeface="+mn-lt"/>
             </a:endParaRPr>
           </a:p>
-          <a:p>
-            <a:pPr marL="288000" indent="-216000">
-              <a:spcBef>
-                <a:spcPts val="600"/>
-              </a:spcBef>
-            </a:pPr>
-            <a:r>
-              <a:rPr lang="fr-FR" sz="1400" b="0" dirty="0">
-                <a:solidFill>
-                  <a:schemeClr val="tx2"/>
-                </a:solidFill>
-                <a:ea typeface="+mn-lt"/>
-                <a:cs typeface="+mn-lt"/>
-              </a:rPr>
-              <a:t>Standardisation Erreur Client</a:t>
-            </a:r>
-          </a:p>
-          <a:p>
-            <a:pPr marL="576000" lvl="1" indent="-216000">
-              <a:spcBef>
-                <a:spcPts val="600"/>
-              </a:spcBef>
-            </a:pPr>
-            <a:r>
-              <a:rPr lang="fr-FR" sz="1200" b="0" dirty="0">
-                <a:solidFill>
-                  <a:schemeClr val="tx2"/>
-                </a:solidFill>
-                <a:ea typeface="+mn-lt"/>
-                <a:cs typeface="+mn-lt"/>
-              </a:rPr>
-              <a:t>Format. </a:t>
-            </a:r>
-            <a:r>
-              <a:rPr lang="fr-FR" sz="1200" b="0" dirty="0" err="1">
-                <a:solidFill>
-                  <a:schemeClr val="tx2"/>
-                </a:solidFill>
-                <a:ea typeface="+mn-lt"/>
-                <a:cs typeface="+mn-lt"/>
-              </a:rPr>
-              <a:t>ProblemDetails</a:t>
-            </a:r>
-            <a:endParaRPr lang="fr-FR" sz="1200" b="0" dirty="0">
-              <a:ea typeface="+mn-lt"/>
-              <a:cs typeface="+mn-lt"/>
-            </a:endParaRPr>
-          </a:p>
-          <a:p>
-            <a:pPr marL="576000" lvl="1" indent="-216000">
-              <a:spcBef>
-                <a:spcPts val="600"/>
-              </a:spcBef>
-            </a:pPr>
-            <a:r>
-              <a:rPr lang="fr-FR" sz="1200" b="0" dirty="0">
-                <a:solidFill>
-                  <a:schemeClr val="tx2"/>
-                </a:solidFill>
-                <a:ea typeface="+mn-lt"/>
-                <a:cs typeface="+mn-lt"/>
-              </a:rPr>
-              <a:t>Affichage Exception </a:t>
-            </a:r>
-            <a:r>
-              <a:rPr lang="fr-FR" sz="1200" dirty="0">
-                <a:solidFill>
-                  <a:schemeClr val="tx2"/>
-                </a:solidFill>
-                <a:ea typeface="+mn-lt"/>
-                <a:cs typeface="+mn-lt"/>
-              </a:rPr>
-              <a:t>(Selon Env)</a:t>
-            </a:r>
-            <a:endParaRPr lang="fr-FR" sz="1200" b="0" dirty="0">
-              <a:solidFill>
-                <a:schemeClr val="tx2"/>
-              </a:solidFill>
-              <a:ea typeface="+mn-lt"/>
-              <a:cs typeface="+mn-lt"/>
-            </a:endParaRPr>
-          </a:p>
         </p:txBody>
       </p:sp>
       <p:sp>
         <p:nvSpPr>
-          <p:cNvPr id="14" name="Espace réservé du texte 7">
+          <p:cNvPr id="21" name="Espace réservé du texte 7">
             <a:extLst>
               <a:ext uri="{FF2B5EF4-FFF2-40B4-BE49-F238E27FC236}">
-                <a16:creationId xmlns:a16="http://schemas.microsoft.com/office/drawing/2014/main" id="{417EBD97-910E-B0D6-C155-F9B9D1A40E38}"/>
+                <a16:creationId xmlns:a16="http://schemas.microsoft.com/office/drawing/2014/main" id="{7BD187FB-8BE5-9528-3967-FB3D51F138CA}"/>
               </a:ext>
             </a:extLst>
           </p:cNvPr>
@@ -14700,12 +16439,12 @@
         </p:nvSpPr>
         <p:spPr>
           <a:xfrm>
-            <a:off x="977345" y="1515068"/>
-            <a:ext cx="3872667" cy="902067"/>
+            <a:off x="8116725" y="3090798"/>
+            <a:ext cx="2942001" cy="1086707"/>
           </a:xfrm>
           <a:prstGeom prst="roundRect">
             <a:avLst>
-              <a:gd name="adj" fmla="val 14892"/>
+              <a:gd name="adj" fmla="val 9048"/>
             </a:avLst>
           </a:prstGeom>
           <a:ln w="15875">
@@ -14715,7 +16454,7 @@
           </a:ln>
         </p:spPr>
         <p:txBody>
-          <a:bodyPr vert="horz" lIns="0" tIns="0" rIns="0" bIns="0" rtlCol="0">
+          <a:bodyPr vert="horz" lIns="0" tIns="0" rIns="0" bIns="0" rtlCol="0" anchor="t">
             <a:noAutofit/>
           </a:bodyPr>
           <a:lstStyle>
@@ -14896,341 +16635,131 @@
                 <a:ea typeface="+mn-lt"/>
                 <a:cs typeface="+mn-lt"/>
               </a:rPr>
-              <a:t>Emission</a:t>
-            </a:r>
+              <a:t>Solution</a:t>
+            </a:r>
+            <a:endParaRPr lang="fr-FR" sz="1600" dirty="0">
+              <a:ea typeface="+mn-lt"/>
+              <a:cs typeface="+mn-lt"/>
+            </a:endParaRPr>
           </a:p>
           <a:p>
             <a:pPr marL="288000" indent="-216000">
               <a:spcBef>
-                <a:spcPts val="600"/>
+                <a:spcPts val="300"/>
               </a:spcBef>
             </a:pPr>
             <a:r>
-              <a:rPr lang="fr-FR" sz="1400" b="0" dirty="0">
+              <a:rPr lang="fr-FR" sz="1200" dirty="0" err="1">
                 <a:solidFill>
                   <a:schemeClr val="tx2"/>
                 </a:solidFill>
                 <a:ea typeface="+mn-lt"/>
                 <a:cs typeface="+mn-lt"/>
               </a:rPr>
-              <a:t>Exception (Maison | Tier Lib)</a:t>
-            </a:r>
-          </a:p>
-          <a:p>
-            <a:pPr marL="288000" indent="-216000">
-              <a:spcBef>
-                <a:spcPts val="600"/>
-              </a:spcBef>
-            </a:pPr>
-            <a:r>
-              <a:rPr lang="fr-FR" sz="1400" b="0" dirty="0">
+              <a:t>ExceptionMw</a:t>
+            </a:r>
+            <a:r>
+              <a:rPr lang="fr-FR" sz="1200" dirty="0">
                 <a:solidFill>
                   <a:schemeClr val="tx2"/>
                 </a:solidFill>
                 <a:ea typeface="+mn-lt"/>
                 <a:cs typeface="+mn-lt"/>
               </a:rPr>
-              <a:t>Http Error (</a:t>
-            </a:r>
-            <a:r>
-              <a:rPr lang="fr-FR" sz="1400" dirty="0">
+              <a:t>. </a:t>
+            </a:r>
+            <a:r>
+              <a:rPr lang="fr-FR" sz="1200" dirty="0" err="1">
                 <a:solidFill>
                   <a:schemeClr val="tx2"/>
                 </a:solidFill>
                 <a:ea typeface="+mn-lt"/>
                 <a:cs typeface="+mn-lt"/>
-                <a:hlinkClick r:id="rId2"/>
-              </a:rPr>
-              <a:t>HttpStatusCode &gt; 400</a:t>
-            </a:r>
-            <a:r>
-              <a:rPr lang="fr-FR" sz="1400" b="0" dirty="0">
+                <a:hlinkClick r:id="rId7"/>
+              </a:rPr>
+              <a:t>Impl</a:t>
+            </a:r>
+            <a:r>
+              <a:rPr lang="fr-FR" sz="1200" dirty="0">
                 <a:solidFill>
                   <a:schemeClr val="tx2"/>
                 </a:solidFill>
                 <a:ea typeface="+mn-lt"/>
                 <a:cs typeface="+mn-lt"/>
               </a:rPr>
-              <a:t>)</a:t>
-            </a:r>
-          </a:p>
-        </p:txBody>
-      </p:sp>
-      <p:sp>
-        <p:nvSpPr>
-          <p:cNvPr id="15" name="Espace réservé du texte 7">
-            <a:extLst>
-              <a:ext uri="{FF2B5EF4-FFF2-40B4-BE49-F238E27FC236}">
-                <a16:creationId xmlns:a16="http://schemas.microsoft.com/office/drawing/2014/main" id="{C7C48C59-B55F-8595-05E0-5A4B5D311AD4}"/>
-              </a:ext>
-            </a:extLst>
-          </p:cNvPr>
-          <p:cNvSpPr txBox="1">
-            <a:spLocks/>
-          </p:cNvSpPr>
-          <p:nvPr/>
-        </p:nvSpPr>
-        <p:spPr>
-          <a:xfrm>
-            <a:off x="5181461" y="2676633"/>
-            <a:ext cx="6099313" cy="3296575"/>
-          </a:xfrm>
-          <a:prstGeom prst="roundRect">
-            <a:avLst>
-              <a:gd name="adj" fmla="val 5400"/>
-            </a:avLst>
-          </a:prstGeom>
-          <a:ln w="15875">
-            <a:solidFill>
-              <a:schemeClr val="accent1"/>
-            </a:solidFill>
-          </a:ln>
-        </p:spPr>
-        <p:txBody>
-          <a:bodyPr vert="horz" lIns="0" tIns="0" rIns="0" bIns="0" rtlCol="0">
-            <a:noAutofit/>
-          </a:bodyPr>
-          <a:lstStyle>
-            <a:lvl1pPr marL="360000" indent="-360000" algn="l" defTabSz="914400" rtl="0" eaLnBrk="1" latinLnBrk="0" hangingPunct="1">
-              <a:lnSpc>
-                <a:spcPct val="90000"/>
-              </a:lnSpc>
-              <a:spcBef>
-                <a:spcPts val="1000"/>
-              </a:spcBef>
-              <a:buFont typeface="Arial" panose="020B0604020202020204" pitchFamily="34" charset="0"/>
-              <a:buChar char="•"/>
-              <a:defRPr sz="2000" b="1" kern="1200">
-                <a:solidFill>
-                  <a:schemeClr val="tx1"/>
-                </a:solidFill>
-                <a:latin typeface="+mn-lt"/>
-                <a:ea typeface="+mn-ea"/>
-                <a:cs typeface="+mn-cs"/>
-              </a:defRPr>
-            </a:lvl1pPr>
-            <a:lvl2pPr marL="648000" indent="-360000" algn="l" defTabSz="914400" rtl="0" eaLnBrk="1" latinLnBrk="0" hangingPunct="1">
-              <a:lnSpc>
-                <a:spcPct val="90000"/>
-              </a:lnSpc>
-              <a:spcBef>
-                <a:spcPts val="1200"/>
-              </a:spcBef>
-              <a:buFont typeface="Arial" panose="020B0604020202020204" pitchFamily="34" charset="0"/>
-              <a:buChar char="•"/>
-              <a:defRPr sz="1800" b="1" kern="1200">
-                <a:solidFill>
-                  <a:schemeClr val="tx2"/>
-                </a:solidFill>
-                <a:latin typeface="+mn-lt"/>
-                <a:ea typeface="+mn-ea"/>
-                <a:cs typeface="+mn-cs"/>
-              </a:defRPr>
-            </a:lvl2pPr>
-            <a:lvl3pPr marL="648000" indent="-360000" algn="l" defTabSz="914400" rtl="0" eaLnBrk="1" latinLnBrk="0" hangingPunct="1">
-              <a:lnSpc>
-                <a:spcPct val="90000"/>
-              </a:lnSpc>
-              <a:spcBef>
-                <a:spcPts val="1200"/>
-              </a:spcBef>
-              <a:buFont typeface="Arial" panose="020B0604020202020204" pitchFamily="34" charset="0"/>
-              <a:buChar char="•"/>
-              <a:defRPr sz="1800" b="1" kern="1200">
-                <a:solidFill>
-                  <a:schemeClr val="bg1">
-                    <a:lumMod val="65000"/>
-                  </a:schemeClr>
-                </a:solidFill>
-                <a:latin typeface="+mn-lt"/>
-                <a:ea typeface="+mn-ea"/>
-                <a:cs typeface="+mn-cs"/>
-              </a:defRPr>
-            </a:lvl3pPr>
-            <a:lvl4pPr marL="720000" indent="-270000" algn="l" defTabSz="914400" rtl="0" eaLnBrk="1" latinLnBrk="0" hangingPunct="1">
-              <a:lnSpc>
-                <a:spcPct val="90000"/>
-              </a:lnSpc>
-              <a:spcBef>
-                <a:spcPts val="1000"/>
-              </a:spcBef>
-              <a:buFont typeface="Arial" panose="020B0604020202020204" pitchFamily="34" charset="0"/>
-              <a:buChar char="•"/>
-              <a:defRPr sz="1600" kern="1200">
-                <a:solidFill>
-                  <a:schemeClr val="tx2"/>
-                </a:solidFill>
-                <a:latin typeface="+mn-lt"/>
-                <a:ea typeface="+mn-ea"/>
-                <a:cs typeface="+mn-cs"/>
-              </a:defRPr>
-            </a:lvl4pPr>
-            <a:lvl5pPr marL="630000" indent="-270000" algn="l" defTabSz="914400" rtl="0" eaLnBrk="1" latinLnBrk="0" hangingPunct="1">
-              <a:lnSpc>
-                <a:spcPct val="90000"/>
-              </a:lnSpc>
-              <a:spcBef>
-                <a:spcPts val="1000"/>
-              </a:spcBef>
-              <a:buFont typeface="Arial" panose="020B0604020202020204" pitchFamily="34" charset="0"/>
-              <a:buChar char="•"/>
-              <a:defRPr sz="1600" kern="1200">
-                <a:solidFill>
-                  <a:schemeClr val="tx2"/>
-                </a:solidFill>
-                <a:latin typeface="+mn-lt"/>
-                <a:ea typeface="+mn-ea"/>
-                <a:cs typeface="+mn-cs"/>
-              </a:defRPr>
-            </a:lvl5pPr>
-            <a:lvl6pPr marL="2514600" indent="-228600" algn="l" defTabSz="914400" rtl="0" eaLnBrk="1" latinLnBrk="0" hangingPunct="1">
-              <a:lnSpc>
-                <a:spcPct val="90000"/>
-              </a:lnSpc>
-              <a:spcBef>
-                <a:spcPts val="500"/>
-              </a:spcBef>
-              <a:buFont typeface="Arial" panose="020B0604020202020204" pitchFamily="34" charset="0"/>
-              <a:buChar char="•"/>
-              <a:defRPr sz="1800" kern="1200">
-                <a:solidFill>
-                  <a:schemeClr val="tx1"/>
-                </a:solidFill>
-                <a:latin typeface="+mn-lt"/>
-                <a:ea typeface="+mn-ea"/>
-                <a:cs typeface="+mn-cs"/>
-              </a:defRPr>
-            </a:lvl6pPr>
-            <a:lvl7pPr marL="2971800" indent="-228600" algn="l" defTabSz="914400" rtl="0" eaLnBrk="1" latinLnBrk="0" hangingPunct="1">
-              <a:lnSpc>
-                <a:spcPct val="90000"/>
-              </a:lnSpc>
-              <a:spcBef>
-                <a:spcPts val="500"/>
-              </a:spcBef>
-              <a:buFont typeface="Arial" panose="020B0604020202020204" pitchFamily="34" charset="0"/>
-              <a:buChar char="•"/>
-              <a:defRPr sz="1800" kern="1200">
-                <a:solidFill>
-                  <a:schemeClr val="tx1"/>
-                </a:solidFill>
-                <a:latin typeface="+mn-lt"/>
-                <a:ea typeface="+mn-ea"/>
-                <a:cs typeface="+mn-cs"/>
-              </a:defRPr>
-            </a:lvl7pPr>
-            <a:lvl8pPr marL="3429000" indent="-228600" algn="l" defTabSz="914400" rtl="0" eaLnBrk="1" latinLnBrk="0" hangingPunct="1">
-              <a:lnSpc>
-                <a:spcPct val="90000"/>
-              </a:lnSpc>
-              <a:spcBef>
-                <a:spcPts val="500"/>
-              </a:spcBef>
-              <a:buFont typeface="Arial" panose="020B0604020202020204" pitchFamily="34" charset="0"/>
-              <a:buChar char="•"/>
-              <a:defRPr sz="1800" kern="1200">
-                <a:solidFill>
-                  <a:schemeClr val="tx1"/>
-                </a:solidFill>
-                <a:latin typeface="+mn-lt"/>
-                <a:ea typeface="+mn-ea"/>
-                <a:cs typeface="+mn-cs"/>
-              </a:defRPr>
-            </a:lvl8pPr>
-            <a:lvl9pPr marL="3886200" indent="-228600" algn="l" defTabSz="914400" rtl="0" eaLnBrk="1" latinLnBrk="0" hangingPunct="1">
-              <a:lnSpc>
-                <a:spcPct val="90000"/>
-              </a:lnSpc>
-              <a:spcBef>
-                <a:spcPts val="500"/>
-              </a:spcBef>
-              <a:buFont typeface="Arial" panose="020B0604020202020204" pitchFamily="34" charset="0"/>
-              <a:buChar char="•"/>
-              <a:defRPr sz="1800" kern="1200">
-                <a:solidFill>
-                  <a:schemeClr val="tx1"/>
-                </a:solidFill>
-                <a:latin typeface="+mn-lt"/>
-                <a:ea typeface="+mn-ea"/>
-                <a:cs typeface="+mn-cs"/>
-              </a:defRPr>
-            </a:lvl9pPr>
-          </a:lstStyle>
-          <a:p>
-            <a:pPr marL="0" indent="0" algn="ctr">
-              <a:spcBef>
-                <a:spcPts val="600"/>
-              </a:spcBef>
-              <a:buNone/>
+              <a:t> </a:t>
+            </a:r>
+          </a:p>
+          <a:p>
+            <a:pPr marL="365760" lvl="1" indent="-182880">
+              <a:spcBef>
+                <a:spcPts val="300"/>
+              </a:spcBef>
             </a:pPr>
             <a:r>
-              <a:rPr lang="fr-FR" sz="1600" dirty="0">
+              <a:rPr lang="fr-FR" sz="1000" b="0" dirty="0" err="1">
+                <a:solidFill>
+                  <a:schemeClr val="tx2"/>
+                </a:solidFill>
                 <a:ea typeface="+mn-lt"/>
                 <a:cs typeface="+mn-lt"/>
               </a:rPr>
-              <a:t>Implémentation</a:t>
-            </a:r>
-          </a:p>
-          <a:p>
-            <a:pPr marL="72000" indent="0" algn="ctr">
-              <a:spcBef>
-                <a:spcPts val="300"/>
-              </a:spcBef>
-              <a:buNone/>
-            </a:pPr>
-            <a:r>
-              <a:rPr lang="fr-FR" sz="1400" dirty="0">
+              <a:t>HttpCode</a:t>
+            </a:r>
+            <a:r>
+              <a:rPr lang="fr-FR" sz="1000" b="0" dirty="0">
                 <a:solidFill>
                   <a:schemeClr val="tx2"/>
                 </a:solidFill>
                 <a:ea typeface="+mn-lt"/>
                 <a:cs typeface="+mn-lt"/>
               </a:rPr>
-              <a:t>Réf.</a:t>
-            </a:r>
-            <a:r>
-              <a:rPr lang="fr-FR" sz="1400" b="0" dirty="0">
+              <a:t> déduction | </a:t>
+            </a:r>
+            <a:r>
+              <a:rPr lang="fr-FR" sz="1000" dirty="0">
                 <a:solidFill>
                   <a:schemeClr val="tx2"/>
                 </a:solidFill>
                 <a:ea typeface="+mn-lt"/>
                 <a:cs typeface="+mn-lt"/>
-              </a:rPr>
-              <a:t> .Net6. </a:t>
-            </a:r>
-            <a:r>
-              <a:rPr lang="fr-FR" sz="1400" dirty="0">
+                <a:hlinkClick r:id="rId8"/>
+              </a:rPr>
+              <a:t>400 vs 422</a:t>
+            </a:r>
+            <a:r>
+              <a:rPr lang="fr-FR" sz="1000" b="0" dirty="0">
                 <a:solidFill>
                   <a:schemeClr val="tx2"/>
                 </a:solidFill>
                 <a:ea typeface="+mn-lt"/>
                 <a:cs typeface="+mn-lt"/>
-                <a:hlinkClick r:id="rId3"/>
-              </a:rPr>
-              <a:t>Général</a:t>
-            </a:r>
-            <a:r>
-              <a:rPr lang="fr-FR" sz="1400" dirty="0">
+              </a:rPr>
+              <a:t> | </a:t>
+            </a:r>
+            <a:r>
+              <a:rPr lang="fr-FR" sz="1000" dirty="0" err="1">
                 <a:solidFill>
                   <a:schemeClr val="tx2"/>
                 </a:solidFill>
                 <a:ea typeface="+mn-lt"/>
                 <a:cs typeface="+mn-lt"/>
-              </a:rPr>
-              <a:t> | </a:t>
-            </a:r>
-            <a:r>
-              <a:rPr lang="fr-FR" sz="1400" dirty="0">
+                <a:hlinkClick r:id="rId9"/>
+              </a:rPr>
+              <a:t>Why</a:t>
+            </a:r>
+            <a:r>
+              <a:rPr lang="fr-FR" sz="1000" dirty="0">
                 <a:solidFill>
                   <a:schemeClr val="tx2"/>
                 </a:solidFill>
                 <a:ea typeface="+mn-lt"/>
                 <a:cs typeface="+mn-lt"/>
-                <a:hlinkClick r:id="rId4"/>
-              </a:rPr>
-              <a:t>For Api</a:t>
-            </a:r>
-            <a:endParaRPr lang="fr-FR" sz="1400" dirty="0">
+                <a:hlinkClick r:id="rId9"/>
+              </a:rPr>
+              <a:t> 404</a:t>
+            </a:r>
+            <a:endParaRPr lang="fr-FR" sz="1000" dirty="0">
               <a:solidFill>
                 <a:schemeClr val="tx2"/>
               </a:solidFill>
@@ -15238,229 +16767,22 @@
               <a:cs typeface="+mn-lt"/>
             </a:endParaRPr>
           </a:p>
-        </p:txBody>
-      </p:sp>
-      <p:sp>
-        <p:nvSpPr>
-          <p:cNvPr id="3" name="Espace réservé du texte 7">
-            <a:extLst>
-              <a:ext uri="{FF2B5EF4-FFF2-40B4-BE49-F238E27FC236}">
-                <a16:creationId xmlns:a16="http://schemas.microsoft.com/office/drawing/2014/main" id="{C3167168-4490-6A90-9CBD-B650CA1D9D85}"/>
-              </a:ext>
-            </a:extLst>
-          </p:cNvPr>
-          <p:cNvSpPr txBox="1">
-            <a:spLocks/>
-          </p:cNvSpPr>
-          <p:nvPr/>
-        </p:nvSpPr>
-        <p:spPr>
-          <a:xfrm>
-            <a:off x="7413332" y="3254185"/>
-            <a:ext cx="3736678" cy="849981"/>
-          </a:xfrm>
-          <a:prstGeom prst="roundRect">
-            <a:avLst>
-              <a:gd name="adj" fmla="val 14892"/>
-            </a:avLst>
-          </a:prstGeom>
-          <a:ln w="15875">
-            <a:solidFill>
-              <a:schemeClr val="accent1"/>
-            </a:solidFill>
-          </a:ln>
-        </p:spPr>
-        <p:txBody>
-          <a:bodyPr vert="horz" lIns="0" tIns="0" rIns="0" bIns="0" rtlCol="0">
-            <a:noAutofit/>
-          </a:bodyPr>
-          <a:lstStyle>
-            <a:lvl1pPr marL="360000" indent="-360000" algn="l" defTabSz="914400" rtl="0" eaLnBrk="1" latinLnBrk="0" hangingPunct="1">
-              <a:lnSpc>
-                <a:spcPct val="90000"/>
-              </a:lnSpc>
-              <a:spcBef>
-                <a:spcPts val="1000"/>
-              </a:spcBef>
-              <a:buFont typeface="Arial" panose="020B0604020202020204" pitchFamily="34" charset="0"/>
-              <a:buChar char="•"/>
-              <a:defRPr sz="2000" b="1" kern="1200">
-                <a:solidFill>
-                  <a:schemeClr val="tx1"/>
-                </a:solidFill>
-                <a:latin typeface="+mn-lt"/>
-                <a:ea typeface="+mn-ea"/>
-                <a:cs typeface="+mn-cs"/>
-              </a:defRPr>
-            </a:lvl1pPr>
-            <a:lvl2pPr marL="648000" indent="-360000" algn="l" defTabSz="914400" rtl="0" eaLnBrk="1" latinLnBrk="0" hangingPunct="1">
-              <a:lnSpc>
-                <a:spcPct val="90000"/>
-              </a:lnSpc>
-              <a:spcBef>
-                <a:spcPts val="1200"/>
-              </a:spcBef>
-              <a:buFont typeface="Arial" panose="020B0604020202020204" pitchFamily="34" charset="0"/>
-              <a:buChar char="•"/>
-              <a:defRPr sz="1800" b="1" kern="1200">
-                <a:solidFill>
-                  <a:schemeClr val="tx2"/>
-                </a:solidFill>
-                <a:latin typeface="+mn-lt"/>
-                <a:ea typeface="+mn-ea"/>
-                <a:cs typeface="+mn-cs"/>
-              </a:defRPr>
-            </a:lvl2pPr>
-            <a:lvl3pPr marL="648000" indent="-360000" algn="l" defTabSz="914400" rtl="0" eaLnBrk="1" latinLnBrk="0" hangingPunct="1">
-              <a:lnSpc>
-                <a:spcPct val="90000"/>
-              </a:lnSpc>
-              <a:spcBef>
-                <a:spcPts val="1200"/>
-              </a:spcBef>
-              <a:buFont typeface="Arial" panose="020B0604020202020204" pitchFamily="34" charset="0"/>
-              <a:buChar char="•"/>
-              <a:defRPr sz="1800" b="1" kern="1200">
-                <a:solidFill>
-                  <a:schemeClr val="bg1">
-                    <a:lumMod val="65000"/>
-                  </a:schemeClr>
-                </a:solidFill>
-                <a:latin typeface="+mn-lt"/>
-                <a:ea typeface="+mn-ea"/>
-                <a:cs typeface="+mn-cs"/>
-              </a:defRPr>
-            </a:lvl3pPr>
-            <a:lvl4pPr marL="720000" indent="-270000" algn="l" defTabSz="914400" rtl="0" eaLnBrk="1" latinLnBrk="0" hangingPunct="1">
-              <a:lnSpc>
-                <a:spcPct val="90000"/>
-              </a:lnSpc>
-              <a:spcBef>
-                <a:spcPts val="1000"/>
-              </a:spcBef>
-              <a:buFont typeface="Arial" panose="020B0604020202020204" pitchFamily="34" charset="0"/>
-              <a:buChar char="•"/>
-              <a:defRPr sz="1600" kern="1200">
-                <a:solidFill>
-                  <a:schemeClr val="tx2"/>
-                </a:solidFill>
-                <a:latin typeface="+mn-lt"/>
-                <a:ea typeface="+mn-ea"/>
-                <a:cs typeface="+mn-cs"/>
-              </a:defRPr>
-            </a:lvl4pPr>
-            <a:lvl5pPr marL="630000" indent="-270000" algn="l" defTabSz="914400" rtl="0" eaLnBrk="1" latinLnBrk="0" hangingPunct="1">
-              <a:lnSpc>
-                <a:spcPct val="90000"/>
-              </a:lnSpc>
-              <a:spcBef>
-                <a:spcPts val="1000"/>
-              </a:spcBef>
-              <a:buFont typeface="Arial" panose="020B0604020202020204" pitchFamily="34" charset="0"/>
-              <a:buChar char="•"/>
-              <a:defRPr sz="1600" kern="1200">
-                <a:solidFill>
-                  <a:schemeClr val="tx2"/>
-                </a:solidFill>
-                <a:latin typeface="+mn-lt"/>
-                <a:ea typeface="+mn-ea"/>
-                <a:cs typeface="+mn-cs"/>
-              </a:defRPr>
-            </a:lvl5pPr>
-            <a:lvl6pPr marL="2514600" indent="-228600" algn="l" defTabSz="914400" rtl="0" eaLnBrk="1" latinLnBrk="0" hangingPunct="1">
-              <a:lnSpc>
-                <a:spcPct val="90000"/>
-              </a:lnSpc>
-              <a:spcBef>
-                <a:spcPts val="500"/>
-              </a:spcBef>
-              <a:buFont typeface="Arial" panose="020B0604020202020204" pitchFamily="34" charset="0"/>
-              <a:buChar char="•"/>
-              <a:defRPr sz="1800" kern="1200">
-                <a:solidFill>
-                  <a:schemeClr val="tx1"/>
-                </a:solidFill>
-                <a:latin typeface="+mn-lt"/>
-                <a:ea typeface="+mn-ea"/>
-                <a:cs typeface="+mn-cs"/>
-              </a:defRPr>
-            </a:lvl6pPr>
-            <a:lvl7pPr marL="2971800" indent="-228600" algn="l" defTabSz="914400" rtl="0" eaLnBrk="1" latinLnBrk="0" hangingPunct="1">
-              <a:lnSpc>
-                <a:spcPct val="90000"/>
-              </a:lnSpc>
-              <a:spcBef>
-                <a:spcPts val="500"/>
-              </a:spcBef>
-              <a:buFont typeface="Arial" panose="020B0604020202020204" pitchFamily="34" charset="0"/>
-              <a:buChar char="•"/>
-              <a:defRPr sz="1800" kern="1200">
-                <a:solidFill>
-                  <a:schemeClr val="tx1"/>
-                </a:solidFill>
-                <a:latin typeface="+mn-lt"/>
-                <a:ea typeface="+mn-ea"/>
-                <a:cs typeface="+mn-cs"/>
-              </a:defRPr>
-            </a:lvl7pPr>
-            <a:lvl8pPr marL="3429000" indent="-228600" algn="l" defTabSz="914400" rtl="0" eaLnBrk="1" latinLnBrk="0" hangingPunct="1">
-              <a:lnSpc>
-                <a:spcPct val="90000"/>
-              </a:lnSpc>
-              <a:spcBef>
-                <a:spcPts val="500"/>
-              </a:spcBef>
-              <a:buFont typeface="Arial" panose="020B0604020202020204" pitchFamily="34" charset="0"/>
-              <a:buChar char="•"/>
-              <a:defRPr sz="1800" kern="1200">
-                <a:solidFill>
-                  <a:schemeClr val="tx1"/>
-                </a:solidFill>
-                <a:latin typeface="+mn-lt"/>
-                <a:ea typeface="+mn-ea"/>
-                <a:cs typeface="+mn-cs"/>
-              </a:defRPr>
-            </a:lvl8pPr>
-            <a:lvl9pPr marL="3886200" indent="-228600" algn="l" defTabSz="914400" rtl="0" eaLnBrk="1" latinLnBrk="0" hangingPunct="1">
-              <a:lnSpc>
-                <a:spcPct val="90000"/>
-              </a:lnSpc>
-              <a:spcBef>
-                <a:spcPts val="500"/>
-              </a:spcBef>
-              <a:buFont typeface="Arial" panose="020B0604020202020204" pitchFamily="34" charset="0"/>
-              <a:buChar char="•"/>
-              <a:defRPr sz="1800" kern="1200">
-                <a:solidFill>
-                  <a:schemeClr val="tx1"/>
-                </a:solidFill>
-                <a:latin typeface="+mn-lt"/>
-                <a:ea typeface="+mn-ea"/>
-                <a:cs typeface="+mn-cs"/>
-              </a:defRPr>
-            </a:lvl9pPr>
-          </a:lstStyle>
-          <a:p>
-            <a:pPr marL="0" indent="0" algn="ctr">
-              <a:spcBef>
-                <a:spcPts val="0"/>
-              </a:spcBef>
-              <a:buNone/>
+          <a:p>
+            <a:pPr marL="288000" indent="-216000">
+              <a:spcBef>
+                <a:spcPts val="300"/>
+              </a:spcBef>
             </a:pPr>
             <a:r>
-              <a:rPr lang="fr-FR" sz="1400" dirty="0">
+              <a:rPr lang="fr-FR" sz="1200" dirty="0" err="1">
+                <a:solidFill>
+                  <a:schemeClr val="tx2"/>
+                </a:solidFill>
                 <a:ea typeface="+mn-lt"/>
                 <a:cs typeface="+mn-lt"/>
               </a:rPr>
-              <a:t>Emission</a:t>
-            </a:r>
-          </a:p>
-          <a:p>
-            <a:pPr marL="288000" indent="-216000">
-              <a:spcBef>
-                <a:spcPts val="0"/>
-              </a:spcBef>
-            </a:pPr>
+              <a:t>ProblemDetailsMw</a:t>
+            </a:r>
             <a:r>
               <a:rPr lang="fr-FR" sz="1200" dirty="0">
                 <a:solidFill>
@@ -15469,490 +16791,41 @@
                 <a:ea typeface="+mn-lt"/>
                 <a:cs typeface="+mn-lt"/>
               </a:rPr>
-              <a:t>C# Exception. </a:t>
-            </a:r>
-            <a:r>
-              <a:rPr lang="fr-FR" sz="1200" b="0" dirty="0">
+              <a:t>. </a:t>
+            </a:r>
+            <a:r>
+              <a:rPr lang="fr-FR" sz="1200" dirty="0" err="1">
                 <a:solidFill>
                   <a:schemeClr val="tx2"/>
                 </a:solidFill>
                 <a:ea typeface="+mn-lt"/>
                 <a:cs typeface="+mn-lt"/>
-              </a:rPr>
-              <a:t>(</a:t>
-            </a:r>
-            <a:r>
-              <a:rPr lang="fr-FR" sz="1200" b="0" dirty="0" err="1">
+                <a:hlinkClick r:id="rId10"/>
+              </a:rPr>
+              <a:t>Impl</a:t>
+            </a:r>
+            <a:r>
+              <a:rPr lang="fr-FR" sz="1200" dirty="0">
                 <a:solidFill>
                   <a:schemeClr val="tx2"/>
                 </a:solidFill>
                 <a:ea typeface="+mn-lt"/>
                 <a:cs typeface="+mn-lt"/>
               </a:rPr>
-              <a:t>throw</a:t>
-            </a:r>
-            <a:r>
-              <a:rPr lang="fr-FR" sz="1200" b="0" dirty="0">
+              <a:t> | </a:t>
+            </a:r>
+            <a:r>
+              <a:rPr lang="fr-FR" sz="1200" dirty="0">
                 <a:solidFill>
                   <a:schemeClr val="tx2"/>
                 </a:solidFill>
                 <a:ea typeface="+mn-lt"/>
                 <a:cs typeface="+mn-lt"/>
-              </a:rPr>
-              <a:t> new </a:t>
-            </a:r>
-            <a:r>
-              <a:rPr lang="fr-FR" sz="1200" b="0" dirty="0" err="1">
-                <a:solidFill>
-                  <a:schemeClr val="tx2"/>
-                </a:solidFill>
-                <a:ea typeface="+mn-lt"/>
-                <a:cs typeface="+mn-lt"/>
-              </a:rPr>
-              <a:t>XxxExc</a:t>
-            </a:r>
-            <a:r>
-              <a:rPr lang="fr-FR" sz="1200" b="0" dirty="0">
-                <a:solidFill>
-                  <a:schemeClr val="tx2"/>
-                </a:solidFill>
-                <a:ea typeface="+mn-lt"/>
-                <a:cs typeface="+mn-lt"/>
-              </a:rPr>
-              <a:t>°)</a:t>
-            </a:r>
-            <a:r>
-              <a:rPr lang="fr-FR" sz="1200" dirty="0">
-                <a:solidFill>
-                  <a:schemeClr val="tx2"/>
-                </a:solidFill>
-                <a:ea typeface="+mn-lt"/>
-                <a:cs typeface="+mn-lt"/>
-              </a:rPr>
-              <a:t> </a:t>
-            </a:r>
-          </a:p>
-          <a:p>
-            <a:pPr marL="288000" indent="-216000">
-              <a:spcBef>
-                <a:spcPts val="300"/>
-              </a:spcBef>
-            </a:pPr>
-            <a:r>
-              <a:rPr lang="fr-FR" sz="1200" dirty="0">
-                <a:solidFill>
-                  <a:schemeClr val="tx2"/>
-                </a:solidFill>
-                <a:ea typeface="+mn-lt"/>
-                <a:cs typeface="+mn-lt"/>
-              </a:rPr>
-              <a:t>Fluent Validation. </a:t>
-            </a:r>
-            <a:r>
-              <a:rPr lang="fr-FR" sz="1200" dirty="0">
-                <a:solidFill>
-                  <a:schemeClr val="tx2"/>
-                </a:solidFill>
-                <a:ea typeface="+mn-lt"/>
-                <a:cs typeface="+mn-lt"/>
-                <a:hlinkClick r:id="rId5"/>
-              </a:rPr>
-              <a:t>Learn</a:t>
-            </a:r>
-            <a:r>
-              <a:rPr lang="fr-FR" sz="1200" dirty="0">
-                <a:solidFill>
-                  <a:schemeClr val="tx2"/>
-                </a:solidFill>
-                <a:ea typeface="+mn-lt"/>
-                <a:cs typeface="+mn-lt"/>
-              </a:rPr>
-              <a:t> </a:t>
-            </a:r>
-            <a:r>
-              <a:rPr lang="fr-FR" sz="1200" dirty="0">
-                <a:ea typeface="+mn-lt"/>
-                <a:cs typeface="+mn-lt"/>
-              </a:rPr>
-              <a:t>| </a:t>
-            </a:r>
-            <a:r>
-              <a:rPr lang="fr-FR" sz="1200" dirty="0">
-                <a:ea typeface="+mn-lt"/>
-                <a:cs typeface="+mn-lt"/>
-                <a:hlinkClick r:id="rId6"/>
-              </a:rPr>
-              <a:t>Impl</a:t>
-            </a:r>
-            <a:r>
-              <a:rPr lang="fr-FR" sz="1200" dirty="0">
-                <a:ea typeface="+mn-lt"/>
-                <a:cs typeface="+mn-lt"/>
-              </a:rPr>
-              <a:t> </a:t>
-            </a:r>
-            <a:r>
-              <a:rPr lang="fr-FR" sz="1100" b="0" dirty="0">
-                <a:solidFill>
-                  <a:schemeClr val="tx2"/>
-                </a:solidFill>
-                <a:ea typeface="+mn-lt"/>
-                <a:cs typeface="+mn-lt"/>
-              </a:rPr>
-              <a:t>(</a:t>
-            </a:r>
-            <a:r>
-              <a:rPr lang="fr-FR" sz="1100" b="0" dirty="0" err="1">
-                <a:solidFill>
-                  <a:schemeClr val="tx2"/>
-                </a:solidFill>
-                <a:ea typeface="+mn-lt"/>
-                <a:cs typeface="+mn-lt"/>
-              </a:rPr>
-              <a:t>ValidationExc</a:t>
-            </a:r>
-            <a:r>
-              <a:rPr lang="fr-FR" sz="1100" b="0" dirty="0">
-                <a:solidFill>
-                  <a:schemeClr val="tx2"/>
-                </a:solidFill>
-                <a:ea typeface="+mn-lt"/>
-                <a:cs typeface="+mn-lt"/>
-              </a:rPr>
-              <a:t>)</a:t>
-            </a:r>
-          </a:p>
-          <a:p>
-            <a:pPr marL="288000" indent="-216000">
-              <a:spcBef>
-                <a:spcPts val="300"/>
-              </a:spcBef>
-            </a:pPr>
-            <a:r>
-              <a:rPr lang="fr-FR" sz="1200" b="0" dirty="0">
-                <a:solidFill>
-                  <a:schemeClr val="tx2"/>
-                </a:solidFill>
-                <a:ea typeface="+mn-lt"/>
-                <a:cs typeface="+mn-lt"/>
-              </a:rPr>
-              <a:t>AuthenticationMw | AutorisationMw</a:t>
-            </a:r>
-          </a:p>
-        </p:txBody>
-      </p:sp>
-      <p:sp>
-        <p:nvSpPr>
-          <p:cNvPr id="7" name="Espace réservé du texte 7">
-            <a:extLst>
-              <a:ext uri="{FF2B5EF4-FFF2-40B4-BE49-F238E27FC236}">
-                <a16:creationId xmlns:a16="http://schemas.microsoft.com/office/drawing/2014/main" id="{F13AB203-EAC6-E49A-83BD-3061EAD28268}"/>
-              </a:ext>
-            </a:extLst>
-          </p:cNvPr>
-          <p:cNvSpPr txBox="1">
-            <a:spLocks/>
-          </p:cNvSpPr>
-          <p:nvPr/>
-        </p:nvSpPr>
-        <p:spPr>
-          <a:xfrm>
-            <a:off x="7413332" y="4200403"/>
-            <a:ext cx="3736678" cy="1049678"/>
-          </a:xfrm>
-          <a:prstGeom prst="roundRect">
-            <a:avLst>
-              <a:gd name="adj" fmla="val 14892"/>
-            </a:avLst>
-          </a:prstGeom>
-          <a:ln w="15875">
-            <a:solidFill>
-              <a:schemeClr val="accent1"/>
-            </a:solidFill>
-          </a:ln>
-        </p:spPr>
-        <p:txBody>
-          <a:bodyPr vert="horz" lIns="0" tIns="0" rIns="0" bIns="0" rtlCol="0">
-            <a:noAutofit/>
-          </a:bodyPr>
-          <a:lstStyle>
-            <a:lvl1pPr marL="360000" indent="-360000" algn="l" defTabSz="914400" rtl="0" eaLnBrk="1" latinLnBrk="0" hangingPunct="1">
-              <a:lnSpc>
-                <a:spcPct val="90000"/>
-              </a:lnSpc>
-              <a:spcBef>
-                <a:spcPts val="1000"/>
-              </a:spcBef>
-              <a:buFont typeface="Arial" panose="020B0604020202020204" pitchFamily="34" charset="0"/>
-              <a:buChar char="•"/>
-              <a:defRPr sz="2000" b="1" kern="1200">
-                <a:solidFill>
-                  <a:schemeClr val="tx1"/>
-                </a:solidFill>
-                <a:latin typeface="+mn-lt"/>
-                <a:ea typeface="+mn-ea"/>
-                <a:cs typeface="+mn-cs"/>
-              </a:defRPr>
-            </a:lvl1pPr>
-            <a:lvl2pPr marL="648000" indent="-360000" algn="l" defTabSz="914400" rtl="0" eaLnBrk="1" latinLnBrk="0" hangingPunct="1">
-              <a:lnSpc>
-                <a:spcPct val="90000"/>
-              </a:lnSpc>
-              <a:spcBef>
-                <a:spcPts val="1200"/>
-              </a:spcBef>
-              <a:buFont typeface="Arial" panose="020B0604020202020204" pitchFamily="34" charset="0"/>
-              <a:buChar char="•"/>
-              <a:defRPr sz="1800" b="1" kern="1200">
-                <a:solidFill>
-                  <a:schemeClr val="tx2"/>
-                </a:solidFill>
-                <a:latin typeface="+mn-lt"/>
-                <a:ea typeface="+mn-ea"/>
-                <a:cs typeface="+mn-cs"/>
-              </a:defRPr>
-            </a:lvl2pPr>
-            <a:lvl3pPr marL="648000" indent="-360000" algn="l" defTabSz="914400" rtl="0" eaLnBrk="1" latinLnBrk="0" hangingPunct="1">
-              <a:lnSpc>
-                <a:spcPct val="90000"/>
-              </a:lnSpc>
-              <a:spcBef>
-                <a:spcPts val="1200"/>
-              </a:spcBef>
-              <a:buFont typeface="Arial" panose="020B0604020202020204" pitchFamily="34" charset="0"/>
-              <a:buChar char="•"/>
-              <a:defRPr sz="1800" b="1" kern="1200">
-                <a:solidFill>
-                  <a:schemeClr val="bg1">
-                    <a:lumMod val="65000"/>
-                  </a:schemeClr>
-                </a:solidFill>
-                <a:latin typeface="+mn-lt"/>
-                <a:ea typeface="+mn-ea"/>
-                <a:cs typeface="+mn-cs"/>
-              </a:defRPr>
-            </a:lvl3pPr>
-            <a:lvl4pPr marL="720000" indent="-270000" algn="l" defTabSz="914400" rtl="0" eaLnBrk="1" latinLnBrk="0" hangingPunct="1">
-              <a:lnSpc>
-                <a:spcPct val="90000"/>
-              </a:lnSpc>
-              <a:spcBef>
-                <a:spcPts val="1000"/>
-              </a:spcBef>
-              <a:buFont typeface="Arial" panose="020B0604020202020204" pitchFamily="34" charset="0"/>
-              <a:buChar char="•"/>
-              <a:defRPr sz="1600" kern="1200">
-                <a:solidFill>
-                  <a:schemeClr val="tx2"/>
-                </a:solidFill>
-                <a:latin typeface="+mn-lt"/>
-                <a:ea typeface="+mn-ea"/>
-                <a:cs typeface="+mn-cs"/>
-              </a:defRPr>
-            </a:lvl4pPr>
-            <a:lvl5pPr marL="630000" indent="-270000" algn="l" defTabSz="914400" rtl="0" eaLnBrk="1" latinLnBrk="0" hangingPunct="1">
-              <a:lnSpc>
-                <a:spcPct val="90000"/>
-              </a:lnSpc>
-              <a:spcBef>
-                <a:spcPts val="1000"/>
-              </a:spcBef>
-              <a:buFont typeface="Arial" panose="020B0604020202020204" pitchFamily="34" charset="0"/>
-              <a:buChar char="•"/>
-              <a:defRPr sz="1600" kern="1200">
-                <a:solidFill>
-                  <a:schemeClr val="tx2"/>
-                </a:solidFill>
-                <a:latin typeface="+mn-lt"/>
-                <a:ea typeface="+mn-ea"/>
-                <a:cs typeface="+mn-cs"/>
-              </a:defRPr>
-            </a:lvl5pPr>
-            <a:lvl6pPr marL="2514600" indent="-228600" algn="l" defTabSz="914400" rtl="0" eaLnBrk="1" latinLnBrk="0" hangingPunct="1">
-              <a:lnSpc>
-                <a:spcPct val="90000"/>
-              </a:lnSpc>
-              <a:spcBef>
-                <a:spcPts val="500"/>
-              </a:spcBef>
-              <a:buFont typeface="Arial" panose="020B0604020202020204" pitchFamily="34" charset="0"/>
-              <a:buChar char="•"/>
-              <a:defRPr sz="1800" kern="1200">
-                <a:solidFill>
-                  <a:schemeClr val="tx1"/>
-                </a:solidFill>
-                <a:latin typeface="+mn-lt"/>
-                <a:ea typeface="+mn-ea"/>
-                <a:cs typeface="+mn-cs"/>
-              </a:defRPr>
-            </a:lvl6pPr>
-            <a:lvl7pPr marL="2971800" indent="-228600" algn="l" defTabSz="914400" rtl="0" eaLnBrk="1" latinLnBrk="0" hangingPunct="1">
-              <a:lnSpc>
-                <a:spcPct val="90000"/>
-              </a:lnSpc>
-              <a:spcBef>
-                <a:spcPts val="500"/>
-              </a:spcBef>
-              <a:buFont typeface="Arial" panose="020B0604020202020204" pitchFamily="34" charset="0"/>
-              <a:buChar char="•"/>
-              <a:defRPr sz="1800" kern="1200">
-                <a:solidFill>
-                  <a:schemeClr val="tx1"/>
-                </a:solidFill>
-                <a:latin typeface="+mn-lt"/>
-                <a:ea typeface="+mn-ea"/>
-                <a:cs typeface="+mn-cs"/>
-              </a:defRPr>
-            </a:lvl7pPr>
-            <a:lvl8pPr marL="3429000" indent="-228600" algn="l" defTabSz="914400" rtl="0" eaLnBrk="1" latinLnBrk="0" hangingPunct="1">
-              <a:lnSpc>
-                <a:spcPct val="90000"/>
-              </a:lnSpc>
-              <a:spcBef>
-                <a:spcPts val="500"/>
-              </a:spcBef>
-              <a:buFont typeface="Arial" panose="020B0604020202020204" pitchFamily="34" charset="0"/>
-              <a:buChar char="•"/>
-              <a:defRPr sz="1800" kern="1200">
-                <a:solidFill>
-                  <a:schemeClr val="tx1"/>
-                </a:solidFill>
-                <a:latin typeface="+mn-lt"/>
-                <a:ea typeface="+mn-ea"/>
-                <a:cs typeface="+mn-cs"/>
-              </a:defRPr>
-            </a:lvl8pPr>
-            <a:lvl9pPr marL="3886200" indent="-228600" algn="l" defTabSz="914400" rtl="0" eaLnBrk="1" latinLnBrk="0" hangingPunct="1">
-              <a:lnSpc>
-                <a:spcPct val="90000"/>
-              </a:lnSpc>
-              <a:spcBef>
-                <a:spcPts val="500"/>
-              </a:spcBef>
-              <a:buFont typeface="Arial" panose="020B0604020202020204" pitchFamily="34" charset="0"/>
-              <a:buChar char="•"/>
-              <a:defRPr sz="1800" kern="1200">
-                <a:solidFill>
-                  <a:schemeClr val="tx1"/>
-                </a:solidFill>
-                <a:latin typeface="+mn-lt"/>
-                <a:ea typeface="+mn-ea"/>
-                <a:cs typeface="+mn-cs"/>
-              </a:defRPr>
-            </a:lvl9pPr>
-          </a:lstStyle>
-          <a:p>
-            <a:pPr marL="0" indent="0" algn="ctr">
-              <a:spcBef>
-                <a:spcPts val="600"/>
-              </a:spcBef>
-              <a:buNone/>
-            </a:pPr>
-            <a:r>
-              <a:rPr lang="fr-FR" sz="1400">
-                <a:ea typeface="+mn-lt"/>
-                <a:cs typeface="+mn-lt"/>
-              </a:rPr>
-              <a:t>Transformation</a:t>
-            </a:r>
-          </a:p>
-          <a:p>
-            <a:pPr marL="288000" indent="-216000">
-              <a:spcBef>
-                <a:spcPts val="300"/>
-              </a:spcBef>
-            </a:pPr>
-            <a:r>
-              <a:rPr lang="fr-FR" sz="1200">
-                <a:solidFill>
-                  <a:schemeClr val="tx2"/>
-                </a:solidFill>
-                <a:ea typeface="+mn-lt"/>
-                <a:cs typeface="+mn-lt"/>
-              </a:rPr>
-              <a:t>ExceptionMw. </a:t>
-            </a:r>
-            <a:r>
-              <a:rPr lang="fr-FR" sz="1200">
-                <a:solidFill>
-                  <a:schemeClr val="tx2"/>
-                </a:solidFill>
-                <a:ea typeface="+mn-lt"/>
-                <a:cs typeface="+mn-lt"/>
-                <a:hlinkClick r:id="rId7"/>
-              </a:rPr>
-              <a:t>Impl</a:t>
-            </a:r>
-            <a:r>
-              <a:rPr lang="fr-FR" sz="1200">
-                <a:solidFill>
-                  <a:schemeClr val="tx2"/>
-                </a:solidFill>
-                <a:ea typeface="+mn-lt"/>
-                <a:cs typeface="+mn-lt"/>
-              </a:rPr>
-              <a:t> </a:t>
-            </a:r>
-          </a:p>
-          <a:p>
-            <a:pPr marL="576000" lvl="1" indent="-216000">
-              <a:spcBef>
-                <a:spcPts val="300"/>
-              </a:spcBef>
-            </a:pPr>
-            <a:r>
-              <a:rPr lang="fr-FR" sz="1000" b="0" err="1">
-                <a:solidFill>
-                  <a:schemeClr val="tx2"/>
-                </a:solidFill>
-                <a:ea typeface="+mn-lt"/>
-                <a:cs typeface="+mn-lt"/>
-              </a:rPr>
-              <a:t>HttpCode</a:t>
-            </a:r>
-            <a:r>
-              <a:rPr lang="fr-FR" sz="1000" b="0">
-                <a:solidFill>
-                  <a:schemeClr val="tx2"/>
-                </a:solidFill>
-                <a:ea typeface="+mn-lt"/>
-                <a:cs typeface="+mn-lt"/>
-              </a:rPr>
-              <a:t> déduction | </a:t>
-            </a:r>
-            <a:r>
-              <a:rPr lang="fr-FR" sz="1000">
-                <a:solidFill>
-                  <a:schemeClr val="tx2"/>
-                </a:solidFill>
-                <a:ea typeface="+mn-lt"/>
-                <a:cs typeface="+mn-lt"/>
-                <a:hlinkClick r:id="rId8"/>
-              </a:rPr>
-              <a:t>400 vs 422</a:t>
-            </a:r>
-            <a:r>
-              <a:rPr lang="fr-FR" sz="1000" b="0">
-                <a:solidFill>
-                  <a:schemeClr val="tx2"/>
-                </a:solidFill>
-                <a:ea typeface="+mn-lt"/>
-                <a:cs typeface="+mn-lt"/>
-              </a:rPr>
-              <a:t> | </a:t>
-            </a:r>
-            <a:r>
-              <a:rPr lang="fr-FR" sz="1000">
-                <a:solidFill>
-                  <a:schemeClr val="tx2"/>
-                </a:solidFill>
-                <a:ea typeface="+mn-lt"/>
-                <a:cs typeface="+mn-lt"/>
-                <a:hlinkClick r:id="rId9"/>
-              </a:rPr>
-              <a:t>Why 404</a:t>
-            </a:r>
-            <a:endParaRPr lang="fr-FR" sz="1000">
+                <a:hlinkClick r:id="rId11"/>
+              </a:rPr>
+              <a:t>Intérêt</a:t>
+            </a:r>
+            <a:endParaRPr lang="fr-FR" sz="1200" dirty="0">
               <a:solidFill>
                 <a:schemeClr val="tx2"/>
               </a:solidFill>
@@ -15961,69 +16834,13 @@
             </a:endParaRPr>
           </a:p>
           <a:p>
-            <a:pPr marL="288000" indent="-216000">
+            <a:pPr marL="576000" lvl="2" indent="-216000">
               <a:spcBef>
                 <a:spcPts val="300"/>
               </a:spcBef>
             </a:pPr>
             <a:r>
-              <a:rPr lang="fr-FR" sz="1200">
-                <a:solidFill>
-                  <a:schemeClr val="tx2"/>
-                </a:solidFill>
-                <a:ea typeface="+mn-lt"/>
-                <a:cs typeface="+mn-lt"/>
-              </a:rPr>
-              <a:t>ProblemDetailsMw. </a:t>
-            </a:r>
-            <a:r>
-              <a:rPr lang="fr-FR" sz="1200">
-                <a:solidFill>
-                  <a:schemeClr val="tx2"/>
-                </a:solidFill>
-                <a:ea typeface="+mn-lt"/>
-                <a:cs typeface="+mn-lt"/>
-                <a:hlinkClick r:id="rId10"/>
-              </a:rPr>
-              <a:t>Impl</a:t>
-            </a:r>
-            <a:r>
-              <a:rPr lang="fr-FR" sz="1200">
-                <a:solidFill>
-                  <a:schemeClr val="tx2"/>
-                </a:solidFill>
-                <a:ea typeface="+mn-lt"/>
-                <a:cs typeface="+mn-lt"/>
-              </a:rPr>
-              <a:t> | </a:t>
-            </a:r>
-            <a:r>
-              <a:rPr lang="fr-FR" sz="1200">
-                <a:solidFill>
-                  <a:schemeClr val="tx2"/>
-                </a:solidFill>
-                <a:ea typeface="+mn-lt"/>
-                <a:cs typeface="+mn-lt"/>
-                <a:hlinkClick r:id="rId11"/>
-              </a:rPr>
-              <a:t>Intérêt</a:t>
-            </a:r>
-            <a:endParaRPr lang="fr-FR" sz="1200">
-              <a:solidFill>
-                <a:schemeClr val="tx2"/>
-              </a:solidFill>
-              <a:ea typeface="+mn-lt"/>
-              <a:cs typeface="+mn-lt"/>
-            </a:endParaRPr>
-          </a:p>
-          <a:p>
-            <a:pPr marL="576000" lvl="2" indent="-216000">
-              <a:spcBef>
-                <a:spcPts val="300"/>
-              </a:spcBef>
-            </a:pPr>
-            <a:r>
-              <a:rPr lang="fr-FR" sz="1100">
+              <a:rPr lang="fr-FR" sz="1100" dirty="0">
                 <a:solidFill>
                   <a:schemeClr val="tx2"/>
                 </a:solidFill>
@@ -16033,10 +16850,7 @@
               </a:rPr>
               <a:t>Map FluentValidation Exception</a:t>
             </a:r>
-            <a:endParaRPr lang="fr-FR" sz="1100">
-              <a:solidFill>
-                <a:schemeClr val="tx2"/>
-              </a:solidFill>
+            <a:endParaRPr lang="fr-FR" sz="1600" dirty="0">
               <a:ea typeface="+mn-lt"/>
               <a:cs typeface="+mn-lt"/>
             </a:endParaRPr>
@@ -16045,256 +16859,54 @@
       </p:sp>
       <p:sp>
         <p:nvSpPr>
-          <p:cNvPr id="8" name="Espace réservé du texte 7">
+          <p:cNvPr id="22" name="Arrow: Right 21">
             <a:extLst>
               <a:ext uri="{FF2B5EF4-FFF2-40B4-BE49-F238E27FC236}">
-                <a16:creationId xmlns:a16="http://schemas.microsoft.com/office/drawing/2014/main" id="{830FDC17-CB5D-9C8B-ED8F-FDC3F7FD6590}"/>
+                <a16:creationId xmlns:a16="http://schemas.microsoft.com/office/drawing/2014/main" id="{B70CC0E0-1548-D243-A680-AB3EAE962C5F}"/>
               </a:ext>
             </a:extLst>
           </p:cNvPr>
-          <p:cNvSpPr txBox="1">
-            <a:spLocks/>
-          </p:cNvSpPr>
+          <p:cNvSpPr/>
           <p:nvPr/>
         </p:nvSpPr>
         <p:spPr>
-          <a:xfrm>
-            <a:off x="7413332" y="5351720"/>
-            <a:ext cx="3736678" cy="512761"/>
+          <a:xfrm rot="5400000" flipV="1">
+            <a:off x="7791748" y="4208251"/>
+            <a:ext cx="264439" cy="202950"/>
           </a:xfrm>
-          <a:prstGeom prst="roundRect">
-            <a:avLst>
-              <a:gd name="adj" fmla="val 25951"/>
-            </a:avLst>
+          <a:prstGeom prst="rightArrow">
+            <a:avLst/>
           </a:prstGeom>
-          <a:ln w="15875">
-            <a:solidFill>
-              <a:schemeClr val="accent1"/>
-            </a:solidFill>
-          </a:ln>
         </p:spPr>
+        <p:style>
+          <a:lnRef idx="2">
+            <a:schemeClr val="accent1">
+              <a:shade val="15000"/>
+            </a:schemeClr>
+          </a:lnRef>
+          <a:fillRef idx="1">
+            <a:schemeClr val="accent1"/>
+          </a:fillRef>
+          <a:effectRef idx="0">
+            <a:schemeClr val="accent1"/>
+          </a:effectRef>
+          <a:fontRef idx="minor">
+            <a:schemeClr val="lt1"/>
+          </a:fontRef>
+        </p:style>
         <p:txBody>
-          <a:bodyPr vert="horz" lIns="0" tIns="0" rIns="0" bIns="0" rtlCol="0">
-            <a:noAutofit/>
-          </a:bodyPr>
-          <a:lstStyle>
-            <a:lvl1pPr marL="360000" indent="-360000" algn="l" defTabSz="914400" rtl="0" eaLnBrk="1" latinLnBrk="0" hangingPunct="1">
-              <a:lnSpc>
-                <a:spcPct val="90000"/>
-              </a:lnSpc>
-              <a:spcBef>
-                <a:spcPts val="1000"/>
-              </a:spcBef>
-              <a:buFont typeface="Arial" panose="020B0604020202020204" pitchFamily="34" charset="0"/>
-              <a:buChar char="•"/>
-              <a:defRPr sz="2000" b="1" kern="1200">
-                <a:solidFill>
-                  <a:schemeClr val="tx1"/>
-                </a:solidFill>
-                <a:latin typeface="+mn-lt"/>
-                <a:ea typeface="+mn-ea"/>
-                <a:cs typeface="+mn-cs"/>
-              </a:defRPr>
-            </a:lvl1pPr>
-            <a:lvl2pPr marL="648000" indent="-360000" algn="l" defTabSz="914400" rtl="0" eaLnBrk="1" latinLnBrk="0" hangingPunct="1">
-              <a:lnSpc>
-                <a:spcPct val="90000"/>
-              </a:lnSpc>
-              <a:spcBef>
-                <a:spcPts val="1200"/>
-              </a:spcBef>
-              <a:buFont typeface="Arial" panose="020B0604020202020204" pitchFamily="34" charset="0"/>
-              <a:buChar char="•"/>
-              <a:defRPr sz="1800" b="1" kern="1200">
-                <a:solidFill>
-                  <a:schemeClr val="tx2"/>
-                </a:solidFill>
-                <a:latin typeface="+mn-lt"/>
-                <a:ea typeface="+mn-ea"/>
-                <a:cs typeface="+mn-cs"/>
-              </a:defRPr>
-            </a:lvl2pPr>
-            <a:lvl3pPr marL="648000" indent="-360000" algn="l" defTabSz="914400" rtl="0" eaLnBrk="1" latinLnBrk="0" hangingPunct="1">
-              <a:lnSpc>
-                <a:spcPct val="90000"/>
-              </a:lnSpc>
-              <a:spcBef>
-                <a:spcPts val="1200"/>
-              </a:spcBef>
-              <a:buFont typeface="Arial" panose="020B0604020202020204" pitchFamily="34" charset="0"/>
-              <a:buChar char="•"/>
-              <a:defRPr sz="1800" b="1" kern="1200">
-                <a:solidFill>
-                  <a:schemeClr val="bg1">
-                    <a:lumMod val="65000"/>
-                  </a:schemeClr>
-                </a:solidFill>
-                <a:latin typeface="+mn-lt"/>
-                <a:ea typeface="+mn-ea"/>
-                <a:cs typeface="+mn-cs"/>
-              </a:defRPr>
-            </a:lvl3pPr>
-            <a:lvl4pPr marL="720000" indent="-270000" algn="l" defTabSz="914400" rtl="0" eaLnBrk="1" latinLnBrk="0" hangingPunct="1">
-              <a:lnSpc>
-                <a:spcPct val="90000"/>
-              </a:lnSpc>
-              <a:spcBef>
-                <a:spcPts val="1000"/>
-              </a:spcBef>
-              <a:buFont typeface="Arial" panose="020B0604020202020204" pitchFamily="34" charset="0"/>
-              <a:buChar char="•"/>
-              <a:defRPr sz="1600" kern="1200">
-                <a:solidFill>
-                  <a:schemeClr val="tx2"/>
-                </a:solidFill>
-                <a:latin typeface="+mn-lt"/>
-                <a:ea typeface="+mn-ea"/>
-                <a:cs typeface="+mn-cs"/>
-              </a:defRPr>
-            </a:lvl4pPr>
-            <a:lvl5pPr marL="630000" indent="-270000" algn="l" defTabSz="914400" rtl="0" eaLnBrk="1" latinLnBrk="0" hangingPunct="1">
-              <a:lnSpc>
-                <a:spcPct val="90000"/>
-              </a:lnSpc>
-              <a:spcBef>
-                <a:spcPts val="1000"/>
-              </a:spcBef>
-              <a:buFont typeface="Arial" panose="020B0604020202020204" pitchFamily="34" charset="0"/>
-              <a:buChar char="•"/>
-              <a:defRPr sz="1600" kern="1200">
-                <a:solidFill>
-                  <a:schemeClr val="tx2"/>
-                </a:solidFill>
-                <a:latin typeface="+mn-lt"/>
-                <a:ea typeface="+mn-ea"/>
-                <a:cs typeface="+mn-cs"/>
-              </a:defRPr>
-            </a:lvl5pPr>
-            <a:lvl6pPr marL="2514600" indent="-228600" algn="l" defTabSz="914400" rtl="0" eaLnBrk="1" latinLnBrk="0" hangingPunct="1">
-              <a:lnSpc>
-                <a:spcPct val="90000"/>
-              </a:lnSpc>
-              <a:spcBef>
-                <a:spcPts val="500"/>
-              </a:spcBef>
-              <a:buFont typeface="Arial" panose="020B0604020202020204" pitchFamily="34" charset="0"/>
-              <a:buChar char="•"/>
-              <a:defRPr sz="1800" kern="1200">
-                <a:solidFill>
-                  <a:schemeClr val="tx1"/>
-                </a:solidFill>
-                <a:latin typeface="+mn-lt"/>
-                <a:ea typeface="+mn-ea"/>
-                <a:cs typeface="+mn-cs"/>
-              </a:defRPr>
-            </a:lvl6pPr>
-            <a:lvl7pPr marL="2971800" indent="-228600" algn="l" defTabSz="914400" rtl="0" eaLnBrk="1" latinLnBrk="0" hangingPunct="1">
-              <a:lnSpc>
-                <a:spcPct val="90000"/>
-              </a:lnSpc>
-              <a:spcBef>
-                <a:spcPts val="500"/>
-              </a:spcBef>
-              <a:buFont typeface="Arial" panose="020B0604020202020204" pitchFamily="34" charset="0"/>
-              <a:buChar char="•"/>
-              <a:defRPr sz="1800" kern="1200">
-                <a:solidFill>
-                  <a:schemeClr val="tx1"/>
-                </a:solidFill>
-                <a:latin typeface="+mn-lt"/>
-                <a:ea typeface="+mn-ea"/>
-                <a:cs typeface="+mn-cs"/>
-              </a:defRPr>
-            </a:lvl7pPr>
-            <a:lvl8pPr marL="3429000" indent="-228600" algn="l" defTabSz="914400" rtl="0" eaLnBrk="1" latinLnBrk="0" hangingPunct="1">
-              <a:lnSpc>
-                <a:spcPct val="90000"/>
-              </a:lnSpc>
-              <a:spcBef>
-                <a:spcPts val="500"/>
-              </a:spcBef>
-              <a:buFont typeface="Arial" panose="020B0604020202020204" pitchFamily="34" charset="0"/>
-              <a:buChar char="•"/>
-              <a:defRPr sz="1800" kern="1200">
-                <a:solidFill>
-                  <a:schemeClr val="tx1"/>
-                </a:solidFill>
-                <a:latin typeface="+mn-lt"/>
-                <a:ea typeface="+mn-ea"/>
-                <a:cs typeface="+mn-cs"/>
-              </a:defRPr>
-            </a:lvl8pPr>
-            <a:lvl9pPr marL="3886200" indent="-228600" algn="l" defTabSz="914400" rtl="0" eaLnBrk="1" latinLnBrk="0" hangingPunct="1">
-              <a:lnSpc>
-                <a:spcPct val="90000"/>
-              </a:lnSpc>
-              <a:spcBef>
-                <a:spcPts val="500"/>
-              </a:spcBef>
-              <a:buFont typeface="Arial" panose="020B0604020202020204" pitchFamily="34" charset="0"/>
-              <a:buChar char="•"/>
-              <a:defRPr sz="1800" kern="1200">
-                <a:solidFill>
-                  <a:schemeClr val="tx1"/>
-                </a:solidFill>
-                <a:latin typeface="+mn-lt"/>
-                <a:ea typeface="+mn-ea"/>
-                <a:cs typeface="+mn-cs"/>
-              </a:defRPr>
-            </a:lvl9pPr>
-          </a:lstStyle>
-          <a:p>
-            <a:pPr marL="0" indent="0" algn="ctr">
-              <a:spcBef>
-                <a:spcPts val="600"/>
-              </a:spcBef>
-              <a:buNone/>
-            </a:pPr>
-            <a:r>
-              <a:rPr lang="fr-FR" sz="1400" dirty="0">
-                <a:ea typeface="+mn-lt"/>
-                <a:cs typeface="+mn-lt"/>
-              </a:rPr>
-              <a:t>Logging</a:t>
-            </a:r>
-          </a:p>
-          <a:p>
-            <a:pPr marL="288000" indent="-216000">
-              <a:spcBef>
-                <a:spcPts val="600"/>
-              </a:spcBef>
-            </a:pPr>
-            <a:r>
-              <a:rPr lang="fr-FR" sz="1200" dirty="0">
-                <a:solidFill>
-                  <a:schemeClr val="tx2"/>
-                </a:solidFill>
-                <a:ea typeface="+mn-lt"/>
-                <a:cs typeface="+mn-lt"/>
-              </a:rPr>
-              <a:t>LoggerMw. </a:t>
-            </a:r>
-            <a:r>
-              <a:rPr lang="fr-FR" sz="1200" b="0" dirty="0">
-                <a:solidFill>
-                  <a:schemeClr val="tx2"/>
-                </a:solidFill>
-                <a:ea typeface="+mn-lt"/>
-                <a:cs typeface="+mn-lt"/>
-              </a:rPr>
-              <a:t>Error Logging</a:t>
-            </a:r>
-            <a:endParaRPr lang="fr-FR" sz="1200" dirty="0">
-              <a:ea typeface="+mn-lt"/>
-              <a:cs typeface="+mn-lt"/>
-            </a:endParaRPr>
+          <a:bodyPr rtlCol="0" anchor="ctr"/>
+          <a:lstStyle/>
+          <a:p>
+            <a:pPr algn="ctr"/>
+            <a:endParaRPr lang="en-US"/>
           </a:p>
         </p:txBody>
       </p:sp>
     </p:spTree>
     <p:extLst>
       <p:ext uri="{BB962C8B-B14F-4D97-AF65-F5344CB8AC3E}">
-        <p14:creationId xmlns:p14="http://schemas.microsoft.com/office/powerpoint/2010/main" val="1847149617"/>
+        <p14:creationId xmlns:p14="http://schemas.microsoft.com/office/powerpoint/2010/main" val="3334357831"/>
       </p:ext>
     </p:extLst>
   </p:cSld>

--- a/Shop.Solution/Shop.Api.pptx
+++ b/Shop.Solution/Shop.Api.pptx
@@ -317,7 +317,7 @@
           <a:p>
             <a:fld id="{F869B831-4E69-4D2A-AD19-BF4301D60DCB}" type="datetimeFigureOut">
               <a:rPr lang="fr-FR" smtClean="0"/>
-              <a:t>26/08/2023</a:t>
+              <a:t>10/09/2023</a:t>
             </a:fld>
             <a:endParaRPr lang="fr-FR"/>
           </a:p>
@@ -494,7 +494,7 @@
           <a:p>
             <a:fld id="{21CD3A5E-BD05-4410-88B3-BEFECD2D9F92}" type="datetimeFigureOut">
               <a:rPr lang="fr-FR" smtClean="0"/>
-              <a:t>26/08/2023</a:t>
+              <a:t>10/09/2023</a:t>
             </a:fld>
             <a:endParaRPr lang="fr-FR"/>
           </a:p>
@@ -9552,10 +9552,9 @@
           <a:p>
             <a:pPr algn="ctr"/>
             <a:r>
-              <a:rPr lang="fr-FR" sz="1200" b="1" dirty="0" err="1"/>
-              <a:t>ShoppingList</a:t>
-            </a:r>
-            <a:endParaRPr lang="fr-FR" sz="1200" b="1" dirty="0"/>
+              <a:rPr lang="fr-FR" sz="1200" b="1" dirty="0"/>
+              <a:t>Shop</a:t>
+            </a:r>
           </a:p>
         </p:txBody>
       </p:sp>
@@ -9967,8 +9966,8 @@
           <a:p>
             <a:pPr algn="ctr"/>
             <a:r>
-              <a:rPr lang="fr-FR" sz="1200" b="1" dirty="0" err="1"/>
-              <a:t>ShoppingList</a:t>
+              <a:rPr lang="fr-FR" sz="1200" b="1" dirty="0"/>
+              <a:t>Shop</a:t>
             </a:r>
             <a:endParaRPr lang="fr-FR" sz="900" b="1" dirty="0"/>
           </a:p>
@@ -10564,20 +10563,9 @@
             <a:pPr algn="ctr"/>
             <a:r>
               <a:rPr lang="fr-FR" sz="1400" b="1" dirty="0" err="1"/>
-              <a:t>MailApi</a:t>
-            </a:r>
-            <a:r>
-              <a:rPr lang="fr-FR" sz="1400" b="1" dirty="0"/>
-              <a:t> (</a:t>
-            </a:r>
-            <a:r>
-              <a:rPr lang="fr-FR" sz="1400" b="1" dirty="0" err="1"/>
-              <a:t>SendingBlue</a:t>
-            </a:r>
-            <a:r>
-              <a:rPr lang="fr-FR" sz="1400" b="1" dirty="0"/>
-              <a:t>)</a:t>
-            </a:r>
+              <a:t>Brevo.Mail.Api</a:t>
+            </a:r>
+            <a:endParaRPr lang="fr-FR" sz="1400" b="1" dirty="0"/>
           </a:p>
         </p:txBody>
       </p:sp>

--- a/Shop.Solution/Shop.Api.pptx
+++ b/Shop.Solution/Shop.Api.pptx
@@ -124,7 +124,7 @@
   <p:extLst>
     <p:ext uri="{521415D9-36F7-43E2-AB2F-B90AF26B5E84}">
       <p14:sectionLst xmlns:p14="http://schemas.microsoft.com/office/powerpoint/2010/main">
-        <p14:section name="Default Section" id="{00DB974F-9418-4840-A334-73768C3E9D98}">
+        <p14:section name="Introduction" id="{00DB974F-9418-4840-A334-73768C3E9D98}">
           <p14:sldIdLst>
             <p14:sldId id="257"/>
             <p14:sldId id="258"/>
@@ -317,7 +317,7 @@
           <a:p>
             <a:fld id="{F869B831-4E69-4D2A-AD19-BF4301D60DCB}" type="datetimeFigureOut">
               <a:rPr lang="fr-FR" smtClean="0"/>
-              <a:t>10/09/2023</a:t>
+              <a:t>13/09/2023</a:t>
             </a:fld>
             <a:endParaRPr lang="fr-FR"/>
           </a:p>
@@ -494,7 +494,7 @@
           <a:p>
             <a:fld id="{21CD3A5E-BD05-4410-88B3-BEFECD2D9F92}" type="datetimeFigureOut">
               <a:rPr lang="fr-FR" smtClean="0"/>
-              <a:t>10/09/2023</a:t>
+              <a:t>13/09/2023</a:t>
             </a:fld>
             <a:endParaRPr lang="fr-FR"/>
           </a:p>
